--- a/documents/Managed System/Deployment Diagram 2.0.pptx
+++ b/documents/Managed System/Deployment Diagram 2.0.pptx
@@ -261,7 +261,7 @@
           <a:p>
             <a:fld id="{0C022E22-8E55-0642-8631-076F0F4D5404}" type="datetimeFigureOut">
               <a:rPr lang="it-IT" smtClean="0"/>
-              <a:t>12/11/22</a:t>
+              <a:t>17/11/22</a:t>
             </a:fld>
             <a:endParaRPr lang="it-IT"/>
           </a:p>
@@ -459,7 +459,7 @@
           <a:p>
             <a:fld id="{0C022E22-8E55-0642-8631-076F0F4D5404}" type="datetimeFigureOut">
               <a:rPr lang="it-IT" smtClean="0"/>
-              <a:t>12/11/22</a:t>
+              <a:t>17/11/22</a:t>
             </a:fld>
             <a:endParaRPr lang="it-IT"/>
           </a:p>
@@ -667,7 +667,7 @@
           <a:p>
             <a:fld id="{0C022E22-8E55-0642-8631-076F0F4D5404}" type="datetimeFigureOut">
               <a:rPr lang="it-IT" smtClean="0"/>
-              <a:t>12/11/22</a:t>
+              <a:t>17/11/22</a:t>
             </a:fld>
             <a:endParaRPr lang="it-IT"/>
           </a:p>
@@ -865,7 +865,7 @@
           <a:p>
             <a:fld id="{0C022E22-8E55-0642-8631-076F0F4D5404}" type="datetimeFigureOut">
               <a:rPr lang="it-IT" smtClean="0"/>
-              <a:t>12/11/22</a:t>
+              <a:t>17/11/22</a:t>
             </a:fld>
             <a:endParaRPr lang="it-IT"/>
           </a:p>
@@ -1140,7 +1140,7 @@
           <a:p>
             <a:fld id="{0C022E22-8E55-0642-8631-076F0F4D5404}" type="datetimeFigureOut">
               <a:rPr lang="it-IT" smtClean="0"/>
-              <a:t>12/11/22</a:t>
+              <a:t>17/11/22</a:t>
             </a:fld>
             <a:endParaRPr lang="it-IT"/>
           </a:p>
@@ -1405,7 +1405,7 @@
           <a:p>
             <a:fld id="{0C022E22-8E55-0642-8631-076F0F4D5404}" type="datetimeFigureOut">
               <a:rPr lang="it-IT" smtClean="0"/>
-              <a:t>12/11/22</a:t>
+              <a:t>17/11/22</a:t>
             </a:fld>
             <a:endParaRPr lang="it-IT"/>
           </a:p>
@@ -1817,7 +1817,7 @@
           <a:p>
             <a:fld id="{0C022E22-8E55-0642-8631-076F0F4D5404}" type="datetimeFigureOut">
               <a:rPr lang="it-IT" smtClean="0"/>
-              <a:t>12/11/22</a:t>
+              <a:t>17/11/22</a:t>
             </a:fld>
             <a:endParaRPr lang="it-IT"/>
           </a:p>
@@ -1958,7 +1958,7 @@
           <a:p>
             <a:fld id="{0C022E22-8E55-0642-8631-076F0F4D5404}" type="datetimeFigureOut">
               <a:rPr lang="it-IT" smtClean="0"/>
-              <a:t>12/11/22</a:t>
+              <a:t>17/11/22</a:t>
             </a:fld>
             <a:endParaRPr lang="it-IT"/>
           </a:p>
@@ -2071,7 +2071,7 @@
           <a:p>
             <a:fld id="{0C022E22-8E55-0642-8631-076F0F4D5404}" type="datetimeFigureOut">
               <a:rPr lang="it-IT" smtClean="0"/>
-              <a:t>12/11/22</a:t>
+              <a:t>17/11/22</a:t>
             </a:fld>
             <a:endParaRPr lang="it-IT"/>
           </a:p>
@@ -2382,7 +2382,7 @@
           <a:p>
             <a:fld id="{0C022E22-8E55-0642-8631-076F0F4D5404}" type="datetimeFigureOut">
               <a:rPr lang="it-IT" smtClean="0"/>
-              <a:t>12/11/22</a:t>
+              <a:t>17/11/22</a:t>
             </a:fld>
             <a:endParaRPr lang="it-IT"/>
           </a:p>
@@ -2670,7 +2670,7 @@
           <a:p>
             <a:fld id="{0C022E22-8E55-0642-8631-076F0F4D5404}" type="datetimeFigureOut">
               <a:rPr lang="it-IT" smtClean="0"/>
-              <a:t>12/11/22</a:t>
+              <a:t>17/11/22</a:t>
             </a:fld>
             <a:endParaRPr lang="it-IT"/>
           </a:p>
@@ -2911,7 +2911,7 @@
           <a:p>
             <a:fld id="{0C022E22-8E55-0642-8631-076F0F4D5404}" type="datetimeFigureOut">
               <a:rPr lang="it-IT" smtClean="0"/>
-              <a:t>12/11/22</a:t>
+              <a:t>17/11/22</a:t>
             </a:fld>
             <a:endParaRPr lang="it-IT"/>
           </a:p>
@@ -8210,7 +8210,7 @@
           </p:nvSpPr>
           <p:spPr>
             <a:xfrm>
-              <a:off x="2602675" y="2676033"/>
+              <a:off x="2602675" y="2700334"/>
               <a:ext cx="1615044" cy="523220"/>
             </a:xfrm>
             <a:prstGeom prst="rect">
@@ -8577,7 +8577,7 @@
           </p:nvSpPr>
           <p:spPr>
             <a:xfrm>
-              <a:off x="2602675" y="2587723"/>
+              <a:off x="2602675" y="2620126"/>
               <a:ext cx="1615044" cy="738664"/>
             </a:xfrm>
             <a:prstGeom prst="rect">
@@ -8663,44 +8663,8 @@
         </p:blipFill>
         <p:spPr>
           <a:xfrm>
-            <a:off x="7379675" y="1682270"/>
-            <a:ext cx="853516" cy="853516"/>
-          </a:xfrm>
-          <a:prstGeom prst="rect">
-            <a:avLst/>
-          </a:prstGeom>
-        </p:spPr>
-      </p:pic>
-      <p:pic>
-        <p:nvPicPr>
-          <p:cNvPr id="67" name="Elemento grafico 66" descr="Database con riempimento a tinta unita">
-            <a:extLst>
-              <a:ext uri="{FF2B5EF4-FFF2-40B4-BE49-F238E27FC236}">
-                <a16:creationId xmlns:a16="http://schemas.microsoft.com/office/drawing/2014/main" id="{43425A5E-C2D6-AEA0-2935-F831F160292A}"/>
-              </a:ext>
-            </a:extLst>
-          </p:cNvPr>
-          <p:cNvPicPr>
-            <a:picLocks noChangeAspect="1"/>
-          </p:cNvPicPr>
-          <p:nvPr/>
-        </p:nvPicPr>
-        <p:blipFill>
-          <a:blip r:embed="rId2">
-            <a:extLst>
-              <a:ext uri="{96DAC541-7B7A-43D3-8B79-37D633B846F1}">
-                <asvg:svgBlip xmlns:asvg="http://schemas.microsoft.com/office/drawing/2016/SVG/main" r:embed="rId3"/>
-              </a:ext>
-            </a:extLst>
-          </a:blip>
-          <a:stretch>
-            <a:fillRect/>
-          </a:stretch>
-        </p:blipFill>
-        <p:spPr>
-          <a:xfrm>
-            <a:off x="7374991" y="4912235"/>
-            <a:ext cx="853516" cy="853516"/>
+            <a:off x="7416278" y="1720002"/>
+            <a:ext cx="770126" cy="770126"/>
           </a:xfrm>
           <a:prstGeom prst="rect">
             <a:avLst/>
@@ -8902,7 +8866,7 @@
         </p:blipFill>
         <p:spPr>
           <a:xfrm>
-            <a:off x="80569" y="2728428"/>
+            <a:off x="80569" y="2632630"/>
             <a:ext cx="914400" cy="914400"/>
           </a:xfrm>
           <a:prstGeom prst="rect">
@@ -8963,7 +8927,7 @@
         </p:nvSpPr>
         <p:spPr>
           <a:xfrm>
-            <a:off x="47795" y="3635316"/>
+            <a:off x="47795" y="3565645"/>
             <a:ext cx="979948" cy="276999"/>
           </a:xfrm>
           <a:prstGeom prst="rect">
@@ -9048,8 +9012,8 @@
         </p:nvCxnSpPr>
         <p:spPr>
           <a:xfrm flipH="1" flipV="1">
-            <a:off x="994969" y="3185628"/>
-            <a:ext cx="2972499" cy="13087"/>
+            <a:off x="994969" y="3089830"/>
+            <a:ext cx="2972499" cy="0"/>
           </a:xfrm>
           <a:prstGeom prst="straightConnector1">
             <a:avLst/>
@@ -9128,15 +9092,14 @@
           </p:cNvPr>
           <p:cNvCxnSpPr>
             <a:cxnSpLocks/>
-            <a:stCxn id="47" idx="0"/>
-            <a:endCxn id="6" idx="3"/>
+            <a:endCxn id="6" idx="4"/>
           </p:cNvCxnSpPr>
           <p:nvPr/>
         </p:nvCxnSpPr>
         <p:spPr>
-          <a:xfrm flipH="1">
-            <a:off x="7134423" y="2277859"/>
-            <a:ext cx="2" cy="1783514"/>
+          <a:xfrm>
+            <a:off x="6924381" y="2388501"/>
+            <a:ext cx="882792" cy="2009248"/>
           </a:xfrm>
           <a:prstGeom prst="line">
             <a:avLst/>
@@ -9179,8 +9142,8 @@
         </p:nvSpPr>
         <p:spPr>
           <a:xfrm>
-            <a:off x="4279266" y="614991"/>
-            <a:ext cx="5897980" cy="5240543"/>
+            <a:off x="4279266" y="670510"/>
+            <a:ext cx="5897980" cy="5103869"/>
           </a:xfrm>
           <a:prstGeom prst="roundRect">
             <a:avLst>
@@ -9579,8 +9542,8 @@
         </p:nvSpPr>
         <p:spPr>
           <a:xfrm>
-            <a:off x="5896425" y="1265169"/>
-            <a:ext cx="600551" cy="494817"/>
+            <a:off x="5788925" y="2041398"/>
+            <a:ext cx="1222873" cy="494817"/>
           </a:xfrm>
           <a:prstGeom prst="roundRect">
             <a:avLst/>
@@ -9619,7 +9582,7 @@
                 <a:ea typeface="CMU Bright Roman" panose="02000603000000000000" pitchFamily="2" charset="0"/>
                 <a:cs typeface="CMU Bright Roman" panose="02000603000000000000" pitchFamily="2" charset="0"/>
               </a:rPr>
-              <a:t>REST</a:t>
+              <a:t>RESTAURANT</a:t>
             </a:r>
           </a:p>
           <a:p>
@@ -9633,16 +9596,8 @@
                 <a:ea typeface="CMU Bright Roman" panose="02000603000000000000" pitchFamily="2" charset="0"/>
                 <a:cs typeface="CMU Bright Roman" panose="02000603000000000000" pitchFamily="2" charset="0"/>
               </a:rPr>
-              <a:t>API</a:t>
+              <a:t>REST API</a:t>
             </a:r>
-            <a:endParaRPr lang="it-IT" sz="1100" dirty="0">
-              <a:solidFill>
-                <a:srgbClr val="71AD47"/>
-              </a:solidFill>
-              <a:latin typeface="CMU Bright Roman" panose="02000603000000000000" pitchFamily="2" charset="0"/>
-              <a:ea typeface="CMU Bright Roman" panose="02000603000000000000" pitchFamily="2" charset="0"/>
-              <a:cs typeface="CMU Bright Roman" panose="02000603000000000000" pitchFamily="2" charset="0"/>
-            </a:endParaRPr>
           </a:p>
         </p:txBody>
       </p:sp>
@@ -9787,87 +9742,6 @@
           </p:txBody>
         </p:sp>
       </p:grpSp>
-      <p:sp>
-        <p:nvSpPr>
-          <p:cNvPr id="21" name="Rettangolo con angoli arrotondati 20">
-            <a:extLst>
-              <a:ext uri="{FF2B5EF4-FFF2-40B4-BE49-F238E27FC236}">
-                <a16:creationId xmlns:a16="http://schemas.microsoft.com/office/drawing/2014/main" id="{3930B50D-B12B-0E87-1689-15215E587951}"/>
-              </a:ext>
-            </a:extLst>
-          </p:cNvPr>
-          <p:cNvSpPr/>
-          <p:nvPr/>
-        </p:nvSpPr>
-        <p:spPr>
-          <a:xfrm>
-            <a:off x="5902331" y="4551965"/>
-            <a:ext cx="600551" cy="494817"/>
-          </a:xfrm>
-          <a:prstGeom prst="roundRect">
-            <a:avLst/>
-          </a:prstGeom>
-          <a:ln>
-            <a:solidFill>
-              <a:srgbClr val="71AD47"/>
-            </a:solidFill>
-          </a:ln>
-        </p:spPr>
-        <p:style>
-          <a:lnRef idx="2">
-            <a:schemeClr val="accent6"/>
-          </a:lnRef>
-          <a:fillRef idx="1">
-            <a:schemeClr val="lt1"/>
-          </a:fillRef>
-          <a:effectRef idx="0">
-            <a:schemeClr val="accent6"/>
-          </a:effectRef>
-          <a:fontRef idx="minor">
-            <a:schemeClr val="dk1"/>
-          </a:fontRef>
-        </p:style>
-        <p:txBody>
-          <a:bodyPr rtlCol="0" anchor="ctr"/>
-          <a:lstStyle/>
-          <a:p>
-            <a:pPr algn="ctr"/>
-            <a:r>
-              <a:rPr lang="it-IT" sz="1100" dirty="0">
-                <a:solidFill>
-                  <a:srgbClr val="71AD47"/>
-                </a:solidFill>
-                <a:latin typeface="CMU Bright Roman" panose="02000603000000000000" pitchFamily="2" charset="0"/>
-                <a:ea typeface="CMU Bright Roman" panose="02000603000000000000" pitchFamily="2" charset="0"/>
-                <a:cs typeface="CMU Bright Roman" panose="02000603000000000000" pitchFamily="2" charset="0"/>
-              </a:rPr>
-              <a:t>REST</a:t>
-            </a:r>
-          </a:p>
-          <a:p>
-            <a:pPr algn="ctr"/>
-            <a:r>
-              <a:rPr lang="it-IT" sz="1100" dirty="0">
-                <a:solidFill>
-                  <a:srgbClr val="71AD47"/>
-                </a:solidFill>
-                <a:latin typeface="CMU Bright Roman" panose="02000603000000000000" pitchFamily="2" charset="0"/>
-                <a:ea typeface="CMU Bright Roman" panose="02000603000000000000" pitchFamily="2" charset="0"/>
-                <a:cs typeface="CMU Bright Roman" panose="02000603000000000000" pitchFamily="2" charset="0"/>
-              </a:rPr>
-              <a:t>API</a:t>
-            </a:r>
-            <a:endParaRPr lang="it-IT" sz="1100" dirty="0">
-              <a:solidFill>
-                <a:srgbClr val="71AD47"/>
-              </a:solidFill>
-              <a:latin typeface="CMU Bright Roman" panose="02000603000000000000" pitchFamily="2" charset="0"/>
-              <a:ea typeface="CMU Bright Roman" panose="02000603000000000000" pitchFamily="2" charset="0"/>
-              <a:cs typeface="CMU Bright Roman" panose="02000603000000000000" pitchFamily="2" charset="0"/>
-            </a:endParaRPr>
-          </a:p>
-        </p:txBody>
-      </p:sp>
       <p:grpSp>
         <p:nvGrpSpPr>
           <p:cNvPr id="3" name="Gruppo 2">
@@ -10007,14 +9881,14 @@
           <p:cNvCxnSpPr>
             <a:cxnSpLocks/>
             <a:stCxn id="13" idx="0"/>
-            <a:endCxn id="21" idx="1"/>
+            <a:endCxn id="71" idx="1"/>
           </p:cNvCxnSpPr>
           <p:nvPr/>
         </p:nvCxnSpPr>
         <p:spPr>
           <a:xfrm>
-            <a:off x="5201413" y="3984525"/>
-            <a:ext cx="700918" cy="814849"/>
+            <a:off x="5088199" y="3888727"/>
+            <a:ext cx="705530" cy="129474"/>
           </a:xfrm>
           <a:prstGeom prst="line">
             <a:avLst/>
@@ -10054,14 +9928,13 @@
           <p:cNvCxnSpPr>
             <a:cxnSpLocks/>
             <a:stCxn id="13" idx="3"/>
-            <a:endCxn id="19" idx="1"/>
           </p:cNvCxnSpPr>
           <p:nvPr/>
         </p:nvCxnSpPr>
         <p:spPr>
           <a:xfrm flipV="1">
-            <a:off x="5201413" y="1512578"/>
-            <a:ext cx="695012" cy="995947"/>
+            <a:off x="5088199" y="2262680"/>
+            <a:ext cx="700726" cy="150047"/>
           </a:xfrm>
           <a:prstGeom prst="line">
             <a:avLst/>
@@ -10103,7 +9976,7 @@
         </p:nvGrpSpPr>
         <p:grpSpPr>
           <a:xfrm>
-            <a:off x="4283414" y="2508525"/>
+            <a:off x="4170200" y="2412727"/>
             <a:ext cx="1836000" cy="1476000"/>
             <a:chOff x="2602675" y="2251169"/>
             <a:chExt cx="1615044" cy="1372946"/>
@@ -10214,18 +10087,7 @@
                   <a:ea typeface="CMU Bright Roman" panose="02000603000000000000" pitchFamily="2" charset="0"/>
                   <a:cs typeface="CMU Bright Roman" panose="02000603000000000000" pitchFamily="2" charset="0"/>
                 </a:rPr>
-                <a:t>GATEWA</a:t>
-              </a:r>
-              <a:r>
-                <a:rPr lang="it-IT" sz="1400" dirty="0">
-                  <a:solidFill>
-                    <a:srgbClr val="0070C0"/>
-                  </a:solidFill>
-                  <a:latin typeface="CMU Bright Roman" panose="02000603000000000000" pitchFamily="2" charset="0"/>
-                  <a:ea typeface="CMU Bright Roman" panose="02000603000000000000" pitchFamily="2" charset="0"/>
-                  <a:cs typeface="CMU Bright Roman" panose="02000603000000000000" pitchFamily="2" charset="0"/>
-                </a:rPr>
-                <a:t>Y</a:t>
+                <a:t>GATEWAY</a:t>
               </a:r>
             </a:p>
           </p:txBody>
@@ -10245,7 +10107,7 @@
         </p:nvSpPr>
         <p:spPr>
           <a:xfrm>
-            <a:off x="3970557" y="2964908"/>
+            <a:off x="3857343" y="2869110"/>
             <a:ext cx="600551" cy="494817"/>
           </a:xfrm>
           <a:prstGeom prst="roundRect">
@@ -10301,23 +10163,110 @@
               </a:rPr>
               <a:t>API</a:t>
             </a:r>
-            <a:endParaRPr lang="it-IT" sz="1100" dirty="0">
-              <a:solidFill>
-                <a:srgbClr val="0070C0"/>
-              </a:solidFill>
-              <a:latin typeface="CMU Bright Roman" panose="02000603000000000000" pitchFamily="2" charset="0"/>
-              <a:ea typeface="CMU Bright Roman" panose="02000603000000000000" pitchFamily="2" charset="0"/>
-              <a:cs typeface="CMU Bright Roman" panose="02000603000000000000" pitchFamily="2" charset="0"/>
-            </a:endParaRPr>
           </a:p>
         </p:txBody>
       </p:sp>
+      <p:cxnSp>
+        <p:nvCxnSpPr>
+          <p:cNvPr id="41" name="Connettore 1 40">
+            <a:extLst>
+              <a:ext uri="{FF2B5EF4-FFF2-40B4-BE49-F238E27FC236}">
+                <a16:creationId xmlns:a16="http://schemas.microsoft.com/office/drawing/2014/main" id="{90F0885B-FBC0-D8AD-94DC-0FF9B2C882A6}"/>
+              </a:ext>
+            </a:extLst>
+          </p:cNvPr>
+          <p:cNvCxnSpPr>
+            <a:cxnSpLocks/>
+            <a:endCxn id="6" idx="4"/>
+          </p:cNvCxnSpPr>
+          <p:nvPr/>
+        </p:nvCxnSpPr>
+        <p:spPr>
+          <a:xfrm flipH="1">
+            <a:off x="7807173" y="2156276"/>
+            <a:ext cx="1083136" cy="2241473"/>
+          </a:xfrm>
+          <a:prstGeom prst="line">
+            <a:avLst/>
+          </a:prstGeom>
+          <a:ln w="12700">
+            <a:solidFill>
+              <a:schemeClr val="accent6"/>
+            </a:solidFill>
+            <a:prstDash val="solid"/>
+            <a:headEnd type="none" w="med" len="med"/>
+            <a:tailEnd type="none" w="med" len="med"/>
+          </a:ln>
+        </p:spPr>
+        <p:style>
+          <a:lnRef idx="1">
+            <a:schemeClr val="accent1"/>
+          </a:lnRef>
+          <a:fillRef idx="0">
+            <a:schemeClr val="accent1"/>
+          </a:fillRef>
+          <a:effectRef idx="0">
+            <a:schemeClr val="accent1"/>
+          </a:effectRef>
+          <a:fontRef idx="minor">
+            <a:schemeClr val="tx1"/>
+          </a:fontRef>
+        </p:style>
+      </p:cxnSp>
+      <p:cxnSp>
+        <p:nvCxnSpPr>
+          <p:cNvPr id="54" name="Connettore 1 53">
+            <a:extLst>
+              <a:ext uri="{FF2B5EF4-FFF2-40B4-BE49-F238E27FC236}">
+                <a16:creationId xmlns:a16="http://schemas.microsoft.com/office/drawing/2014/main" id="{A20E7037-4257-06E7-1623-04BBB4EF1DF0}"/>
+              </a:ext>
+            </a:extLst>
+          </p:cNvPr>
+          <p:cNvCxnSpPr>
+            <a:cxnSpLocks/>
+            <a:stCxn id="76" idx="1"/>
+            <a:endCxn id="6" idx="4"/>
+          </p:cNvCxnSpPr>
+          <p:nvPr/>
+        </p:nvCxnSpPr>
+        <p:spPr>
+          <a:xfrm flipH="1">
+            <a:off x="7807173" y="4013437"/>
+            <a:ext cx="871119" cy="384312"/>
+          </a:xfrm>
+          <a:prstGeom prst="line">
+            <a:avLst/>
+          </a:prstGeom>
+          <a:ln w="12700">
+            <a:solidFill>
+              <a:schemeClr val="accent6"/>
+            </a:solidFill>
+            <a:prstDash val="solid"/>
+            <a:headEnd type="none" w="med" len="med"/>
+            <a:tailEnd type="none" w="med" len="med"/>
+          </a:ln>
+        </p:spPr>
+        <p:style>
+          <a:lnRef idx="1">
+            <a:schemeClr val="accent1"/>
+          </a:lnRef>
+          <a:fillRef idx="0">
+            <a:schemeClr val="accent1"/>
+          </a:fillRef>
+          <a:effectRef idx="0">
+            <a:schemeClr val="accent1"/>
+          </a:effectRef>
+          <a:fontRef idx="minor">
+            <a:schemeClr val="tx1"/>
+          </a:fontRef>
+        </p:style>
+      </p:cxnSp>
       <p:sp>
         <p:nvSpPr>
-          <p:cNvPr id="38" name="Rettangolo con angoli arrotondati 37">
-            <a:extLst>
-              <a:ext uri="{FF2B5EF4-FFF2-40B4-BE49-F238E27FC236}">
-                <a16:creationId xmlns:a16="http://schemas.microsoft.com/office/drawing/2014/main" id="{2F7E67DD-F837-0146-6299-A46FE7913DFC}"/>
+          <p:cNvPr id="64" name="Rettangolo con angoli arrotondati 63">
+            <a:extLst>
+              <a:ext uri="{FF2B5EF4-FFF2-40B4-BE49-F238E27FC236}">
+                <a16:creationId xmlns:a16="http://schemas.microsoft.com/office/drawing/2014/main" id="{273A280B-B953-3685-82CB-6959065CDBB5}"/>
               </a:ext>
             </a:extLst>
           </p:cNvPr>
@@ -10326,15 +10275,15 @@
         </p:nvSpPr>
         <p:spPr>
           <a:xfrm>
-            <a:off x="6834146" y="2060017"/>
-            <a:ext cx="600551" cy="494817"/>
+            <a:off x="1642183" y="4567484"/>
+            <a:ext cx="1013135" cy="494817"/>
           </a:xfrm>
           <a:prstGeom prst="roundRect">
             <a:avLst/>
           </a:prstGeom>
           <a:ln>
             <a:solidFill>
-              <a:srgbClr val="71AD47"/>
+              <a:schemeClr val="accent1"/>
             </a:solidFill>
           </a:ln>
         </p:spPr>
@@ -10360,13 +10309,13 @@
             <a:r>
               <a:rPr lang="it-IT" sz="1100" dirty="0">
                 <a:solidFill>
-                  <a:srgbClr val="71AD47"/>
+                  <a:srgbClr val="0070C0"/>
                 </a:solidFill>
                 <a:latin typeface="CMU Bright Roman" panose="02000603000000000000" pitchFamily="2" charset="0"/>
                 <a:ea typeface="CMU Bright Roman" panose="02000603000000000000" pitchFamily="2" charset="0"/>
                 <a:cs typeface="CMU Bright Roman" panose="02000603000000000000" pitchFamily="2" charset="0"/>
               </a:rPr>
-              <a:t>REST</a:t>
+              <a:t>WEB</a:t>
             </a:r>
           </a:p>
           <a:p>
@@ -10374,31 +10323,132 @@
             <a:r>
               <a:rPr lang="it-IT" sz="1100" dirty="0">
                 <a:solidFill>
-                  <a:srgbClr val="71AD47"/>
+                  <a:srgbClr val="0070C0"/>
                 </a:solidFill>
                 <a:latin typeface="CMU Bright Roman" panose="02000603000000000000" pitchFamily="2" charset="0"/>
                 <a:ea typeface="CMU Bright Roman" panose="02000603000000000000" pitchFamily="2" charset="0"/>
                 <a:cs typeface="CMU Bright Roman" panose="02000603000000000000" pitchFamily="2" charset="0"/>
               </a:rPr>
-              <a:t>API</a:t>
+              <a:t>INTERFACE</a:t>
             </a:r>
-            <a:endParaRPr lang="it-IT" sz="1100" dirty="0">
-              <a:solidFill>
-                <a:srgbClr val="71AD47"/>
-              </a:solidFill>
-              <a:latin typeface="CMU Bright Roman" panose="02000603000000000000" pitchFamily="2" charset="0"/>
-              <a:ea typeface="CMU Bright Roman" panose="02000603000000000000" pitchFamily="2" charset="0"/>
-              <a:cs typeface="CMU Bright Roman" panose="02000603000000000000" pitchFamily="2" charset="0"/>
-            </a:endParaRPr>
           </a:p>
         </p:txBody>
       </p:sp>
+      <p:pic>
+        <p:nvPicPr>
+          <p:cNvPr id="1026" name="Picture 2">
+            <a:extLst>
+              <a:ext uri="{FF2B5EF4-FFF2-40B4-BE49-F238E27FC236}">
+                <a16:creationId xmlns:a16="http://schemas.microsoft.com/office/drawing/2014/main" id="{C9F89DB4-0969-BF75-366A-5A6B4C82EF79}"/>
+              </a:ext>
+            </a:extLst>
+          </p:cNvPr>
+          <p:cNvPicPr>
+            <a:picLocks noChangeAspect="1" noChangeArrowheads="1"/>
+          </p:cNvPicPr>
+          <p:nvPr/>
+        </p:nvPicPr>
+        <p:blipFill>
+          <a:blip r:embed="rId8">
+            <a:alphaModFix/>
+            <a:duotone>
+              <a:schemeClr val="accent6">
+                <a:shade val="45000"/>
+                <a:satMod val="135000"/>
+              </a:schemeClr>
+              <a:prstClr val="white"/>
+            </a:duotone>
+            <a:extLst>
+              <a:ext uri="{BEBA8EAE-BF5A-486C-A8C5-ECC9F3942E4B}">
+                <a14:imgProps xmlns:a14="http://schemas.microsoft.com/office/drawing/2010/main">
+                  <a14:imgLayer r:embed="rId9">
+                    <a14:imgEffect>
+                      <a14:sharpenSoften amount="100000"/>
+                    </a14:imgEffect>
+                    <a14:imgEffect>
+                      <a14:colorTemperature colorTemp="11500"/>
+                    </a14:imgEffect>
+                    <a14:imgEffect>
+                      <a14:saturation sat="400000"/>
+                    </a14:imgEffect>
+                    <a14:imgEffect>
+                      <a14:brightnessContrast bright="-53000" contrast="-23000"/>
+                    </a14:imgEffect>
+                  </a14:imgLayer>
+                </a14:imgProps>
+              </a:ext>
+              <a:ext uri="{28A0092B-C50C-407E-A947-70E740481C1C}">
+                <a14:useLocalDpi xmlns:a14="http://schemas.microsoft.com/office/drawing/2010/main" val="0"/>
+              </a:ext>
+            </a:extLst>
+          </a:blip>
+          <a:srcRect/>
+          <a:stretch>
+            <a:fillRect/>
+          </a:stretch>
+        </p:blipFill>
+        <p:spPr bwMode="auto">
+          <a:xfrm>
+            <a:off x="10678250" y="4639084"/>
+            <a:ext cx="1013135" cy="1013135"/>
+          </a:xfrm>
+          <a:prstGeom prst="rect">
+            <a:avLst/>
+          </a:prstGeom>
+          <a:noFill/>
+          <a:extLst>
+            <a:ext uri="{909E8E84-426E-40DD-AFC4-6F175D3DCCD1}">
+              <a14:hiddenFill xmlns:a14="http://schemas.microsoft.com/office/drawing/2010/main">
+                <a:solidFill>
+                  <a:srgbClr val="FFFFFF"/>
+                </a:solidFill>
+              </a14:hiddenFill>
+            </a:ext>
+          </a:extLst>
+        </p:spPr>
+      </p:pic>
+      <p:pic>
+        <p:nvPicPr>
+          <p:cNvPr id="53" name="Elemento grafico 52" descr="Database con riempimento a tinta unita">
+            <a:extLst>
+              <a:ext uri="{FF2B5EF4-FFF2-40B4-BE49-F238E27FC236}">
+                <a16:creationId xmlns:a16="http://schemas.microsoft.com/office/drawing/2014/main" id="{29139A2E-5D51-0D6A-0009-D5E34A7AFB03}"/>
+              </a:ext>
+            </a:extLst>
+          </p:cNvPr>
+          <p:cNvPicPr>
+            <a:picLocks noChangeAspect="1"/>
+          </p:cNvPicPr>
+          <p:nvPr/>
+        </p:nvPicPr>
+        <p:blipFill>
+          <a:blip r:embed="rId2">
+            <a:extLst>
+              <a:ext uri="{96DAC541-7B7A-43D3-8B79-37D633B846F1}">
+                <asvg:svgBlip xmlns:asvg="http://schemas.microsoft.com/office/drawing/2016/SVG/main" r:embed="rId3"/>
+              </a:ext>
+            </a:extLst>
+          </a:blip>
+          <a:stretch>
+            <a:fillRect/>
+          </a:stretch>
+        </p:blipFill>
+        <p:spPr>
+          <a:xfrm>
+            <a:off x="7416278" y="4976278"/>
+            <a:ext cx="770126" cy="770126"/>
+          </a:xfrm>
+          <a:prstGeom prst="rect">
+            <a:avLst/>
+          </a:prstGeom>
+        </p:spPr>
+      </p:pic>
       <p:sp>
         <p:nvSpPr>
-          <p:cNvPr id="40" name="Rettangolo con angoli arrotondati 39">
-            <a:extLst>
-              <a:ext uri="{FF2B5EF4-FFF2-40B4-BE49-F238E27FC236}">
-                <a16:creationId xmlns:a16="http://schemas.microsoft.com/office/drawing/2014/main" id="{FAC61AAA-06A9-488E-18BF-69358285975A}"/>
+          <p:cNvPr id="71" name="Rettangolo con angoli arrotondati 70">
+            <a:extLst>
+              <a:ext uri="{FF2B5EF4-FFF2-40B4-BE49-F238E27FC236}">
+                <a16:creationId xmlns:a16="http://schemas.microsoft.com/office/drawing/2014/main" id="{216BE44A-B708-17CA-E932-1C5CD6B0B25A}"/>
               </a:ext>
             </a:extLst>
           </p:cNvPr>
@@ -10407,8 +10457,8 @@
         </p:nvSpPr>
         <p:spPr>
           <a:xfrm>
-            <a:off x="9004923" y="3814459"/>
-            <a:ext cx="600551" cy="494817"/>
+            <a:off x="5793729" y="3770793"/>
+            <a:ext cx="1222873" cy="494816"/>
           </a:xfrm>
           <a:prstGeom prst="roundRect">
             <a:avLst/>
@@ -10447,7 +10497,7 @@
                 <a:ea typeface="CMU Bright Roman" panose="02000603000000000000" pitchFamily="2" charset="0"/>
                 <a:cs typeface="CMU Bright Roman" panose="02000603000000000000" pitchFamily="2" charset="0"/>
               </a:rPr>
-              <a:t>REST</a:t>
+              <a:t>ORDERING</a:t>
             </a:r>
           </a:p>
           <a:p>
@@ -10461,72 +10511,17 @@
                 <a:ea typeface="CMU Bright Roman" panose="02000603000000000000" pitchFamily="2" charset="0"/>
                 <a:cs typeface="CMU Bright Roman" panose="02000603000000000000" pitchFamily="2" charset="0"/>
               </a:rPr>
-              <a:t>API</a:t>
+              <a:t>REST API</a:t>
             </a:r>
-            <a:endParaRPr lang="it-IT" sz="1100" dirty="0">
-              <a:solidFill>
-                <a:srgbClr val="71AD47"/>
-              </a:solidFill>
-              <a:latin typeface="CMU Bright Roman" panose="02000603000000000000" pitchFamily="2" charset="0"/>
-              <a:ea typeface="CMU Bright Roman" panose="02000603000000000000" pitchFamily="2" charset="0"/>
-              <a:cs typeface="CMU Bright Roman" panose="02000603000000000000" pitchFamily="2" charset="0"/>
-            </a:endParaRPr>
           </a:p>
         </p:txBody>
       </p:sp>
-      <p:cxnSp>
-        <p:nvCxnSpPr>
-          <p:cNvPr id="41" name="Connettore 1 40">
-            <a:extLst>
-              <a:ext uri="{FF2B5EF4-FFF2-40B4-BE49-F238E27FC236}">
-                <a16:creationId xmlns:a16="http://schemas.microsoft.com/office/drawing/2014/main" id="{90F0885B-FBC0-D8AD-94DC-0FF9B2C882A6}"/>
-              </a:ext>
-            </a:extLst>
-          </p:cNvPr>
-          <p:cNvCxnSpPr>
-            <a:cxnSpLocks/>
-            <a:endCxn id="6" idx="3"/>
-          </p:cNvCxnSpPr>
-          <p:nvPr/>
-        </p:nvCxnSpPr>
-        <p:spPr>
-          <a:xfrm flipH="1">
-            <a:off x="7134423" y="2420619"/>
-            <a:ext cx="2015331" cy="1640755"/>
-          </a:xfrm>
-          <a:prstGeom prst="line">
-            <a:avLst/>
-          </a:prstGeom>
-          <a:ln w="12700">
-            <a:solidFill>
-              <a:schemeClr val="accent6"/>
-            </a:solidFill>
-            <a:prstDash val="solid"/>
-            <a:headEnd type="none" w="med" len="med"/>
-            <a:tailEnd type="none" w="med" len="med"/>
-          </a:ln>
-        </p:spPr>
-        <p:style>
-          <a:lnRef idx="1">
-            <a:schemeClr val="accent1"/>
-          </a:lnRef>
-          <a:fillRef idx="0">
-            <a:schemeClr val="accent1"/>
-          </a:fillRef>
-          <a:effectRef idx="0">
-            <a:schemeClr val="accent1"/>
-          </a:effectRef>
-          <a:fontRef idx="minor">
-            <a:schemeClr val="tx1"/>
-          </a:fontRef>
-        </p:style>
-      </p:cxnSp>
       <p:sp>
         <p:nvSpPr>
-          <p:cNvPr id="39" name="Rettangolo con angoli arrotondati 38">
-            <a:extLst>
-              <a:ext uri="{FF2B5EF4-FFF2-40B4-BE49-F238E27FC236}">
-                <a16:creationId xmlns:a16="http://schemas.microsoft.com/office/drawing/2014/main" id="{E57F040E-6289-411A-FBCD-6E43E4262FA3}"/>
+          <p:cNvPr id="75" name="Rettangolo con angoli arrotondati 74">
+            <a:extLst>
+              <a:ext uri="{FF2B5EF4-FFF2-40B4-BE49-F238E27FC236}">
+                <a16:creationId xmlns:a16="http://schemas.microsoft.com/office/drawing/2014/main" id="{41A5983A-35B1-D971-F1B8-BBCD87C6FD61}"/>
               </a:ext>
             </a:extLst>
           </p:cNvPr>
@@ -10535,8 +10530,8 @@
         </p:nvSpPr>
         <p:spPr>
           <a:xfrm>
-            <a:off x="9002862" y="2058973"/>
-            <a:ext cx="600551" cy="494817"/>
+            <a:off x="8684130" y="2045634"/>
+            <a:ext cx="1222873" cy="494817"/>
           </a:xfrm>
           <a:prstGeom prst="roundRect">
             <a:avLst/>
@@ -10575,7 +10570,7 @@
                 <a:ea typeface="CMU Bright Roman" panose="02000603000000000000" pitchFamily="2" charset="0"/>
                 <a:cs typeface="CMU Bright Roman" panose="02000603000000000000" pitchFamily="2" charset="0"/>
               </a:rPr>
-              <a:t>REST</a:t>
+              <a:t>PAYMENT</a:t>
             </a:r>
           </a:p>
           <a:p>
@@ -10589,73 +10584,17 @@
                 <a:ea typeface="CMU Bright Roman" panose="02000603000000000000" pitchFamily="2" charset="0"/>
                 <a:cs typeface="CMU Bright Roman" panose="02000603000000000000" pitchFamily="2" charset="0"/>
               </a:rPr>
-              <a:t>API</a:t>
+              <a:t>REST API</a:t>
             </a:r>
-            <a:endParaRPr lang="it-IT" sz="1100" dirty="0">
-              <a:solidFill>
-                <a:srgbClr val="71AD47"/>
-              </a:solidFill>
-              <a:latin typeface="CMU Bright Roman" panose="02000603000000000000" pitchFamily="2" charset="0"/>
-              <a:ea typeface="CMU Bright Roman" panose="02000603000000000000" pitchFamily="2" charset="0"/>
-              <a:cs typeface="CMU Bright Roman" panose="02000603000000000000" pitchFamily="2" charset="0"/>
-            </a:endParaRPr>
           </a:p>
         </p:txBody>
       </p:sp>
-      <p:cxnSp>
-        <p:nvCxnSpPr>
-          <p:cNvPr id="54" name="Connettore 1 53">
-            <a:extLst>
-              <a:ext uri="{FF2B5EF4-FFF2-40B4-BE49-F238E27FC236}">
-                <a16:creationId xmlns:a16="http://schemas.microsoft.com/office/drawing/2014/main" id="{A20E7037-4257-06E7-1623-04BBB4EF1DF0}"/>
-              </a:ext>
-            </a:extLst>
-          </p:cNvPr>
-          <p:cNvCxnSpPr>
-            <a:cxnSpLocks/>
-            <a:stCxn id="40" idx="1"/>
-            <a:endCxn id="6" idx="3"/>
-          </p:cNvCxnSpPr>
-          <p:nvPr/>
-        </p:nvCxnSpPr>
-        <p:spPr>
-          <a:xfrm flipH="1" flipV="1">
-            <a:off x="7134423" y="4061374"/>
-            <a:ext cx="1870500" cy="494"/>
-          </a:xfrm>
-          <a:prstGeom prst="line">
-            <a:avLst/>
-          </a:prstGeom>
-          <a:ln w="12700">
-            <a:solidFill>
-              <a:schemeClr val="accent6"/>
-            </a:solidFill>
-            <a:prstDash val="solid"/>
-            <a:headEnd type="none" w="med" len="med"/>
-            <a:tailEnd type="none" w="med" len="med"/>
-          </a:ln>
-        </p:spPr>
-        <p:style>
-          <a:lnRef idx="1">
-            <a:schemeClr val="accent1"/>
-          </a:lnRef>
-          <a:fillRef idx="0">
-            <a:schemeClr val="accent1"/>
-          </a:fillRef>
-          <a:effectRef idx="0">
-            <a:schemeClr val="accent1"/>
-          </a:effectRef>
-          <a:fontRef idx="minor">
-            <a:schemeClr val="tx1"/>
-          </a:fontRef>
-        </p:style>
-      </p:cxnSp>
       <p:sp>
         <p:nvSpPr>
-          <p:cNvPr id="64" name="Rettangolo con angoli arrotondati 63">
-            <a:extLst>
-              <a:ext uri="{FF2B5EF4-FFF2-40B4-BE49-F238E27FC236}">
-                <a16:creationId xmlns:a16="http://schemas.microsoft.com/office/drawing/2014/main" id="{273A280B-B953-3685-82CB-6959065CDBB5}"/>
+          <p:cNvPr id="76" name="Rettangolo con angoli arrotondati 75">
+            <a:extLst>
+              <a:ext uri="{FF2B5EF4-FFF2-40B4-BE49-F238E27FC236}">
+                <a16:creationId xmlns:a16="http://schemas.microsoft.com/office/drawing/2014/main" id="{DD10E9DA-95EB-C20B-2852-DD130B8778DD}"/>
               </a:ext>
             </a:extLst>
           </p:cNvPr>
@@ -10664,15 +10603,15 @@
         </p:nvSpPr>
         <p:spPr>
           <a:xfrm>
-            <a:off x="1642183" y="4567484"/>
-            <a:ext cx="1013135" cy="494817"/>
+            <a:off x="8678292" y="3766028"/>
+            <a:ext cx="1222873" cy="494817"/>
           </a:xfrm>
           <a:prstGeom prst="roundRect">
             <a:avLst/>
           </a:prstGeom>
           <a:ln>
             <a:solidFill>
-              <a:schemeClr val="accent1"/>
+              <a:srgbClr val="71AD47"/>
             </a:solidFill>
           </a:ln>
         </p:spPr>
@@ -10698,13 +10637,13 @@
             <a:r>
               <a:rPr lang="it-IT" sz="1100" dirty="0">
                 <a:solidFill>
-                  <a:srgbClr val="0070C0"/>
+                  <a:srgbClr val="71AD47"/>
                 </a:solidFill>
                 <a:latin typeface="CMU Bright Roman" panose="02000603000000000000" pitchFamily="2" charset="0"/>
                 <a:ea typeface="CMU Bright Roman" panose="02000603000000000000" pitchFamily="2" charset="0"/>
                 <a:cs typeface="CMU Bright Roman" panose="02000603000000000000" pitchFamily="2" charset="0"/>
               </a:rPr>
-              <a:t>WEB</a:t>
+              <a:t>DELIVERY</a:t>
             </a:r>
           </a:p>
           <a:p>
@@ -10712,98 +10651,17 @@
             <a:r>
               <a:rPr lang="it-IT" sz="1100" dirty="0">
                 <a:solidFill>
-                  <a:srgbClr val="0070C0"/>
+                  <a:srgbClr val="71AD47"/>
                 </a:solidFill>
                 <a:latin typeface="CMU Bright Roman" panose="02000603000000000000" pitchFamily="2" charset="0"/>
                 <a:ea typeface="CMU Bright Roman" panose="02000603000000000000" pitchFamily="2" charset="0"/>
                 <a:cs typeface="CMU Bright Roman" panose="02000603000000000000" pitchFamily="2" charset="0"/>
               </a:rPr>
-              <a:t>INTERFACE</a:t>
+              <a:t>REST API</a:t>
             </a:r>
-            <a:endParaRPr lang="it-IT" sz="1100" dirty="0">
-              <a:solidFill>
-                <a:srgbClr val="0070C0"/>
-              </a:solidFill>
-              <a:latin typeface="CMU Bright Roman" panose="02000603000000000000" pitchFamily="2" charset="0"/>
-              <a:ea typeface="CMU Bright Roman" panose="02000603000000000000" pitchFamily="2" charset="0"/>
-              <a:cs typeface="CMU Bright Roman" panose="02000603000000000000" pitchFamily="2" charset="0"/>
-            </a:endParaRPr>
           </a:p>
         </p:txBody>
       </p:sp>
-      <p:pic>
-        <p:nvPicPr>
-          <p:cNvPr id="1026" name="Picture 2">
-            <a:extLst>
-              <a:ext uri="{FF2B5EF4-FFF2-40B4-BE49-F238E27FC236}">
-                <a16:creationId xmlns:a16="http://schemas.microsoft.com/office/drawing/2014/main" id="{C9F89DB4-0969-BF75-366A-5A6B4C82EF79}"/>
-              </a:ext>
-            </a:extLst>
-          </p:cNvPr>
-          <p:cNvPicPr>
-            <a:picLocks noChangeAspect="1" noChangeArrowheads="1"/>
-          </p:cNvPicPr>
-          <p:nvPr/>
-        </p:nvPicPr>
-        <p:blipFill>
-          <a:blip r:embed="rId8">
-            <a:alphaModFix/>
-            <a:duotone>
-              <a:schemeClr val="accent6">
-                <a:shade val="45000"/>
-                <a:satMod val="135000"/>
-              </a:schemeClr>
-              <a:prstClr val="white"/>
-            </a:duotone>
-            <a:extLst>
-              <a:ext uri="{BEBA8EAE-BF5A-486C-A8C5-ECC9F3942E4B}">
-                <a14:imgProps xmlns:a14="http://schemas.microsoft.com/office/drawing/2010/main">
-                  <a14:imgLayer r:embed="rId9">
-                    <a14:imgEffect>
-                      <a14:sharpenSoften amount="100000"/>
-                    </a14:imgEffect>
-                    <a14:imgEffect>
-                      <a14:colorTemperature colorTemp="11500"/>
-                    </a14:imgEffect>
-                    <a14:imgEffect>
-                      <a14:saturation sat="400000"/>
-                    </a14:imgEffect>
-                    <a14:imgEffect>
-                      <a14:brightnessContrast bright="-53000" contrast="-23000"/>
-                    </a14:imgEffect>
-                  </a14:imgLayer>
-                </a14:imgProps>
-              </a:ext>
-              <a:ext uri="{28A0092B-C50C-407E-A947-70E740481C1C}">
-                <a14:useLocalDpi xmlns:a14="http://schemas.microsoft.com/office/drawing/2010/main" val="0"/>
-              </a:ext>
-            </a:extLst>
-          </a:blip>
-          <a:srcRect/>
-          <a:stretch>
-            <a:fillRect/>
-          </a:stretch>
-        </p:blipFill>
-        <p:spPr bwMode="auto">
-          <a:xfrm>
-            <a:off x="10678250" y="4639084"/>
-            <a:ext cx="1013135" cy="1013135"/>
-          </a:xfrm>
-          <a:prstGeom prst="rect">
-            <a:avLst/>
-          </a:prstGeom>
-          <a:noFill/>
-          <a:extLst>
-            <a:ext uri="{909E8E84-426E-40DD-AFC4-6F175D3DCCD1}">
-              <a14:hiddenFill xmlns:a14="http://schemas.microsoft.com/office/drawing/2010/main">
-                <a:solidFill>
-                  <a:srgbClr val="FFFFFF"/>
-                </a:solidFill>
-              </a14:hiddenFill>
-            </a:ext>
-          </a:extLst>
-        </p:spPr>
-      </p:pic>
     </p:spTree>
     <p:extLst>
       <p:ext uri="{BB962C8B-B14F-4D97-AF65-F5344CB8AC3E}">

--- a/documents/Managed System/Deployment Diagram 2.0.pptx
+++ b/documents/Managed System/Deployment Diagram 2.0.pptx
@@ -261,7 +261,7 @@
           <a:p>
             <a:fld id="{0C022E22-8E55-0642-8631-076F0F4D5404}" type="datetimeFigureOut">
               <a:rPr lang="it-IT" smtClean="0"/>
-              <a:t>17/11/22</a:t>
+              <a:t>20/11/22</a:t>
             </a:fld>
             <a:endParaRPr lang="it-IT"/>
           </a:p>
@@ -459,7 +459,7 @@
           <a:p>
             <a:fld id="{0C022E22-8E55-0642-8631-076F0F4D5404}" type="datetimeFigureOut">
               <a:rPr lang="it-IT" smtClean="0"/>
-              <a:t>17/11/22</a:t>
+              <a:t>20/11/22</a:t>
             </a:fld>
             <a:endParaRPr lang="it-IT"/>
           </a:p>
@@ -667,7 +667,7 @@
           <a:p>
             <a:fld id="{0C022E22-8E55-0642-8631-076F0F4D5404}" type="datetimeFigureOut">
               <a:rPr lang="it-IT" smtClean="0"/>
-              <a:t>17/11/22</a:t>
+              <a:t>20/11/22</a:t>
             </a:fld>
             <a:endParaRPr lang="it-IT"/>
           </a:p>
@@ -865,7 +865,7 @@
           <a:p>
             <a:fld id="{0C022E22-8E55-0642-8631-076F0F4D5404}" type="datetimeFigureOut">
               <a:rPr lang="it-IT" smtClean="0"/>
-              <a:t>17/11/22</a:t>
+              <a:t>20/11/22</a:t>
             </a:fld>
             <a:endParaRPr lang="it-IT"/>
           </a:p>
@@ -1140,7 +1140,7 @@
           <a:p>
             <a:fld id="{0C022E22-8E55-0642-8631-076F0F4D5404}" type="datetimeFigureOut">
               <a:rPr lang="it-IT" smtClean="0"/>
-              <a:t>17/11/22</a:t>
+              <a:t>20/11/22</a:t>
             </a:fld>
             <a:endParaRPr lang="it-IT"/>
           </a:p>
@@ -1405,7 +1405,7 @@
           <a:p>
             <a:fld id="{0C022E22-8E55-0642-8631-076F0F4D5404}" type="datetimeFigureOut">
               <a:rPr lang="it-IT" smtClean="0"/>
-              <a:t>17/11/22</a:t>
+              <a:t>20/11/22</a:t>
             </a:fld>
             <a:endParaRPr lang="it-IT"/>
           </a:p>
@@ -1817,7 +1817,7 @@
           <a:p>
             <a:fld id="{0C022E22-8E55-0642-8631-076F0F4D5404}" type="datetimeFigureOut">
               <a:rPr lang="it-IT" smtClean="0"/>
-              <a:t>17/11/22</a:t>
+              <a:t>20/11/22</a:t>
             </a:fld>
             <a:endParaRPr lang="it-IT"/>
           </a:p>
@@ -1958,7 +1958,7 @@
           <a:p>
             <a:fld id="{0C022E22-8E55-0642-8631-076F0F4D5404}" type="datetimeFigureOut">
               <a:rPr lang="it-IT" smtClean="0"/>
-              <a:t>17/11/22</a:t>
+              <a:t>20/11/22</a:t>
             </a:fld>
             <a:endParaRPr lang="it-IT"/>
           </a:p>
@@ -2071,7 +2071,7 @@
           <a:p>
             <a:fld id="{0C022E22-8E55-0642-8631-076F0F4D5404}" type="datetimeFigureOut">
               <a:rPr lang="it-IT" smtClean="0"/>
-              <a:t>17/11/22</a:t>
+              <a:t>20/11/22</a:t>
             </a:fld>
             <a:endParaRPr lang="it-IT"/>
           </a:p>
@@ -2382,7 +2382,7 @@
           <a:p>
             <a:fld id="{0C022E22-8E55-0642-8631-076F0F4D5404}" type="datetimeFigureOut">
               <a:rPr lang="it-IT" smtClean="0"/>
-              <a:t>17/11/22</a:t>
+              <a:t>20/11/22</a:t>
             </a:fld>
             <a:endParaRPr lang="it-IT"/>
           </a:p>
@@ -2670,7 +2670,7 @@
           <a:p>
             <a:fld id="{0C022E22-8E55-0642-8631-076F0F4D5404}" type="datetimeFigureOut">
               <a:rPr lang="it-IT" smtClean="0"/>
-              <a:t>17/11/22</a:t>
+              <a:t>20/11/22</a:t>
             </a:fld>
             <a:endParaRPr lang="it-IT"/>
           </a:p>
@@ -2911,7 +2911,7 @@
           <a:p>
             <a:fld id="{0C022E22-8E55-0642-8631-076F0F4D5404}" type="datetimeFigureOut">
               <a:rPr lang="it-IT" smtClean="0"/>
-              <a:t>17/11/22</a:t>
+              <a:t>20/11/22</a:t>
             </a:fld>
             <a:endParaRPr lang="it-IT"/>
           </a:p>
@@ -8866,7 +8866,7 @@
         </p:blipFill>
         <p:spPr>
           <a:xfrm>
-            <a:off x="80569" y="2632630"/>
+            <a:off x="80569" y="2689780"/>
             <a:ext cx="914400" cy="914400"/>
           </a:xfrm>
           <a:prstGeom prst="rect">
@@ -8927,7 +8927,7 @@
         </p:nvSpPr>
         <p:spPr>
           <a:xfrm>
-            <a:off x="47795" y="3565645"/>
+            <a:off x="47795" y="3634225"/>
             <a:ext cx="979948" cy="276999"/>
           </a:xfrm>
           <a:prstGeom prst="rect">
@@ -9012,7 +9012,7 @@
         </p:nvCxnSpPr>
         <p:spPr>
           <a:xfrm flipH="1" flipV="1">
-            <a:off x="994969" y="3089830"/>
+            <a:off x="994969" y="3146980"/>
             <a:ext cx="2972499" cy="0"/>
           </a:xfrm>
           <a:prstGeom prst="straightConnector1">
@@ -9471,7 +9471,7 @@
         </p:nvSpPr>
         <p:spPr>
           <a:xfrm>
-            <a:off x="10585767" y="5725741"/>
+            <a:off x="10574337" y="5725741"/>
             <a:ext cx="1210606" cy="440344"/>
           </a:xfrm>
           <a:prstGeom prst="roundRect">
@@ -10107,8 +10107,8 @@
         </p:nvSpPr>
         <p:spPr>
           <a:xfrm>
-            <a:off x="3857343" y="2869110"/>
-            <a:ext cx="600551" cy="494817"/>
+            <a:off x="3761679" y="2834819"/>
+            <a:ext cx="696215" cy="634851"/>
           </a:xfrm>
           <a:prstGeom prst="roundRect">
             <a:avLst/>
@@ -10136,6 +10136,20 @@
         <p:txBody>
           <a:bodyPr rtlCol="0" anchor="ctr"/>
           <a:lstStyle/>
+          <a:p>
+            <a:pPr algn="ctr"/>
+            <a:r>
+              <a:rPr lang="it-IT" sz="1100" dirty="0">
+                <a:solidFill>
+                  <a:srgbClr val="0070C0"/>
+                </a:solidFill>
+                <a:latin typeface="CMU Bright Roman" panose="02000603000000000000" pitchFamily="2" charset="0"/>
+                <a:ea typeface="CMU Bright Roman" panose="02000603000000000000" pitchFamily="2" charset="0"/>
+                <a:cs typeface="CMU Bright Roman" panose="02000603000000000000" pitchFamily="2" charset="0"/>
+              </a:rPr>
+              <a:t>SOFA</a:t>
+            </a:r>
+          </a:p>
           <a:p>
             <a:pPr algn="ctr"/>
             <a:r>

--- a/documents/Managed System/Deployment Diagram 2.0.pptx
+++ b/documents/Managed System/Deployment Diagram 2.0.pptx
@@ -4,6 +4,9 @@
   <p:sldMasterIdLst>
     <p:sldMasterId id="2147483648" r:id="rId1"/>
   </p:sldMasterIdLst>
+  <p:notesMasterIdLst>
+    <p:notesMasterId r:id="rId5"/>
+  </p:notesMasterIdLst>
   <p:sldIdLst>
     <p:sldId id="258" r:id="rId2"/>
     <p:sldId id="259" r:id="rId3"/>
@@ -114,6 +117,440 @@
 </p:presentation>
 </file>
 
+<file path=ppt/notesMasters/notesMaster1.xml><?xml version="1.0" encoding="utf-8"?>
+<p:notesMaster xmlns:a="http://schemas.openxmlformats.org/drawingml/2006/main" xmlns:r="http://schemas.openxmlformats.org/officeDocument/2006/relationships" xmlns:p="http://schemas.openxmlformats.org/presentationml/2006/main">
+  <p:cSld>
+    <p:bg>
+      <p:bgRef idx="1001">
+        <a:schemeClr val="bg1"/>
+      </p:bgRef>
+    </p:bg>
+    <p:spTree>
+      <p:nvGrpSpPr>
+        <p:cNvPr id="1" name=""/>
+        <p:cNvGrpSpPr/>
+        <p:nvPr/>
+      </p:nvGrpSpPr>
+      <p:grpSpPr>
+        <a:xfrm>
+          <a:off x="0" y="0"/>
+          <a:ext cx="0" cy="0"/>
+          <a:chOff x="0" y="0"/>
+          <a:chExt cx="0" cy="0"/>
+        </a:xfrm>
+      </p:grpSpPr>
+      <p:sp>
+        <p:nvSpPr>
+          <p:cNvPr id="2" name="Segnaposto intestazione 1"/>
+          <p:cNvSpPr>
+            <a:spLocks noGrp="1"/>
+          </p:cNvSpPr>
+          <p:nvPr>
+            <p:ph type="hdr" sz="quarter"/>
+          </p:nvPr>
+        </p:nvSpPr>
+        <p:spPr>
+          <a:xfrm>
+            <a:off x="0" y="0"/>
+            <a:ext cx="2971800" cy="458788"/>
+          </a:xfrm>
+          <a:prstGeom prst="rect">
+            <a:avLst/>
+          </a:prstGeom>
+        </p:spPr>
+        <p:txBody>
+          <a:bodyPr vert="horz" lIns="91440" tIns="45720" rIns="91440" bIns="45720" rtlCol="0"/>
+          <a:lstStyle>
+            <a:lvl1pPr algn="l">
+              <a:defRPr sz="1200"/>
+            </a:lvl1pPr>
+          </a:lstStyle>
+          <a:p>
+            <a:endParaRPr lang="en-GB"/>
+          </a:p>
+        </p:txBody>
+      </p:sp>
+      <p:sp>
+        <p:nvSpPr>
+          <p:cNvPr id="3" name="Segnaposto data 2"/>
+          <p:cNvSpPr>
+            <a:spLocks noGrp="1"/>
+          </p:cNvSpPr>
+          <p:nvPr>
+            <p:ph type="dt" idx="1"/>
+          </p:nvPr>
+        </p:nvSpPr>
+        <p:spPr>
+          <a:xfrm>
+            <a:off x="3884613" y="0"/>
+            <a:ext cx="2971800" cy="458788"/>
+          </a:xfrm>
+          <a:prstGeom prst="rect">
+            <a:avLst/>
+          </a:prstGeom>
+        </p:spPr>
+        <p:txBody>
+          <a:bodyPr vert="horz" lIns="91440" tIns="45720" rIns="91440" bIns="45720" rtlCol="0"/>
+          <a:lstStyle>
+            <a:lvl1pPr algn="r">
+              <a:defRPr sz="1200"/>
+            </a:lvl1pPr>
+          </a:lstStyle>
+          <a:p>
+            <a:fld id="{9DEA262B-E15C-A740-B2DB-55D01B8FDD79}" type="datetimeFigureOut">
+              <a:rPr lang="en-GB" smtClean="0"/>
+              <a:t>29/11/2022</a:t>
+            </a:fld>
+            <a:endParaRPr lang="en-GB"/>
+          </a:p>
+        </p:txBody>
+      </p:sp>
+      <p:sp>
+        <p:nvSpPr>
+          <p:cNvPr id="4" name="Segnaposto immagine diapositiva 3"/>
+          <p:cNvSpPr>
+            <a:spLocks noGrp="1" noRot="1" noChangeAspect="1"/>
+          </p:cNvSpPr>
+          <p:nvPr>
+            <p:ph type="sldImg" idx="2"/>
+          </p:nvPr>
+        </p:nvSpPr>
+        <p:spPr>
+          <a:xfrm>
+            <a:off x="685800" y="1143000"/>
+            <a:ext cx="5486400" cy="3086100"/>
+          </a:xfrm>
+          <a:prstGeom prst="rect">
+            <a:avLst/>
+          </a:prstGeom>
+          <a:noFill/>
+          <a:ln w="12700">
+            <a:solidFill>
+              <a:prstClr val="black"/>
+            </a:solidFill>
+          </a:ln>
+        </p:spPr>
+        <p:txBody>
+          <a:bodyPr vert="horz" lIns="91440" tIns="45720" rIns="91440" bIns="45720" rtlCol="0" anchor="ctr"/>
+          <a:lstStyle/>
+          <a:p>
+            <a:endParaRPr lang="en-GB"/>
+          </a:p>
+        </p:txBody>
+      </p:sp>
+      <p:sp>
+        <p:nvSpPr>
+          <p:cNvPr id="5" name="Segnaposto note 4"/>
+          <p:cNvSpPr>
+            <a:spLocks noGrp="1"/>
+          </p:cNvSpPr>
+          <p:nvPr>
+            <p:ph type="body" sz="quarter" idx="3"/>
+          </p:nvPr>
+        </p:nvSpPr>
+        <p:spPr>
+          <a:xfrm>
+            <a:off x="685800" y="4400550"/>
+            <a:ext cx="5486400" cy="3600450"/>
+          </a:xfrm>
+          <a:prstGeom prst="rect">
+            <a:avLst/>
+          </a:prstGeom>
+        </p:spPr>
+        <p:txBody>
+          <a:bodyPr vert="horz" lIns="91440" tIns="45720" rIns="91440" bIns="45720" rtlCol="0"/>
+          <a:lstStyle/>
+          <a:p>
+            <a:pPr lvl="0"/>
+            <a:r>
+              <a:rPr lang="it-IT"/>
+              <a:t>Fare clic per modificare gli stili del testo dello schema</a:t>
+            </a:r>
+          </a:p>
+          <a:p>
+            <a:pPr lvl="1"/>
+            <a:r>
+              <a:rPr lang="it-IT"/>
+              <a:t>Secondo livello</a:t>
+            </a:r>
+          </a:p>
+          <a:p>
+            <a:pPr lvl="2"/>
+            <a:r>
+              <a:rPr lang="it-IT"/>
+              <a:t>Terzo livello</a:t>
+            </a:r>
+          </a:p>
+          <a:p>
+            <a:pPr lvl="3"/>
+            <a:r>
+              <a:rPr lang="it-IT"/>
+              <a:t>Quarto livello</a:t>
+            </a:r>
+          </a:p>
+          <a:p>
+            <a:pPr lvl="4"/>
+            <a:r>
+              <a:rPr lang="it-IT"/>
+              <a:t>Quinto livello</a:t>
+            </a:r>
+            <a:endParaRPr lang="en-GB"/>
+          </a:p>
+        </p:txBody>
+      </p:sp>
+      <p:sp>
+        <p:nvSpPr>
+          <p:cNvPr id="6" name="Segnaposto piè di pagina 5"/>
+          <p:cNvSpPr>
+            <a:spLocks noGrp="1"/>
+          </p:cNvSpPr>
+          <p:nvPr>
+            <p:ph type="ftr" sz="quarter" idx="4"/>
+          </p:nvPr>
+        </p:nvSpPr>
+        <p:spPr>
+          <a:xfrm>
+            <a:off x="0" y="8685213"/>
+            <a:ext cx="2971800" cy="458787"/>
+          </a:xfrm>
+          <a:prstGeom prst="rect">
+            <a:avLst/>
+          </a:prstGeom>
+        </p:spPr>
+        <p:txBody>
+          <a:bodyPr vert="horz" lIns="91440" tIns="45720" rIns="91440" bIns="45720" rtlCol="0" anchor="b"/>
+          <a:lstStyle>
+            <a:lvl1pPr algn="l">
+              <a:defRPr sz="1200"/>
+            </a:lvl1pPr>
+          </a:lstStyle>
+          <a:p>
+            <a:endParaRPr lang="en-GB"/>
+          </a:p>
+        </p:txBody>
+      </p:sp>
+      <p:sp>
+        <p:nvSpPr>
+          <p:cNvPr id="7" name="Segnaposto numero diapositiva 6"/>
+          <p:cNvSpPr>
+            <a:spLocks noGrp="1"/>
+          </p:cNvSpPr>
+          <p:nvPr>
+            <p:ph type="sldNum" sz="quarter" idx="5"/>
+          </p:nvPr>
+        </p:nvSpPr>
+        <p:spPr>
+          <a:xfrm>
+            <a:off x="3884613" y="8685213"/>
+            <a:ext cx="2971800" cy="458787"/>
+          </a:xfrm>
+          <a:prstGeom prst="rect">
+            <a:avLst/>
+          </a:prstGeom>
+        </p:spPr>
+        <p:txBody>
+          <a:bodyPr vert="horz" lIns="91440" tIns="45720" rIns="91440" bIns="45720" rtlCol="0" anchor="b"/>
+          <a:lstStyle>
+            <a:lvl1pPr algn="r">
+              <a:defRPr sz="1200"/>
+            </a:lvl1pPr>
+          </a:lstStyle>
+          <a:p>
+            <a:fld id="{03F9610A-BE2A-7D45-9C13-5320606EF362}" type="slidenum">
+              <a:rPr lang="en-GB" smtClean="0"/>
+              <a:t>‹N›</a:t>
+            </a:fld>
+            <a:endParaRPr lang="en-GB"/>
+          </a:p>
+        </p:txBody>
+      </p:sp>
+    </p:spTree>
+    <p:extLst>
+      <p:ext uri="{BB962C8B-B14F-4D97-AF65-F5344CB8AC3E}">
+        <p14:creationId xmlns:p14="http://schemas.microsoft.com/office/powerpoint/2010/main" val="297786729"/>
+      </p:ext>
+    </p:extLst>
+  </p:cSld>
+  <p:clrMap bg1="lt1" tx1="dk1" bg2="lt2" tx2="dk2" accent1="accent1" accent2="accent2" accent3="accent3" accent4="accent4" accent5="accent5" accent6="accent6" hlink="hlink" folHlink="folHlink"/>
+  <p:notesStyle>
+    <a:lvl1pPr marL="0" algn="l" defTabSz="914400" rtl="0" eaLnBrk="1" latinLnBrk="0" hangingPunct="1">
+      <a:defRPr sz="1200" kern="1200">
+        <a:solidFill>
+          <a:schemeClr val="tx1"/>
+        </a:solidFill>
+        <a:latin typeface="+mn-lt"/>
+        <a:ea typeface="+mn-ea"/>
+        <a:cs typeface="+mn-cs"/>
+      </a:defRPr>
+    </a:lvl1pPr>
+    <a:lvl2pPr marL="457200" algn="l" defTabSz="914400" rtl="0" eaLnBrk="1" latinLnBrk="0" hangingPunct="1">
+      <a:defRPr sz="1200" kern="1200">
+        <a:solidFill>
+          <a:schemeClr val="tx1"/>
+        </a:solidFill>
+        <a:latin typeface="+mn-lt"/>
+        <a:ea typeface="+mn-ea"/>
+        <a:cs typeface="+mn-cs"/>
+      </a:defRPr>
+    </a:lvl2pPr>
+    <a:lvl3pPr marL="914400" algn="l" defTabSz="914400" rtl="0" eaLnBrk="1" latinLnBrk="0" hangingPunct="1">
+      <a:defRPr sz="1200" kern="1200">
+        <a:solidFill>
+          <a:schemeClr val="tx1"/>
+        </a:solidFill>
+        <a:latin typeface="+mn-lt"/>
+        <a:ea typeface="+mn-ea"/>
+        <a:cs typeface="+mn-cs"/>
+      </a:defRPr>
+    </a:lvl3pPr>
+    <a:lvl4pPr marL="1371600" algn="l" defTabSz="914400" rtl="0" eaLnBrk="1" latinLnBrk="0" hangingPunct="1">
+      <a:defRPr sz="1200" kern="1200">
+        <a:solidFill>
+          <a:schemeClr val="tx1"/>
+        </a:solidFill>
+        <a:latin typeface="+mn-lt"/>
+        <a:ea typeface="+mn-ea"/>
+        <a:cs typeface="+mn-cs"/>
+      </a:defRPr>
+    </a:lvl4pPr>
+    <a:lvl5pPr marL="1828800" algn="l" defTabSz="914400" rtl="0" eaLnBrk="1" latinLnBrk="0" hangingPunct="1">
+      <a:defRPr sz="1200" kern="1200">
+        <a:solidFill>
+          <a:schemeClr val="tx1"/>
+        </a:solidFill>
+        <a:latin typeface="+mn-lt"/>
+        <a:ea typeface="+mn-ea"/>
+        <a:cs typeface="+mn-cs"/>
+      </a:defRPr>
+    </a:lvl5pPr>
+    <a:lvl6pPr marL="2286000" algn="l" defTabSz="914400" rtl="0" eaLnBrk="1" latinLnBrk="0" hangingPunct="1">
+      <a:defRPr sz="1200" kern="1200">
+        <a:solidFill>
+          <a:schemeClr val="tx1"/>
+        </a:solidFill>
+        <a:latin typeface="+mn-lt"/>
+        <a:ea typeface="+mn-ea"/>
+        <a:cs typeface="+mn-cs"/>
+      </a:defRPr>
+    </a:lvl6pPr>
+    <a:lvl7pPr marL="2743200" algn="l" defTabSz="914400" rtl="0" eaLnBrk="1" latinLnBrk="0" hangingPunct="1">
+      <a:defRPr sz="1200" kern="1200">
+        <a:solidFill>
+          <a:schemeClr val="tx1"/>
+        </a:solidFill>
+        <a:latin typeface="+mn-lt"/>
+        <a:ea typeface="+mn-ea"/>
+        <a:cs typeface="+mn-cs"/>
+      </a:defRPr>
+    </a:lvl7pPr>
+    <a:lvl8pPr marL="3200400" algn="l" defTabSz="914400" rtl="0" eaLnBrk="1" latinLnBrk="0" hangingPunct="1">
+      <a:defRPr sz="1200" kern="1200">
+        <a:solidFill>
+          <a:schemeClr val="tx1"/>
+        </a:solidFill>
+        <a:latin typeface="+mn-lt"/>
+        <a:ea typeface="+mn-ea"/>
+        <a:cs typeface="+mn-cs"/>
+      </a:defRPr>
+    </a:lvl8pPr>
+    <a:lvl9pPr marL="3657600" algn="l" defTabSz="914400" rtl="0" eaLnBrk="1" latinLnBrk="0" hangingPunct="1">
+      <a:defRPr sz="1200" kern="1200">
+        <a:solidFill>
+          <a:schemeClr val="tx1"/>
+        </a:solidFill>
+        <a:latin typeface="+mn-lt"/>
+        <a:ea typeface="+mn-ea"/>
+        <a:cs typeface="+mn-cs"/>
+      </a:defRPr>
+    </a:lvl9pPr>
+  </p:notesStyle>
+</p:notesMaster>
+</file>
+
+<file path=ppt/notesSlides/notesSlide1.xml><?xml version="1.0" encoding="utf-8"?>
+<p:notes xmlns:a="http://schemas.openxmlformats.org/drawingml/2006/main" xmlns:r="http://schemas.openxmlformats.org/officeDocument/2006/relationships" xmlns:p="http://schemas.openxmlformats.org/presentationml/2006/main">
+  <p:cSld>
+    <p:spTree>
+      <p:nvGrpSpPr>
+        <p:cNvPr id="1" name=""/>
+        <p:cNvGrpSpPr/>
+        <p:nvPr/>
+      </p:nvGrpSpPr>
+      <p:grpSpPr>
+        <a:xfrm>
+          <a:off x="0" y="0"/>
+          <a:ext cx="0" cy="0"/>
+          <a:chOff x="0" y="0"/>
+          <a:chExt cx="0" cy="0"/>
+        </a:xfrm>
+      </p:grpSpPr>
+      <p:sp>
+        <p:nvSpPr>
+          <p:cNvPr id="2" name="Segnaposto immagine diapositiva 1"/>
+          <p:cNvSpPr>
+            <a:spLocks noGrp="1" noRot="1" noChangeAspect="1"/>
+          </p:cNvSpPr>
+          <p:nvPr>
+            <p:ph type="sldImg"/>
+          </p:nvPr>
+        </p:nvSpPr>
+        <p:spPr/>
+      </p:sp>
+      <p:sp>
+        <p:nvSpPr>
+          <p:cNvPr id="3" name="Segnaposto note 2"/>
+          <p:cNvSpPr>
+            <a:spLocks noGrp="1"/>
+          </p:cNvSpPr>
+          <p:nvPr>
+            <p:ph type="body" idx="1"/>
+          </p:nvPr>
+        </p:nvSpPr>
+        <p:spPr/>
+        <p:txBody>
+          <a:bodyPr/>
+          <a:lstStyle/>
+          <a:p>
+            <a:endParaRPr lang="en-GB" dirty="0"/>
+          </a:p>
+        </p:txBody>
+      </p:sp>
+      <p:sp>
+        <p:nvSpPr>
+          <p:cNvPr id="4" name="Segnaposto numero diapositiva 3"/>
+          <p:cNvSpPr>
+            <a:spLocks noGrp="1"/>
+          </p:cNvSpPr>
+          <p:nvPr>
+            <p:ph type="sldNum" sz="quarter" idx="5"/>
+          </p:nvPr>
+        </p:nvSpPr>
+        <p:spPr/>
+        <p:txBody>
+          <a:bodyPr/>
+          <a:lstStyle/>
+          <a:p>
+            <a:fld id="{03F9610A-BE2A-7D45-9C13-5320606EF362}" type="slidenum">
+              <a:rPr lang="en-GB" smtClean="0"/>
+              <a:t>3</a:t>
+            </a:fld>
+            <a:endParaRPr lang="en-GB"/>
+          </a:p>
+        </p:txBody>
+      </p:sp>
+    </p:spTree>
+    <p:extLst>
+      <p:ext uri="{BB962C8B-B14F-4D97-AF65-F5344CB8AC3E}">
+        <p14:creationId xmlns:p14="http://schemas.microsoft.com/office/powerpoint/2010/main" val="4210678608"/>
+      </p:ext>
+    </p:extLst>
+  </p:cSld>
+  <p:clrMapOvr>
+    <a:masterClrMapping/>
+  </p:clrMapOvr>
+</p:notes>
+</file>
+
 <file path=ppt/slideLayouts/slideLayout1.xml><?xml version="1.0" encoding="utf-8"?>
 <p:sldLayout xmlns:a="http://schemas.openxmlformats.org/drawingml/2006/main" xmlns:r="http://schemas.openxmlformats.org/officeDocument/2006/relationships" xmlns:p="http://schemas.openxmlformats.org/presentationml/2006/main" type="title" preserve="1">
   <p:cSld name="Diapositiva titolo">
@@ -261,7 +698,7 @@
           <a:p>
             <a:fld id="{0C022E22-8E55-0642-8631-076F0F4D5404}" type="datetimeFigureOut">
               <a:rPr lang="it-IT" smtClean="0"/>
-              <a:t>20/11/22</a:t>
+              <a:t>29/11/22</a:t>
             </a:fld>
             <a:endParaRPr lang="it-IT"/>
           </a:p>
@@ -459,7 +896,7 @@
           <a:p>
             <a:fld id="{0C022E22-8E55-0642-8631-076F0F4D5404}" type="datetimeFigureOut">
               <a:rPr lang="it-IT" smtClean="0"/>
-              <a:t>20/11/22</a:t>
+              <a:t>29/11/22</a:t>
             </a:fld>
             <a:endParaRPr lang="it-IT"/>
           </a:p>
@@ -667,7 +1104,7 @@
           <a:p>
             <a:fld id="{0C022E22-8E55-0642-8631-076F0F4D5404}" type="datetimeFigureOut">
               <a:rPr lang="it-IT" smtClean="0"/>
-              <a:t>20/11/22</a:t>
+              <a:t>29/11/22</a:t>
             </a:fld>
             <a:endParaRPr lang="it-IT"/>
           </a:p>
@@ -865,7 +1302,7 @@
           <a:p>
             <a:fld id="{0C022E22-8E55-0642-8631-076F0F4D5404}" type="datetimeFigureOut">
               <a:rPr lang="it-IT" smtClean="0"/>
-              <a:t>20/11/22</a:t>
+              <a:t>29/11/22</a:t>
             </a:fld>
             <a:endParaRPr lang="it-IT"/>
           </a:p>
@@ -1140,7 +1577,7 @@
           <a:p>
             <a:fld id="{0C022E22-8E55-0642-8631-076F0F4D5404}" type="datetimeFigureOut">
               <a:rPr lang="it-IT" smtClean="0"/>
-              <a:t>20/11/22</a:t>
+              <a:t>29/11/22</a:t>
             </a:fld>
             <a:endParaRPr lang="it-IT"/>
           </a:p>
@@ -1405,7 +1842,7 @@
           <a:p>
             <a:fld id="{0C022E22-8E55-0642-8631-076F0F4D5404}" type="datetimeFigureOut">
               <a:rPr lang="it-IT" smtClean="0"/>
-              <a:t>20/11/22</a:t>
+              <a:t>29/11/22</a:t>
             </a:fld>
             <a:endParaRPr lang="it-IT"/>
           </a:p>
@@ -1817,7 +2254,7 @@
           <a:p>
             <a:fld id="{0C022E22-8E55-0642-8631-076F0F4D5404}" type="datetimeFigureOut">
               <a:rPr lang="it-IT" smtClean="0"/>
-              <a:t>20/11/22</a:t>
+              <a:t>29/11/22</a:t>
             </a:fld>
             <a:endParaRPr lang="it-IT"/>
           </a:p>
@@ -1958,7 +2395,7 @@
           <a:p>
             <a:fld id="{0C022E22-8E55-0642-8631-076F0F4D5404}" type="datetimeFigureOut">
               <a:rPr lang="it-IT" smtClean="0"/>
-              <a:t>20/11/22</a:t>
+              <a:t>29/11/22</a:t>
             </a:fld>
             <a:endParaRPr lang="it-IT"/>
           </a:p>
@@ -2071,7 +2508,7 @@
           <a:p>
             <a:fld id="{0C022E22-8E55-0642-8631-076F0F4D5404}" type="datetimeFigureOut">
               <a:rPr lang="it-IT" smtClean="0"/>
-              <a:t>20/11/22</a:t>
+              <a:t>29/11/22</a:t>
             </a:fld>
             <a:endParaRPr lang="it-IT"/>
           </a:p>
@@ -2382,7 +2819,7 @@
           <a:p>
             <a:fld id="{0C022E22-8E55-0642-8631-076F0F4D5404}" type="datetimeFigureOut">
               <a:rPr lang="it-IT" smtClean="0"/>
-              <a:t>20/11/22</a:t>
+              <a:t>29/11/22</a:t>
             </a:fld>
             <a:endParaRPr lang="it-IT"/>
           </a:p>
@@ -2670,7 +3107,7 @@
           <a:p>
             <a:fld id="{0C022E22-8E55-0642-8631-076F0F4D5404}" type="datetimeFigureOut">
               <a:rPr lang="it-IT" smtClean="0"/>
-              <a:t>20/11/22</a:t>
+              <a:t>29/11/22</a:t>
             </a:fld>
             <a:endParaRPr lang="it-IT"/>
           </a:p>
@@ -2911,7 +3348,7 @@
           <a:p>
             <a:fld id="{0C022E22-8E55-0642-8631-076F0F4D5404}" type="datetimeFigureOut">
               <a:rPr lang="it-IT" smtClean="0"/>
-              <a:t>20/11/22</a:t>
+              <a:t>29/11/22</a:t>
             </a:fld>
             <a:endParaRPr lang="it-IT"/>
           </a:p>
@@ -8650,10 +9087,10 @@
           <p:nvPr/>
         </p:nvPicPr>
         <p:blipFill>
-          <a:blip r:embed="rId2">
+          <a:blip r:embed="rId3">
             <a:extLst>
               <a:ext uri="{96DAC541-7B7A-43D3-8B79-37D633B846F1}">
-                <asvg:svgBlip xmlns:asvg="http://schemas.microsoft.com/office/drawing/2016/SVG/main" r:embed="rId3"/>
+                <asvg:svgBlip xmlns:asvg="http://schemas.microsoft.com/office/drawing/2016/SVG/main" r:embed="rId4"/>
               </a:ext>
             </a:extLst>
           </a:blip>
@@ -8817,10 +9254,10 @@
           <p:nvPr/>
         </p:nvPicPr>
         <p:blipFill>
-          <a:blip r:embed="rId4">
+          <a:blip r:embed="rId5">
             <a:extLst>
               <a:ext uri="{96DAC541-7B7A-43D3-8B79-37D633B846F1}">
-                <asvg:svgBlip xmlns:asvg="http://schemas.microsoft.com/office/drawing/2016/SVG/main" r:embed="rId5"/>
+                <asvg:svgBlip xmlns:asvg="http://schemas.microsoft.com/office/drawing/2016/SVG/main" r:embed="rId6"/>
               </a:ext>
             </a:extLst>
           </a:blip>
@@ -8853,10 +9290,10 @@
           <p:nvPr/>
         </p:nvPicPr>
         <p:blipFill>
-          <a:blip r:embed="rId6">
+          <a:blip r:embed="rId7">
             <a:extLst>
               <a:ext uri="{96DAC541-7B7A-43D3-8B79-37D633B846F1}">
-                <asvg:svgBlip xmlns:asvg="http://schemas.microsoft.com/office/drawing/2016/SVG/main" r:embed="rId7"/>
+                <asvg:svgBlip xmlns:asvg="http://schemas.microsoft.com/office/drawing/2016/SVG/main" r:embed="rId8"/>
               </a:ext>
             </a:extLst>
           </a:blip>
@@ -9336,7 +9773,7 @@
         </p:nvCxnSpPr>
         <p:spPr>
           <a:xfrm flipH="1">
-            <a:off x="11532020" y="5145652"/>
+            <a:off x="11532020" y="5040549"/>
             <a:ext cx="483365" cy="0"/>
           </a:xfrm>
           <a:prstGeom prst="straightConnector1">
@@ -9382,7 +9819,7 @@
         <p:spPr>
           <a:xfrm flipV="1">
             <a:off x="12015226" y="3521041"/>
-            <a:ext cx="0" cy="1624610"/>
+            <a:ext cx="0" cy="1522683"/>
           </a:xfrm>
           <a:prstGeom prst="straightConnector1">
             <a:avLst/>
@@ -9471,7 +9908,7 @@
         </p:nvSpPr>
         <p:spPr>
           <a:xfrm>
-            <a:off x="10574337" y="5725741"/>
+            <a:off x="10574337" y="5616885"/>
             <a:ext cx="1210606" cy="440344"/>
           </a:xfrm>
           <a:prstGeom prst="roundRect">
@@ -10107,8 +10544,8 @@
         </p:nvSpPr>
         <p:spPr>
           <a:xfrm>
-            <a:off x="3761679" y="2834819"/>
-            <a:ext cx="696215" cy="634851"/>
+            <a:off x="3761679" y="2837759"/>
+            <a:ext cx="696215" cy="631911"/>
           </a:xfrm>
           <a:prstGeom prst="roundRect">
             <a:avLst/>
@@ -10147,7 +10584,7 @@
                 <a:ea typeface="CMU Bright Roman" panose="02000603000000000000" pitchFamily="2" charset="0"/>
                 <a:cs typeface="CMU Bright Roman" panose="02000603000000000000" pitchFamily="2" charset="0"/>
               </a:rPr>
-              <a:t>SOFA</a:t>
+              <a:t>SEFA</a:t>
             </a:r>
           </a:p>
           <a:p>
@@ -10363,7 +10800,7 @@
           <p:nvPr/>
         </p:nvPicPr>
         <p:blipFill>
-          <a:blip r:embed="rId8">
+          <a:blip r:embed="rId9">
             <a:alphaModFix/>
             <a:duotone>
               <a:schemeClr val="accent6">
@@ -10375,7 +10812,7 @@
             <a:extLst>
               <a:ext uri="{BEBA8EAE-BF5A-486C-A8C5-ECC9F3942E4B}">
                 <a14:imgProps xmlns:a14="http://schemas.microsoft.com/office/drawing/2010/main">
-                  <a14:imgLayer r:embed="rId9">
+                  <a14:imgLayer r:embed="rId10">
                     <a14:imgEffect>
                       <a14:sharpenSoften amount="100000"/>
                     </a14:imgEffect>
@@ -10403,7 +10840,7 @@
         </p:blipFill>
         <p:spPr bwMode="auto">
           <a:xfrm>
-            <a:off x="10678250" y="4639084"/>
+            <a:off x="10678250" y="4530228"/>
             <a:ext cx="1013135" cy="1013135"/>
           </a:xfrm>
           <a:prstGeom prst="rect">
@@ -10436,10 +10873,10 @@
           <p:nvPr/>
         </p:nvPicPr>
         <p:blipFill>
-          <a:blip r:embed="rId2">
+          <a:blip r:embed="rId3">
             <a:extLst>
               <a:ext uri="{96DAC541-7B7A-43D3-8B79-37D633B846F1}">
-                <asvg:svgBlip xmlns:asvg="http://schemas.microsoft.com/office/drawing/2016/SVG/main" r:embed="rId3"/>
+                <asvg:svgBlip xmlns:asvg="http://schemas.microsoft.com/office/drawing/2016/SVG/main" r:embed="rId4"/>
               </a:ext>
             </a:extLst>
           </a:blip>
@@ -10982,4 +11419,299 @@
     </a:ext>
   </a:extLst>
 </a:theme>
+</file>
+
+<file path=ppt/theme/theme2.xml><?xml version="1.0" encoding="utf-8"?>
+<a:theme xmlns:a="http://schemas.openxmlformats.org/drawingml/2006/main" name="Tema di Office">
+  <a:themeElements>
+    <a:clrScheme name="Office">
+      <a:dk1>
+        <a:sysClr val="windowText" lastClr="000000"/>
+      </a:dk1>
+      <a:lt1>
+        <a:sysClr val="window" lastClr="FFFFFF"/>
+      </a:lt1>
+      <a:dk2>
+        <a:srgbClr val="44546A"/>
+      </a:dk2>
+      <a:lt2>
+        <a:srgbClr val="E7E6E6"/>
+      </a:lt2>
+      <a:accent1>
+        <a:srgbClr val="4472C4"/>
+      </a:accent1>
+      <a:accent2>
+        <a:srgbClr val="ED7D31"/>
+      </a:accent2>
+      <a:accent3>
+        <a:srgbClr val="A5A5A5"/>
+      </a:accent3>
+      <a:accent4>
+        <a:srgbClr val="FFC000"/>
+      </a:accent4>
+      <a:accent5>
+        <a:srgbClr val="5B9BD5"/>
+      </a:accent5>
+      <a:accent6>
+        <a:srgbClr val="70AD47"/>
+      </a:accent6>
+      <a:hlink>
+        <a:srgbClr val="0563C1"/>
+      </a:hlink>
+      <a:folHlink>
+        <a:srgbClr val="954F72"/>
+      </a:folHlink>
+    </a:clrScheme>
+    <a:fontScheme name="Office">
+      <a:majorFont>
+        <a:latin typeface="Calibri Light" panose="020F0302020204030204"/>
+        <a:ea typeface=""/>
+        <a:cs typeface=""/>
+        <a:font script="Jpan" typeface="游ゴシック Light"/>
+        <a:font script="Hang" typeface="맑은 고딕"/>
+        <a:font script="Hans" typeface="等线 Light"/>
+        <a:font script="Hant" typeface="新細明體"/>
+        <a:font script="Arab" typeface="Times New Roman"/>
+        <a:font script="Hebr" typeface="Times New Roman"/>
+        <a:font script="Thai" typeface="Angsana New"/>
+        <a:font script="Ethi" typeface="Nyala"/>
+        <a:font script="Beng" typeface="Vrinda"/>
+        <a:font script="Gujr" typeface="Shruti"/>
+        <a:font script="Khmr" typeface="MoolBoran"/>
+        <a:font script="Knda" typeface="Tunga"/>
+        <a:font script="Guru" typeface="Raavi"/>
+        <a:font script="Cans" typeface="Euphemia"/>
+        <a:font script="Cher" typeface="Plantagenet Cherokee"/>
+        <a:font script="Yiii" typeface="Microsoft Yi Baiti"/>
+        <a:font script="Tibt" typeface="Microsoft Himalaya"/>
+        <a:font script="Thaa" typeface="MV Boli"/>
+        <a:font script="Deva" typeface="Mangal"/>
+        <a:font script="Telu" typeface="Gautami"/>
+        <a:font script="Taml" typeface="Latha"/>
+        <a:font script="Syrc" typeface="Estrangelo Edessa"/>
+        <a:font script="Orya" typeface="Kalinga"/>
+        <a:font script="Mlym" typeface="Kartika"/>
+        <a:font script="Laoo" typeface="DokChampa"/>
+        <a:font script="Sinh" typeface="Iskoola Pota"/>
+        <a:font script="Mong" typeface="Mongolian Baiti"/>
+        <a:font script="Viet" typeface="Times New Roman"/>
+        <a:font script="Uigh" typeface="Microsoft Uighur"/>
+        <a:font script="Geor" typeface="Sylfaen"/>
+        <a:font script="Armn" typeface="Arial"/>
+        <a:font script="Bugi" typeface="Leelawadee UI"/>
+        <a:font script="Bopo" typeface="Microsoft JhengHei"/>
+        <a:font script="Java" typeface="Javanese Text"/>
+        <a:font script="Lisu" typeface="Segoe UI"/>
+        <a:font script="Mymr" typeface="Myanmar Text"/>
+        <a:font script="Nkoo" typeface="Ebrima"/>
+        <a:font script="Olck" typeface="Nirmala UI"/>
+        <a:font script="Osma" typeface="Ebrima"/>
+        <a:font script="Phag" typeface="Phagspa"/>
+        <a:font script="Syrn" typeface="Estrangelo Edessa"/>
+        <a:font script="Syrj" typeface="Estrangelo Edessa"/>
+        <a:font script="Syre" typeface="Estrangelo Edessa"/>
+        <a:font script="Sora" typeface="Nirmala UI"/>
+        <a:font script="Tale" typeface="Microsoft Tai Le"/>
+        <a:font script="Talu" typeface="Microsoft New Tai Lue"/>
+        <a:font script="Tfng" typeface="Ebrima"/>
+      </a:majorFont>
+      <a:minorFont>
+        <a:latin typeface="Calibri" panose="020F0502020204030204"/>
+        <a:ea typeface=""/>
+        <a:cs typeface=""/>
+        <a:font script="Jpan" typeface="游ゴシック"/>
+        <a:font script="Hang" typeface="맑은 고딕"/>
+        <a:font script="Hans" typeface="等线"/>
+        <a:font script="Hant" typeface="新細明體"/>
+        <a:font script="Arab" typeface="Arial"/>
+        <a:font script="Hebr" typeface="Arial"/>
+        <a:font script="Thai" typeface="Cordia New"/>
+        <a:font script="Ethi" typeface="Nyala"/>
+        <a:font script="Beng" typeface="Vrinda"/>
+        <a:font script="Gujr" typeface="Shruti"/>
+        <a:font script="Khmr" typeface="DaunPenh"/>
+        <a:font script="Knda" typeface="Tunga"/>
+        <a:font script="Guru" typeface="Raavi"/>
+        <a:font script="Cans" typeface="Euphemia"/>
+        <a:font script="Cher" typeface="Plantagenet Cherokee"/>
+        <a:font script="Yiii" typeface="Microsoft Yi Baiti"/>
+        <a:font script="Tibt" typeface="Microsoft Himalaya"/>
+        <a:font script="Thaa" typeface="MV Boli"/>
+        <a:font script="Deva" typeface="Mangal"/>
+        <a:font script="Telu" typeface="Gautami"/>
+        <a:font script="Taml" typeface="Latha"/>
+        <a:font script="Syrc" typeface="Estrangelo Edessa"/>
+        <a:font script="Orya" typeface="Kalinga"/>
+        <a:font script="Mlym" typeface="Kartika"/>
+        <a:font script="Laoo" typeface="DokChampa"/>
+        <a:font script="Sinh" typeface="Iskoola Pota"/>
+        <a:font script="Mong" typeface="Mongolian Baiti"/>
+        <a:font script="Viet" typeface="Arial"/>
+        <a:font script="Uigh" typeface="Microsoft Uighur"/>
+        <a:font script="Geor" typeface="Sylfaen"/>
+        <a:font script="Armn" typeface="Arial"/>
+        <a:font script="Bugi" typeface="Leelawadee UI"/>
+        <a:font script="Bopo" typeface="Microsoft JhengHei"/>
+        <a:font script="Java" typeface="Javanese Text"/>
+        <a:font script="Lisu" typeface="Segoe UI"/>
+        <a:font script="Mymr" typeface="Myanmar Text"/>
+        <a:font script="Nkoo" typeface="Ebrima"/>
+        <a:font script="Olck" typeface="Nirmala UI"/>
+        <a:font script="Osma" typeface="Ebrima"/>
+        <a:font script="Phag" typeface="Phagspa"/>
+        <a:font script="Syrn" typeface="Estrangelo Edessa"/>
+        <a:font script="Syrj" typeface="Estrangelo Edessa"/>
+        <a:font script="Syre" typeface="Estrangelo Edessa"/>
+        <a:font script="Sora" typeface="Nirmala UI"/>
+        <a:font script="Tale" typeface="Microsoft Tai Le"/>
+        <a:font script="Talu" typeface="Microsoft New Tai Lue"/>
+        <a:font script="Tfng" typeface="Ebrima"/>
+      </a:minorFont>
+    </a:fontScheme>
+    <a:fmtScheme name="Office">
+      <a:fillStyleLst>
+        <a:solidFill>
+          <a:schemeClr val="phClr"/>
+        </a:solidFill>
+        <a:gradFill rotWithShape="1">
+          <a:gsLst>
+            <a:gs pos="0">
+              <a:schemeClr val="phClr">
+                <a:lumMod val="110000"/>
+                <a:satMod val="105000"/>
+                <a:tint val="67000"/>
+              </a:schemeClr>
+            </a:gs>
+            <a:gs pos="50000">
+              <a:schemeClr val="phClr">
+                <a:lumMod val="105000"/>
+                <a:satMod val="103000"/>
+                <a:tint val="73000"/>
+              </a:schemeClr>
+            </a:gs>
+            <a:gs pos="100000">
+              <a:schemeClr val="phClr">
+                <a:lumMod val="105000"/>
+                <a:satMod val="109000"/>
+                <a:tint val="81000"/>
+              </a:schemeClr>
+            </a:gs>
+          </a:gsLst>
+          <a:lin ang="5400000" scaled="0"/>
+        </a:gradFill>
+        <a:gradFill rotWithShape="1">
+          <a:gsLst>
+            <a:gs pos="0">
+              <a:schemeClr val="phClr">
+                <a:satMod val="103000"/>
+                <a:lumMod val="102000"/>
+                <a:tint val="94000"/>
+              </a:schemeClr>
+            </a:gs>
+            <a:gs pos="50000">
+              <a:schemeClr val="phClr">
+                <a:satMod val="110000"/>
+                <a:lumMod val="100000"/>
+                <a:shade val="100000"/>
+              </a:schemeClr>
+            </a:gs>
+            <a:gs pos="100000">
+              <a:schemeClr val="phClr">
+                <a:lumMod val="99000"/>
+                <a:satMod val="120000"/>
+                <a:shade val="78000"/>
+              </a:schemeClr>
+            </a:gs>
+          </a:gsLst>
+          <a:lin ang="5400000" scaled="0"/>
+        </a:gradFill>
+      </a:fillStyleLst>
+      <a:lnStyleLst>
+        <a:ln w="6350" cap="flat" cmpd="sng" algn="ctr">
+          <a:solidFill>
+            <a:schemeClr val="phClr"/>
+          </a:solidFill>
+          <a:prstDash val="solid"/>
+          <a:miter lim="800000"/>
+        </a:ln>
+        <a:ln w="12700" cap="flat" cmpd="sng" algn="ctr">
+          <a:solidFill>
+            <a:schemeClr val="phClr"/>
+          </a:solidFill>
+          <a:prstDash val="solid"/>
+          <a:miter lim="800000"/>
+        </a:ln>
+        <a:ln w="19050" cap="flat" cmpd="sng" algn="ctr">
+          <a:solidFill>
+            <a:schemeClr val="phClr"/>
+          </a:solidFill>
+          <a:prstDash val="solid"/>
+          <a:miter lim="800000"/>
+        </a:ln>
+      </a:lnStyleLst>
+      <a:effectStyleLst>
+        <a:effectStyle>
+          <a:effectLst/>
+        </a:effectStyle>
+        <a:effectStyle>
+          <a:effectLst/>
+        </a:effectStyle>
+        <a:effectStyle>
+          <a:effectLst>
+            <a:outerShdw blurRad="57150" dist="19050" dir="5400000" algn="ctr" rotWithShape="0">
+              <a:srgbClr val="000000">
+                <a:alpha val="63000"/>
+              </a:srgbClr>
+            </a:outerShdw>
+          </a:effectLst>
+        </a:effectStyle>
+      </a:effectStyleLst>
+      <a:bgFillStyleLst>
+        <a:solidFill>
+          <a:schemeClr val="phClr"/>
+        </a:solidFill>
+        <a:solidFill>
+          <a:schemeClr val="phClr">
+            <a:tint val="95000"/>
+            <a:satMod val="170000"/>
+          </a:schemeClr>
+        </a:solidFill>
+        <a:gradFill rotWithShape="1">
+          <a:gsLst>
+            <a:gs pos="0">
+              <a:schemeClr val="phClr">
+                <a:tint val="93000"/>
+                <a:satMod val="150000"/>
+                <a:shade val="98000"/>
+                <a:lumMod val="102000"/>
+              </a:schemeClr>
+            </a:gs>
+            <a:gs pos="50000">
+              <a:schemeClr val="phClr">
+                <a:tint val="98000"/>
+                <a:satMod val="130000"/>
+                <a:shade val="90000"/>
+                <a:lumMod val="103000"/>
+              </a:schemeClr>
+            </a:gs>
+            <a:gs pos="100000">
+              <a:schemeClr val="phClr">
+                <a:shade val="63000"/>
+                <a:satMod val="120000"/>
+              </a:schemeClr>
+            </a:gs>
+          </a:gsLst>
+          <a:lin ang="5400000" scaled="0"/>
+        </a:gradFill>
+      </a:bgFillStyleLst>
+    </a:fmtScheme>
+  </a:themeElements>
+  <a:objectDefaults/>
+  <a:extraClrSchemeLst/>
+  <a:extLst>
+    <a:ext uri="{05A4C25C-085E-4340-85A3-A5531E510DB2}">
+      <thm15:themeFamily xmlns:thm15="http://schemas.microsoft.com/office/thememl/2012/main" name="Office Theme" id="{62F939B6-93AF-4DB8-9C6B-D6C7DFDC589F}" vid="{4A3C46E8-61CC-4603-A589-7422A47A8E4A}"/>
+    </a:ext>
+  </a:extLst>
+</a:theme>
 </file>
--- a/documents/Managed System/Deployment Diagram 2.0.pptx
+++ b/documents/Managed System/Deployment Diagram 2.0.pptx
@@ -5,12 +5,13 @@
     <p:sldMasterId id="2147483648" r:id="rId1"/>
   </p:sldMasterIdLst>
   <p:notesMasterIdLst>
-    <p:notesMasterId r:id="rId5"/>
+    <p:notesMasterId r:id="rId6"/>
   </p:notesMasterIdLst>
   <p:sldIdLst>
     <p:sldId id="258" r:id="rId2"/>
     <p:sldId id="259" r:id="rId3"/>
     <p:sldId id="260" r:id="rId4"/>
+    <p:sldId id="261" r:id="rId5"/>
   </p:sldIdLst>
   <p:sldSz cx="12192000" cy="6858000"/>
   <p:notesSz cx="6858000" cy="9144000"/>
@@ -199,7 +200,7 @@
           <a:p>
             <a:fld id="{9DEA262B-E15C-A740-B2DB-55D01B8FDD79}" type="datetimeFigureOut">
               <a:rPr lang="en-GB" smtClean="0"/>
-              <a:t>29/11/2022</a:t>
+              <a:t>11/12/2022</a:t>
             </a:fld>
             <a:endParaRPr lang="en-GB"/>
           </a:p>
@@ -551,6 +552,90 @@
 </p:notes>
 </file>
 
+<file path=ppt/notesSlides/notesSlide2.xml><?xml version="1.0" encoding="utf-8"?>
+<p:notes xmlns:a="http://schemas.openxmlformats.org/drawingml/2006/main" xmlns:r="http://schemas.openxmlformats.org/officeDocument/2006/relationships" xmlns:p="http://schemas.openxmlformats.org/presentationml/2006/main">
+  <p:cSld>
+    <p:spTree>
+      <p:nvGrpSpPr>
+        <p:cNvPr id="1" name=""/>
+        <p:cNvGrpSpPr/>
+        <p:nvPr/>
+      </p:nvGrpSpPr>
+      <p:grpSpPr>
+        <a:xfrm>
+          <a:off x="0" y="0"/>
+          <a:ext cx="0" cy="0"/>
+          <a:chOff x="0" y="0"/>
+          <a:chExt cx="0" cy="0"/>
+        </a:xfrm>
+      </p:grpSpPr>
+      <p:sp>
+        <p:nvSpPr>
+          <p:cNvPr id="2" name="Segnaposto immagine diapositiva 1"/>
+          <p:cNvSpPr>
+            <a:spLocks noGrp="1" noRot="1" noChangeAspect="1"/>
+          </p:cNvSpPr>
+          <p:nvPr>
+            <p:ph type="sldImg"/>
+          </p:nvPr>
+        </p:nvSpPr>
+        <p:spPr/>
+      </p:sp>
+      <p:sp>
+        <p:nvSpPr>
+          <p:cNvPr id="3" name="Segnaposto note 2"/>
+          <p:cNvSpPr>
+            <a:spLocks noGrp="1"/>
+          </p:cNvSpPr>
+          <p:nvPr>
+            <p:ph type="body" idx="1"/>
+          </p:nvPr>
+        </p:nvSpPr>
+        <p:spPr/>
+        <p:txBody>
+          <a:bodyPr/>
+          <a:lstStyle/>
+          <a:p>
+            <a:endParaRPr lang="en-GB" dirty="0"/>
+          </a:p>
+        </p:txBody>
+      </p:sp>
+      <p:sp>
+        <p:nvSpPr>
+          <p:cNvPr id="4" name="Segnaposto numero diapositiva 3"/>
+          <p:cNvSpPr>
+            <a:spLocks noGrp="1"/>
+          </p:cNvSpPr>
+          <p:nvPr>
+            <p:ph type="sldNum" sz="quarter" idx="5"/>
+          </p:nvPr>
+        </p:nvSpPr>
+        <p:spPr/>
+        <p:txBody>
+          <a:bodyPr/>
+          <a:lstStyle/>
+          <a:p>
+            <a:fld id="{03F9610A-BE2A-7D45-9C13-5320606EF362}" type="slidenum">
+              <a:rPr lang="en-GB" smtClean="0"/>
+              <a:t>4</a:t>
+            </a:fld>
+            <a:endParaRPr lang="en-GB"/>
+          </a:p>
+        </p:txBody>
+      </p:sp>
+    </p:spTree>
+    <p:extLst>
+      <p:ext uri="{BB962C8B-B14F-4D97-AF65-F5344CB8AC3E}">
+        <p14:creationId xmlns:p14="http://schemas.microsoft.com/office/powerpoint/2010/main" val="2275696176"/>
+      </p:ext>
+    </p:extLst>
+  </p:cSld>
+  <p:clrMapOvr>
+    <a:masterClrMapping/>
+  </p:clrMapOvr>
+</p:notes>
+</file>
+
 <file path=ppt/slideLayouts/slideLayout1.xml><?xml version="1.0" encoding="utf-8"?>
 <p:sldLayout xmlns:a="http://schemas.openxmlformats.org/drawingml/2006/main" xmlns:r="http://schemas.openxmlformats.org/officeDocument/2006/relationships" xmlns:p="http://schemas.openxmlformats.org/presentationml/2006/main" type="title" preserve="1">
   <p:cSld name="Diapositiva titolo">
@@ -698,7 +783,7 @@
           <a:p>
             <a:fld id="{0C022E22-8E55-0642-8631-076F0F4D5404}" type="datetimeFigureOut">
               <a:rPr lang="it-IT" smtClean="0"/>
-              <a:t>29/11/22</a:t>
+              <a:t>11/12/22</a:t>
             </a:fld>
             <a:endParaRPr lang="it-IT"/>
           </a:p>
@@ -896,7 +981,7 @@
           <a:p>
             <a:fld id="{0C022E22-8E55-0642-8631-076F0F4D5404}" type="datetimeFigureOut">
               <a:rPr lang="it-IT" smtClean="0"/>
-              <a:t>29/11/22</a:t>
+              <a:t>11/12/22</a:t>
             </a:fld>
             <a:endParaRPr lang="it-IT"/>
           </a:p>
@@ -1104,7 +1189,7 @@
           <a:p>
             <a:fld id="{0C022E22-8E55-0642-8631-076F0F4D5404}" type="datetimeFigureOut">
               <a:rPr lang="it-IT" smtClean="0"/>
-              <a:t>29/11/22</a:t>
+              <a:t>11/12/22</a:t>
             </a:fld>
             <a:endParaRPr lang="it-IT"/>
           </a:p>
@@ -1302,7 +1387,7 @@
           <a:p>
             <a:fld id="{0C022E22-8E55-0642-8631-076F0F4D5404}" type="datetimeFigureOut">
               <a:rPr lang="it-IT" smtClean="0"/>
-              <a:t>29/11/22</a:t>
+              <a:t>11/12/22</a:t>
             </a:fld>
             <a:endParaRPr lang="it-IT"/>
           </a:p>
@@ -1577,7 +1662,7 @@
           <a:p>
             <a:fld id="{0C022E22-8E55-0642-8631-076F0F4D5404}" type="datetimeFigureOut">
               <a:rPr lang="it-IT" smtClean="0"/>
-              <a:t>29/11/22</a:t>
+              <a:t>11/12/22</a:t>
             </a:fld>
             <a:endParaRPr lang="it-IT"/>
           </a:p>
@@ -1842,7 +1927,7 @@
           <a:p>
             <a:fld id="{0C022E22-8E55-0642-8631-076F0F4D5404}" type="datetimeFigureOut">
               <a:rPr lang="it-IT" smtClean="0"/>
-              <a:t>29/11/22</a:t>
+              <a:t>11/12/22</a:t>
             </a:fld>
             <a:endParaRPr lang="it-IT"/>
           </a:p>
@@ -2254,7 +2339,7 @@
           <a:p>
             <a:fld id="{0C022E22-8E55-0642-8631-076F0F4D5404}" type="datetimeFigureOut">
               <a:rPr lang="it-IT" smtClean="0"/>
-              <a:t>29/11/22</a:t>
+              <a:t>11/12/22</a:t>
             </a:fld>
             <a:endParaRPr lang="it-IT"/>
           </a:p>
@@ -2395,7 +2480,7 @@
           <a:p>
             <a:fld id="{0C022E22-8E55-0642-8631-076F0F4D5404}" type="datetimeFigureOut">
               <a:rPr lang="it-IT" smtClean="0"/>
-              <a:t>29/11/22</a:t>
+              <a:t>11/12/22</a:t>
             </a:fld>
             <a:endParaRPr lang="it-IT"/>
           </a:p>
@@ -2508,7 +2593,7 @@
           <a:p>
             <a:fld id="{0C022E22-8E55-0642-8631-076F0F4D5404}" type="datetimeFigureOut">
               <a:rPr lang="it-IT" smtClean="0"/>
-              <a:t>29/11/22</a:t>
+              <a:t>11/12/22</a:t>
             </a:fld>
             <a:endParaRPr lang="it-IT"/>
           </a:p>
@@ -2819,7 +2904,7 @@
           <a:p>
             <a:fld id="{0C022E22-8E55-0642-8631-076F0F4D5404}" type="datetimeFigureOut">
               <a:rPr lang="it-IT" smtClean="0"/>
-              <a:t>29/11/22</a:t>
+              <a:t>11/12/22</a:t>
             </a:fld>
             <a:endParaRPr lang="it-IT"/>
           </a:p>
@@ -3107,7 +3192,7 @@
           <a:p>
             <a:fld id="{0C022E22-8E55-0642-8631-076F0F4D5404}" type="datetimeFigureOut">
               <a:rPr lang="it-IT" smtClean="0"/>
-              <a:t>29/11/22</a:t>
+              <a:t>11/12/22</a:t>
             </a:fld>
             <a:endParaRPr lang="it-IT"/>
           </a:p>
@@ -3348,7 +3433,7 @@
           <a:p>
             <a:fld id="{0C022E22-8E55-0642-8631-076F0F4D5404}" type="datetimeFigureOut">
               <a:rPr lang="it-IT" smtClean="0"/>
-              <a:t>29/11/22</a:t>
+              <a:t>11/12/22</a:t>
             </a:fld>
             <a:endParaRPr lang="it-IT"/>
           </a:p>
@@ -11117,6 +11202,2620 @@
     <p:extLst>
       <p:ext uri="{BB962C8B-B14F-4D97-AF65-F5344CB8AC3E}">
         <p14:creationId xmlns:p14="http://schemas.microsoft.com/office/powerpoint/2010/main" val="1676367535"/>
+      </p:ext>
+    </p:extLst>
+  </p:cSld>
+  <p:clrMapOvr>
+    <a:masterClrMapping/>
+  </p:clrMapOvr>
+</p:sld>
+</file>
+
+<file path=ppt/slides/slide4.xml><?xml version="1.0" encoding="utf-8"?>
+<p:sld xmlns:a="http://schemas.openxmlformats.org/drawingml/2006/main" xmlns:r="http://schemas.openxmlformats.org/officeDocument/2006/relationships" xmlns:p="http://schemas.openxmlformats.org/presentationml/2006/main">
+  <p:cSld>
+    <p:spTree>
+      <p:nvGrpSpPr>
+        <p:cNvPr id="1" name=""/>
+        <p:cNvGrpSpPr/>
+        <p:nvPr/>
+      </p:nvGrpSpPr>
+      <p:grpSpPr>
+        <a:xfrm>
+          <a:off x="0" y="0"/>
+          <a:ext cx="0" cy="0"/>
+          <a:chOff x="0" y="0"/>
+          <a:chExt cx="0" cy="0"/>
+        </a:xfrm>
+      </p:grpSpPr>
+      <p:grpSp>
+        <p:nvGrpSpPr>
+          <p:cNvPr id="45" name="Gruppo 44">
+            <a:extLst>
+              <a:ext uri="{FF2B5EF4-FFF2-40B4-BE49-F238E27FC236}">
+                <a16:creationId xmlns:a16="http://schemas.microsoft.com/office/drawing/2014/main" id="{5F9042C0-7F71-9566-2F9D-67A9B3D3A5F8}"/>
+              </a:ext>
+            </a:extLst>
+          </p:cNvPr>
+          <p:cNvGrpSpPr/>
+          <p:nvPr/>
+        </p:nvGrpSpPr>
+        <p:grpSpPr>
+          <a:xfrm>
+            <a:off x="6216424" y="4061374"/>
+            <a:ext cx="1836000" cy="1476000"/>
+            <a:chOff x="2602675" y="2251170"/>
+            <a:chExt cx="1615044" cy="1372946"/>
+          </a:xfrm>
+          <a:effectLst/>
+        </p:grpSpPr>
+        <p:sp>
+          <p:nvSpPr>
+            <p:cNvPr id="6" name="Esagono orizzontale 5">
+              <a:extLst>
+                <a:ext uri="{FF2B5EF4-FFF2-40B4-BE49-F238E27FC236}">
+                  <a16:creationId xmlns:a16="http://schemas.microsoft.com/office/drawing/2014/main" id="{F4C75CBE-B726-98BB-8497-CED3E6982C37}"/>
+                </a:ext>
+              </a:extLst>
+            </p:cNvPr>
+            <p:cNvSpPr/>
+            <p:nvPr/>
+          </p:nvSpPr>
+          <p:spPr>
+            <a:xfrm rot="5400000">
+              <a:off x="2723723" y="2345856"/>
+              <a:ext cx="1372946" cy="1183574"/>
+            </a:xfrm>
+            <a:prstGeom prst="hexagon">
+              <a:avLst/>
+            </a:prstGeom>
+            <a:ln w="28575"/>
+          </p:spPr>
+          <p:style>
+            <a:lnRef idx="2">
+              <a:schemeClr val="accent6"/>
+            </a:lnRef>
+            <a:fillRef idx="1">
+              <a:schemeClr val="lt1"/>
+            </a:fillRef>
+            <a:effectRef idx="0">
+              <a:schemeClr val="accent6"/>
+            </a:effectRef>
+            <a:fontRef idx="minor">
+              <a:schemeClr val="dk1"/>
+            </a:fontRef>
+          </p:style>
+          <p:txBody>
+            <a:bodyPr rtlCol="0" anchor="ctr"/>
+            <a:lstStyle/>
+            <a:p>
+              <a:pPr algn="ctr"/>
+              <a:endParaRPr lang="it-IT" sz="1600" dirty="0">
+                <a:latin typeface="CMU Bright Roman" panose="02000603000000000000" pitchFamily="2" charset="0"/>
+                <a:ea typeface="CMU Bright Roman" panose="02000603000000000000" pitchFamily="2" charset="0"/>
+                <a:cs typeface="CMU Bright Roman" panose="02000603000000000000" pitchFamily="2" charset="0"/>
+              </a:endParaRPr>
+            </a:p>
+          </p:txBody>
+        </p:sp>
+        <p:sp>
+          <p:nvSpPr>
+            <p:cNvPr id="43" name="CasellaDiTesto 42">
+              <a:extLst>
+                <a:ext uri="{FF2B5EF4-FFF2-40B4-BE49-F238E27FC236}">
+                  <a16:creationId xmlns:a16="http://schemas.microsoft.com/office/drawing/2014/main" id="{6E430A48-CB84-120F-C480-8860B9D5E222}"/>
+                </a:ext>
+              </a:extLst>
+            </p:cNvPr>
+            <p:cNvSpPr txBox="1"/>
+            <p:nvPr/>
+          </p:nvSpPr>
+          <p:spPr>
+            <a:xfrm>
+              <a:off x="2602675" y="2700334"/>
+              <a:ext cx="1615044" cy="523220"/>
+            </a:xfrm>
+            <a:prstGeom prst="rect">
+              <a:avLst/>
+            </a:prstGeom>
+            <a:noFill/>
+          </p:spPr>
+          <p:txBody>
+            <a:bodyPr wrap="square" rtlCol="0">
+              <a:spAutoFit/>
+            </a:bodyPr>
+            <a:lstStyle/>
+            <a:p>
+              <a:pPr algn="ctr"/>
+              <a:r>
+                <a:rPr lang="it-IT" sz="1400" dirty="0">
+                  <a:solidFill>
+                    <a:srgbClr val="71AD47"/>
+                  </a:solidFill>
+                  <a:latin typeface="CMU Bright Roman" panose="02000603000000000000" pitchFamily="2" charset="0"/>
+                  <a:ea typeface="CMU Bright Roman" panose="02000603000000000000" pitchFamily="2" charset="0"/>
+                  <a:cs typeface="CMU Bright Roman" panose="02000603000000000000" pitchFamily="2" charset="0"/>
+                </a:rPr>
+                <a:t>ORDERING SERVICE</a:t>
+              </a:r>
+            </a:p>
+          </p:txBody>
+        </p:sp>
+      </p:grpSp>
+      <p:grpSp>
+        <p:nvGrpSpPr>
+          <p:cNvPr id="46" name="Gruppo 45">
+            <a:extLst>
+              <a:ext uri="{FF2B5EF4-FFF2-40B4-BE49-F238E27FC236}">
+                <a16:creationId xmlns:a16="http://schemas.microsoft.com/office/drawing/2014/main" id="{EAF20B2A-2CE5-6A66-EFC1-549056CE580E}"/>
+              </a:ext>
+            </a:extLst>
+          </p:cNvPr>
+          <p:cNvGrpSpPr/>
+          <p:nvPr/>
+        </p:nvGrpSpPr>
+        <p:grpSpPr>
+          <a:xfrm>
+            <a:off x="6216425" y="801859"/>
+            <a:ext cx="1836000" cy="1476000"/>
+            <a:chOff x="2602675" y="2251169"/>
+            <a:chExt cx="1615044" cy="1372946"/>
+          </a:xfrm>
+          <a:effectLst/>
+        </p:grpSpPr>
+        <p:sp>
+          <p:nvSpPr>
+            <p:cNvPr id="47" name="Esagono orizzontale 46">
+              <a:extLst>
+                <a:ext uri="{FF2B5EF4-FFF2-40B4-BE49-F238E27FC236}">
+                  <a16:creationId xmlns:a16="http://schemas.microsoft.com/office/drawing/2014/main" id="{14220454-0B2F-D32D-DF56-D070D5EA471E}"/>
+                </a:ext>
+              </a:extLst>
+            </p:cNvPr>
+            <p:cNvSpPr/>
+            <p:nvPr/>
+          </p:nvSpPr>
+          <p:spPr>
+            <a:xfrm rot="5400000">
+              <a:off x="2723724" y="2345855"/>
+              <a:ext cx="1372946" cy="1183574"/>
+            </a:xfrm>
+            <a:prstGeom prst="hexagon">
+              <a:avLst/>
+            </a:prstGeom>
+            <a:ln w="28575"/>
+          </p:spPr>
+          <p:style>
+            <a:lnRef idx="2">
+              <a:schemeClr val="accent6"/>
+            </a:lnRef>
+            <a:fillRef idx="1">
+              <a:schemeClr val="lt1"/>
+            </a:fillRef>
+            <a:effectRef idx="0">
+              <a:schemeClr val="accent6"/>
+            </a:effectRef>
+            <a:fontRef idx="minor">
+              <a:schemeClr val="dk1"/>
+            </a:fontRef>
+          </p:style>
+          <p:txBody>
+            <a:bodyPr rtlCol="0" anchor="ctr"/>
+            <a:lstStyle/>
+            <a:p>
+              <a:pPr algn="ctr"/>
+              <a:endParaRPr lang="it-IT" sz="1600" dirty="0">
+                <a:latin typeface="CMU Bright Roman" panose="02000603000000000000" pitchFamily="2" charset="0"/>
+                <a:ea typeface="CMU Bright Roman" panose="02000603000000000000" pitchFamily="2" charset="0"/>
+                <a:cs typeface="CMU Bright Roman" panose="02000603000000000000" pitchFamily="2" charset="0"/>
+              </a:endParaRPr>
+            </a:p>
+          </p:txBody>
+        </p:sp>
+        <p:sp>
+          <p:nvSpPr>
+            <p:cNvPr id="48" name="CasellaDiTesto 47">
+              <a:extLst>
+                <a:ext uri="{FF2B5EF4-FFF2-40B4-BE49-F238E27FC236}">
+                  <a16:creationId xmlns:a16="http://schemas.microsoft.com/office/drawing/2014/main" id="{679BB49E-BDFA-0412-98F3-830E139CE64F}"/>
+                </a:ext>
+              </a:extLst>
+            </p:cNvPr>
+            <p:cNvSpPr txBox="1"/>
+            <p:nvPr/>
+          </p:nvSpPr>
+          <p:spPr>
+            <a:xfrm>
+              <a:off x="2602675" y="2676032"/>
+              <a:ext cx="1615044" cy="523220"/>
+            </a:xfrm>
+            <a:prstGeom prst="rect">
+              <a:avLst/>
+            </a:prstGeom>
+            <a:noFill/>
+          </p:spPr>
+          <p:txBody>
+            <a:bodyPr wrap="square" rtlCol="0">
+              <a:spAutoFit/>
+            </a:bodyPr>
+            <a:lstStyle/>
+            <a:p>
+              <a:pPr algn="ctr"/>
+              <a:r>
+                <a:rPr lang="it-IT" sz="1400" dirty="0">
+                  <a:solidFill>
+                    <a:srgbClr val="71AD47"/>
+                  </a:solidFill>
+                  <a:latin typeface="CMU Bright Roman" panose="02000603000000000000" pitchFamily="2" charset="0"/>
+                  <a:ea typeface="CMU Bright Roman" panose="02000603000000000000" pitchFamily="2" charset="0"/>
+                  <a:cs typeface="CMU Bright Roman" panose="02000603000000000000" pitchFamily="2" charset="0"/>
+                </a:rPr>
+                <a:t>RESTAURANT SERVICE</a:t>
+              </a:r>
+            </a:p>
+          </p:txBody>
+        </p:sp>
+      </p:grpSp>
+      <p:grpSp>
+        <p:nvGrpSpPr>
+          <p:cNvPr id="55" name="Gruppo 54">
+            <a:extLst>
+              <a:ext uri="{FF2B5EF4-FFF2-40B4-BE49-F238E27FC236}">
+                <a16:creationId xmlns:a16="http://schemas.microsoft.com/office/drawing/2014/main" id="{322B50BA-D95F-9C7A-2317-5A2D2F950EE5}"/>
+              </a:ext>
+            </a:extLst>
+          </p:cNvPr>
+          <p:cNvGrpSpPr/>
+          <p:nvPr/>
+        </p:nvGrpSpPr>
+        <p:grpSpPr>
+          <a:xfrm>
+            <a:off x="8382903" y="821709"/>
+            <a:ext cx="1836000" cy="1476000"/>
+            <a:chOff x="2602675" y="2251169"/>
+            <a:chExt cx="1615044" cy="1372946"/>
+          </a:xfrm>
+          <a:effectLst/>
+        </p:grpSpPr>
+        <p:sp>
+          <p:nvSpPr>
+            <p:cNvPr id="56" name="Esagono orizzontale 55">
+              <a:extLst>
+                <a:ext uri="{FF2B5EF4-FFF2-40B4-BE49-F238E27FC236}">
+                  <a16:creationId xmlns:a16="http://schemas.microsoft.com/office/drawing/2014/main" id="{E8D22F04-DF64-EF6D-B442-E292D9082783}"/>
+                </a:ext>
+              </a:extLst>
+            </p:cNvPr>
+            <p:cNvSpPr/>
+            <p:nvPr/>
+          </p:nvSpPr>
+          <p:spPr>
+            <a:xfrm rot="5400000">
+              <a:off x="2723724" y="2345855"/>
+              <a:ext cx="1372946" cy="1183574"/>
+            </a:xfrm>
+            <a:prstGeom prst="hexagon">
+              <a:avLst/>
+            </a:prstGeom>
+            <a:ln w="28575"/>
+          </p:spPr>
+          <p:style>
+            <a:lnRef idx="2">
+              <a:schemeClr val="accent6"/>
+            </a:lnRef>
+            <a:fillRef idx="1">
+              <a:schemeClr val="lt1"/>
+            </a:fillRef>
+            <a:effectRef idx="0">
+              <a:schemeClr val="accent6"/>
+            </a:effectRef>
+            <a:fontRef idx="minor">
+              <a:schemeClr val="dk1"/>
+            </a:fontRef>
+          </p:style>
+          <p:txBody>
+            <a:bodyPr rtlCol="0" anchor="ctr"/>
+            <a:lstStyle/>
+            <a:p>
+              <a:pPr algn="ctr"/>
+              <a:endParaRPr lang="it-IT" sz="1600" dirty="0">
+                <a:latin typeface="CMU Bright Roman" panose="02000603000000000000" pitchFamily="2" charset="0"/>
+                <a:ea typeface="CMU Bright Roman" panose="02000603000000000000" pitchFamily="2" charset="0"/>
+                <a:cs typeface="CMU Bright Roman" panose="02000603000000000000" pitchFamily="2" charset="0"/>
+              </a:endParaRPr>
+            </a:p>
+          </p:txBody>
+        </p:sp>
+        <p:sp>
+          <p:nvSpPr>
+            <p:cNvPr id="57" name="CasellaDiTesto 56">
+              <a:extLst>
+                <a:ext uri="{FF2B5EF4-FFF2-40B4-BE49-F238E27FC236}">
+                  <a16:creationId xmlns:a16="http://schemas.microsoft.com/office/drawing/2014/main" id="{B1C9EBC0-A5E9-FF05-0142-309B6E3B4C10}"/>
+                </a:ext>
+              </a:extLst>
+            </p:cNvPr>
+            <p:cNvSpPr txBox="1"/>
+            <p:nvPr/>
+          </p:nvSpPr>
+          <p:spPr>
+            <a:xfrm>
+              <a:off x="2602675" y="2578316"/>
+              <a:ext cx="1615044" cy="738664"/>
+            </a:xfrm>
+            <a:prstGeom prst="rect">
+              <a:avLst/>
+            </a:prstGeom>
+            <a:noFill/>
+          </p:spPr>
+          <p:txBody>
+            <a:bodyPr wrap="square" rtlCol="0">
+              <a:spAutoFit/>
+            </a:bodyPr>
+            <a:lstStyle/>
+            <a:p>
+              <a:pPr algn="ctr"/>
+              <a:r>
+                <a:rPr lang="it-IT" sz="1400" dirty="0">
+                  <a:solidFill>
+                    <a:srgbClr val="71AD47"/>
+                  </a:solidFill>
+                  <a:latin typeface="CMU Bright Roman" panose="02000603000000000000" pitchFamily="2" charset="0"/>
+                  <a:ea typeface="CMU Bright Roman" panose="02000603000000000000" pitchFamily="2" charset="0"/>
+                  <a:cs typeface="CMU Bright Roman" panose="02000603000000000000" pitchFamily="2" charset="0"/>
+                </a:rPr>
+                <a:t>PAYMENT</a:t>
+              </a:r>
+            </a:p>
+            <a:p>
+              <a:pPr algn="ctr"/>
+              <a:r>
+                <a:rPr lang="it-IT" sz="1400" dirty="0">
+                  <a:solidFill>
+                    <a:srgbClr val="71AD47"/>
+                  </a:solidFill>
+                  <a:latin typeface="CMU Bright Roman" panose="02000603000000000000" pitchFamily="2" charset="0"/>
+                  <a:ea typeface="CMU Bright Roman" panose="02000603000000000000" pitchFamily="2" charset="0"/>
+                  <a:cs typeface="CMU Bright Roman" panose="02000603000000000000" pitchFamily="2" charset="0"/>
+                </a:rPr>
+                <a:t>PROXY</a:t>
+              </a:r>
+            </a:p>
+            <a:p>
+              <a:pPr algn="ctr"/>
+              <a:r>
+                <a:rPr lang="it-IT" sz="1400" dirty="0">
+                  <a:solidFill>
+                    <a:srgbClr val="71AD47"/>
+                  </a:solidFill>
+                  <a:latin typeface="CMU Bright Roman" panose="02000603000000000000" pitchFamily="2" charset="0"/>
+                  <a:ea typeface="CMU Bright Roman" panose="02000603000000000000" pitchFamily="2" charset="0"/>
+                  <a:cs typeface="CMU Bright Roman" panose="02000603000000000000" pitchFamily="2" charset="0"/>
+                </a:rPr>
+                <a:t>SERVICE</a:t>
+              </a:r>
+            </a:p>
+          </p:txBody>
+        </p:sp>
+      </p:grpSp>
+      <p:grpSp>
+        <p:nvGrpSpPr>
+          <p:cNvPr id="58" name="Gruppo 57">
+            <a:extLst>
+              <a:ext uri="{FF2B5EF4-FFF2-40B4-BE49-F238E27FC236}">
+                <a16:creationId xmlns:a16="http://schemas.microsoft.com/office/drawing/2014/main" id="{869C7B11-CBF4-69CF-7D17-0B5642CAB796}"/>
+              </a:ext>
+            </a:extLst>
+          </p:cNvPr>
+          <p:cNvGrpSpPr/>
+          <p:nvPr/>
+        </p:nvGrpSpPr>
+        <p:grpSpPr>
+          <a:xfrm>
+            <a:off x="8382903" y="4078094"/>
+            <a:ext cx="1836000" cy="1476000"/>
+            <a:chOff x="2602675" y="2251169"/>
+            <a:chExt cx="1615044" cy="1372946"/>
+          </a:xfrm>
+          <a:effectLst/>
+        </p:grpSpPr>
+        <p:sp>
+          <p:nvSpPr>
+            <p:cNvPr id="59" name="Esagono orizzontale 58">
+              <a:extLst>
+                <a:ext uri="{FF2B5EF4-FFF2-40B4-BE49-F238E27FC236}">
+                  <a16:creationId xmlns:a16="http://schemas.microsoft.com/office/drawing/2014/main" id="{0FBCB037-9389-5782-93D6-9253BF188F16}"/>
+                </a:ext>
+              </a:extLst>
+            </p:cNvPr>
+            <p:cNvSpPr/>
+            <p:nvPr/>
+          </p:nvSpPr>
+          <p:spPr>
+            <a:xfrm rot="5400000">
+              <a:off x="2723723" y="2345855"/>
+              <a:ext cx="1372946" cy="1183574"/>
+            </a:xfrm>
+            <a:prstGeom prst="hexagon">
+              <a:avLst/>
+            </a:prstGeom>
+            <a:ln w="28575"/>
+          </p:spPr>
+          <p:style>
+            <a:lnRef idx="2">
+              <a:schemeClr val="accent6"/>
+            </a:lnRef>
+            <a:fillRef idx="1">
+              <a:schemeClr val="lt1"/>
+            </a:fillRef>
+            <a:effectRef idx="0">
+              <a:schemeClr val="accent6"/>
+            </a:effectRef>
+            <a:fontRef idx="minor">
+              <a:schemeClr val="dk1"/>
+            </a:fontRef>
+          </p:style>
+          <p:txBody>
+            <a:bodyPr rtlCol="0" anchor="ctr"/>
+            <a:lstStyle/>
+            <a:p>
+              <a:pPr algn="ctr"/>
+              <a:endParaRPr lang="it-IT" sz="1600" dirty="0">
+                <a:latin typeface="CMU Bright Roman" panose="02000603000000000000" pitchFamily="2" charset="0"/>
+                <a:ea typeface="CMU Bright Roman" panose="02000603000000000000" pitchFamily="2" charset="0"/>
+                <a:cs typeface="CMU Bright Roman" panose="02000603000000000000" pitchFamily="2" charset="0"/>
+              </a:endParaRPr>
+            </a:p>
+          </p:txBody>
+        </p:sp>
+        <p:sp>
+          <p:nvSpPr>
+            <p:cNvPr id="60" name="CasellaDiTesto 59">
+              <a:extLst>
+                <a:ext uri="{FF2B5EF4-FFF2-40B4-BE49-F238E27FC236}">
+                  <a16:creationId xmlns:a16="http://schemas.microsoft.com/office/drawing/2014/main" id="{95B883E7-8642-1ACC-8B19-41993FBA8190}"/>
+                </a:ext>
+              </a:extLst>
+            </p:cNvPr>
+            <p:cNvSpPr txBox="1"/>
+            <p:nvPr/>
+          </p:nvSpPr>
+          <p:spPr>
+            <a:xfrm>
+              <a:off x="2602675" y="2620126"/>
+              <a:ext cx="1615044" cy="738664"/>
+            </a:xfrm>
+            <a:prstGeom prst="rect">
+              <a:avLst/>
+            </a:prstGeom>
+            <a:noFill/>
+          </p:spPr>
+          <p:txBody>
+            <a:bodyPr wrap="square" rtlCol="0">
+              <a:spAutoFit/>
+            </a:bodyPr>
+            <a:lstStyle/>
+            <a:p>
+              <a:pPr algn="ctr"/>
+              <a:r>
+                <a:rPr lang="it-IT" sz="1400" dirty="0">
+                  <a:solidFill>
+                    <a:srgbClr val="71AD47"/>
+                  </a:solidFill>
+                  <a:latin typeface="CMU Bright Roman" panose="02000603000000000000" pitchFamily="2" charset="0"/>
+                  <a:ea typeface="CMU Bright Roman" panose="02000603000000000000" pitchFamily="2" charset="0"/>
+                  <a:cs typeface="CMU Bright Roman" panose="02000603000000000000" pitchFamily="2" charset="0"/>
+                </a:rPr>
+                <a:t>DELIVERY</a:t>
+              </a:r>
+            </a:p>
+            <a:p>
+              <a:pPr algn="ctr"/>
+              <a:r>
+                <a:rPr lang="it-IT" sz="1400" dirty="0">
+                  <a:solidFill>
+                    <a:srgbClr val="71AD47"/>
+                  </a:solidFill>
+                  <a:latin typeface="CMU Bright Roman" panose="02000603000000000000" pitchFamily="2" charset="0"/>
+                  <a:ea typeface="CMU Bright Roman" panose="02000603000000000000" pitchFamily="2" charset="0"/>
+                  <a:cs typeface="CMU Bright Roman" panose="02000603000000000000" pitchFamily="2" charset="0"/>
+                </a:rPr>
+                <a:t>PROXY</a:t>
+              </a:r>
+            </a:p>
+            <a:p>
+              <a:pPr algn="ctr"/>
+              <a:r>
+                <a:rPr lang="it-IT" sz="1400" dirty="0">
+                  <a:solidFill>
+                    <a:srgbClr val="71AD47"/>
+                  </a:solidFill>
+                  <a:latin typeface="CMU Bright Roman" panose="02000603000000000000" pitchFamily="2" charset="0"/>
+                  <a:ea typeface="CMU Bright Roman" panose="02000603000000000000" pitchFamily="2" charset="0"/>
+                  <a:cs typeface="CMU Bright Roman" panose="02000603000000000000" pitchFamily="2" charset="0"/>
+                </a:rPr>
+                <a:t>SERVICE</a:t>
+              </a:r>
+            </a:p>
+          </p:txBody>
+        </p:sp>
+      </p:grpSp>
+      <p:pic>
+        <p:nvPicPr>
+          <p:cNvPr id="65" name="Elemento grafico 64" descr="Database con riempimento a tinta unita">
+            <a:extLst>
+              <a:ext uri="{FF2B5EF4-FFF2-40B4-BE49-F238E27FC236}">
+                <a16:creationId xmlns:a16="http://schemas.microsoft.com/office/drawing/2014/main" id="{CAB337F5-0170-C7F1-F568-F44F3DA05F9E}"/>
+              </a:ext>
+            </a:extLst>
+          </p:cNvPr>
+          <p:cNvPicPr>
+            <a:picLocks noChangeAspect="1"/>
+          </p:cNvPicPr>
+          <p:nvPr/>
+        </p:nvPicPr>
+        <p:blipFill>
+          <a:blip r:embed="rId3">
+            <a:extLst>
+              <a:ext uri="{96DAC541-7B7A-43D3-8B79-37D633B846F1}">
+                <asvg:svgBlip xmlns:asvg="http://schemas.microsoft.com/office/drawing/2016/SVG/main" r:embed="rId4"/>
+              </a:ext>
+            </a:extLst>
+          </a:blip>
+          <a:stretch>
+            <a:fillRect/>
+          </a:stretch>
+        </p:blipFill>
+        <p:spPr>
+          <a:xfrm>
+            <a:off x="7416278" y="1720002"/>
+            <a:ext cx="770126" cy="770126"/>
+          </a:xfrm>
+          <a:prstGeom prst="rect">
+            <a:avLst/>
+          </a:prstGeom>
+          <a:effectLst/>
+        </p:spPr>
+      </p:pic>
+      <p:grpSp>
+        <p:nvGrpSpPr>
+          <p:cNvPr id="101" name="Gruppo 100">
+            <a:extLst>
+              <a:ext uri="{FF2B5EF4-FFF2-40B4-BE49-F238E27FC236}">
+                <a16:creationId xmlns:a16="http://schemas.microsoft.com/office/drawing/2014/main" id="{74E6534F-1ECC-56C5-6701-D3C8CAEF9169}"/>
+              </a:ext>
+            </a:extLst>
+          </p:cNvPr>
+          <p:cNvGrpSpPr/>
+          <p:nvPr/>
+        </p:nvGrpSpPr>
+        <p:grpSpPr>
+          <a:xfrm>
+            <a:off x="2374417" y="4103645"/>
+            <a:ext cx="1836000" cy="1476000"/>
+            <a:chOff x="2602675" y="2251169"/>
+            <a:chExt cx="1615044" cy="1372946"/>
+          </a:xfrm>
+          <a:effectLst/>
+        </p:grpSpPr>
+        <p:sp>
+          <p:nvSpPr>
+            <p:cNvPr id="102" name="Esagono orizzontale 101">
+              <a:extLst>
+                <a:ext uri="{FF2B5EF4-FFF2-40B4-BE49-F238E27FC236}">
+                  <a16:creationId xmlns:a16="http://schemas.microsoft.com/office/drawing/2014/main" id="{CC61FA92-AB98-9940-817A-2FC757471795}"/>
+                </a:ext>
+              </a:extLst>
+            </p:cNvPr>
+            <p:cNvSpPr/>
+            <p:nvPr/>
+          </p:nvSpPr>
+          <p:spPr>
+            <a:xfrm rot="5400000">
+              <a:off x="2723723" y="2345855"/>
+              <a:ext cx="1372946" cy="1183574"/>
+            </a:xfrm>
+            <a:prstGeom prst="hexagon">
+              <a:avLst/>
+            </a:prstGeom>
+            <a:ln w="28575">
+              <a:solidFill>
+                <a:srgbClr val="0070C0"/>
+              </a:solidFill>
+            </a:ln>
+          </p:spPr>
+          <p:style>
+            <a:lnRef idx="2">
+              <a:schemeClr val="accent6"/>
+            </a:lnRef>
+            <a:fillRef idx="1">
+              <a:schemeClr val="lt1"/>
+            </a:fillRef>
+            <a:effectRef idx="0">
+              <a:schemeClr val="accent6"/>
+            </a:effectRef>
+            <a:fontRef idx="minor">
+              <a:schemeClr val="dk1"/>
+            </a:fontRef>
+          </p:style>
+          <p:txBody>
+            <a:bodyPr rtlCol="0" anchor="ctr"/>
+            <a:lstStyle/>
+            <a:p>
+              <a:pPr algn="ctr"/>
+              <a:endParaRPr lang="it-IT" sz="1600" dirty="0">
+                <a:latin typeface="CMU Bright Roman" panose="02000603000000000000" pitchFamily="2" charset="0"/>
+                <a:ea typeface="CMU Bright Roman" panose="02000603000000000000" pitchFamily="2" charset="0"/>
+                <a:cs typeface="CMU Bright Roman" panose="02000603000000000000" pitchFamily="2" charset="0"/>
+              </a:endParaRPr>
+            </a:p>
+          </p:txBody>
+        </p:sp>
+        <p:sp>
+          <p:nvSpPr>
+            <p:cNvPr id="103" name="CasellaDiTesto 102">
+              <a:extLst>
+                <a:ext uri="{FF2B5EF4-FFF2-40B4-BE49-F238E27FC236}">
+                  <a16:creationId xmlns:a16="http://schemas.microsoft.com/office/drawing/2014/main" id="{CD6C41DC-0A86-7D60-7226-FCAC1DB5D943}"/>
+                </a:ext>
+              </a:extLst>
+            </p:cNvPr>
+            <p:cNvSpPr txBox="1"/>
+            <p:nvPr/>
+          </p:nvSpPr>
+          <p:spPr>
+            <a:xfrm>
+              <a:off x="2602675" y="2661976"/>
+              <a:ext cx="1615044" cy="523220"/>
+            </a:xfrm>
+            <a:prstGeom prst="rect">
+              <a:avLst/>
+            </a:prstGeom>
+            <a:noFill/>
+          </p:spPr>
+          <p:txBody>
+            <a:bodyPr wrap="square" rtlCol="0">
+              <a:spAutoFit/>
+            </a:bodyPr>
+            <a:lstStyle/>
+            <a:p>
+              <a:pPr algn="ctr"/>
+              <a:r>
+                <a:rPr lang="it-IT" sz="1400" dirty="0">
+                  <a:solidFill>
+                    <a:srgbClr val="0070C0"/>
+                  </a:solidFill>
+                  <a:latin typeface="CMU Bright Roman" panose="02000603000000000000" pitchFamily="2" charset="0"/>
+                  <a:ea typeface="CMU Bright Roman" panose="02000603000000000000" pitchFamily="2" charset="0"/>
+                  <a:cs typeface="CMU Bright Roman" panose="02000603000000000000" pitchFamily="2" charset="0"/>
+                </a:rPr>
+                <a:t>WEB </a:t>
+              </a:r>
+            </a:p>
+            <a:p>
+              <a:pPr algn="ctr"/>
+              <a:r>
+                <a:rPr lang="it-IT" sz="1400" dirty="0">
+                  <a:solidFill>
+                    <a:srgbClr val="0070C0"/>
+                  </a:solidFill>
+                  <a:latin typeface="CMU Bright Roman" panose="02000603000000000000" pitchFamily="2" charset="0"/>
+                  <a:ea typeface="CMU Bright Roman" panose="02000603000000000000" pitchFamily="2" charset="0"/>
+                  <a:cs typeface="CMU Bright Roman" panose="02000603000000000000" pitchFamily="2" charset="0"/>
+                </a:rPr>
+                <a:t>SERVICE</a:t>
+              </a:r>
+            </a:p>
+          </p:txBody>
+        </p:sp>
+      </p:grpSp>
+      <p:pic>
+        <p:nvPicPr>
+          <p:cNvPr id="105" name="Elemento grafico 104" descr="Monitor con riempimento a tinta unita">
+            <a:extLst>
+              <a:ext uri="{FF2B5EF4-FFF2-40B4-BE49-F238E27FC236}">
+                <a16:creationId xmlns:a16="http://schemas.microsoft.com/office/drawing/2014/main" id="{EC216958-D4F6-394D-26A7-EFF308A509D1}"/>
+              </a:ext>
+            </a:extLst>
+          </p:cNvPr>
+          <p:cNvPicPr>
+            <a:picLocks noChangeAspect="1"/>
+          </p:cNvPicPr>
+          <p:nvPr/>
+        </p:nvPicPr>
+        <p:blipFill>
+          <a:blip r:embed="rId5">
+            <a:extLst>
+              <a:ext uri="{96DAC541-7B7A-43D3-8B79-37D633B846F1}">
+                <asvg:svgBlip xmlns:asvg="http://schemas.microsoft.com/office/drawing/2016/SVG/main" r:embed="rId6"/>
+              </a:ext>
+            </a:extLst>
+          </a:blip>
+          <a:stretch>
+            <a:fillRect/>
+          </a:stretch>
+        </p:blipFill>
+        <p:spPr>
+          <a:xfrm>
+            <a:off x="-21893" y="4255231"/>
+            <a:ext cx="1119325" cy="1119325"/>
+          </a:xfrm>
+          <a:prstGeom prst="rect">
+            <a:avLst/>
+          </a:prstGeom>
+          <a:effectLst/>
+        </p:spPr>
+      </p:pic>
+      <p:pic>
+        <p:nvPicPr>
+          <p:cNvPr id="107" name="Elemento grafico 106" descr="Smartphone con riempimento a tinta unita">
+            <a:extLst>
+              <a:ext uri="{FF2B5EF4-FFF2-40B4-BE49-F238E27FC236}">
+                <a16:creationId xmlns:a16="http://schemas.microsoft.com/office/drawing/2014/main" id="{D6EA8B6C-C3B5-5F5B-3503-93480012B7E9}"/>
+              </a:ext>
+            </a:extLst>
+          </p:cNvPr>
+          <p:cNvPicPr>
+            <a:picLocks noChangeAspect="1"/>
+          </p:cNvPicPr>
+          <p:nvPr/>
+        </p:nvPicPr>
+        <p:blipFill>
+          <a:blip r:embed="rId7">
+            <a:extLst>
+              <a:ext uri="{96DAC541-7B7A-43D3-8B79-37D633B846F1}">
+                <asvg:svgBlip xmlns:asvg="http://schemas.microsoft.com/office/drawing/2016/SVG/main" r:embed="rId8"/>
+              </a:ext>
+            </a:extLst>
+          </a:blip>
+          <a:stretch>
+            <a:fillRect/>
+          </a:stretch>
+        </p:blipFill>
+        <p:spPr>
+          <a:xfrm>
+            <a:off x="80569" y="2689780"/>
+            <a:ext cx="914400" cy="914400"/>
+          </a:xfrm>
+          <a:prstGeom prst="rect">
+            <a:avLst/>
+          </a:prstGeom>
+          <a:effectLst/>
+        </p:spPr>
+      </p:pic>
+      <p:sp>
+        <p:nvSpPr>
+          <p:cNvPr id="108" name="CasellaDiTesto 107">
+            <a:extLst>
+              <a:ext uri="{FF2B5EF4-FFF2-40B4-BE49-F238E27FC236}">
+                <a16:creationId xmlns:a16="http://schemas.microsoft.com/office/drawing/2014/main" id="{B6723562-DE81-5363-52DD-4D173B9353EE}"/>
+              </a:ext>
+            </a:extLst>
+          </p:cNvPr>
+          <p:cNvSpPr txBox="1"/>
+          <p:nvPr/>
+        </p:nvSpPr>
+        <p:spPr>
+          <a:xfrm>
+            <a:off x="55233" y="5237256"/>
+            <a:ext cx="965072" cy="276999"/>
+          </a:xfrm>
+          <a:prstGeom prst="rect">
+            <a:avLst/>
+          </a:prstGeom>
+          <a:noFill/>
+          <a:effectLst/>
+        </p:spPr>
+        <p:txBody>
+          <a:bodyPr wrap="square" rtlCol="0">
+            <a:spAutoFit/>
+          </a:bodyPr>
+          <a:lstStyle/>
+          <a:p>
+            <a:r>
+              <a:rPr lang="it-IT" sz="1200" dirty="0">
+                <a:latin typeface="CMU Bright Roman" panose="02000603000000000000" pitchFamily="2" charset="0"/>
+                <a:ea typeface="CMU Bright Roman" panose="02000603000000000000" pitchFamily="2" charset="0"/>
+                <a:cs typeface="CMU Bright Roman" panose="02000603000000000000" pitchFamily="2" charset="0"/>
+              </a:rPr>
+              <a:t>Web client</a:t>
+            </a:r>
+          </a:p>
+        </p:txBody>
+      </p:sp>
+      <p:sp>
+        <p:nvSpPr>
+          <p:cNvPr id="109" name="CasellaDiTesto 108">
+            <a:extLst>
+              <a:ext uri="{FF2B5EF4-FFF2-40B4-BE49-F238E27FC236}">
+                <a16:creationId xmlns:a16="http://schemas.microsoft.com/office/drawing/2014/main" id="{6AF62FBA-B43B-056C-F0DC-412A428AF404}"/>
+              </a:ext>
+            </a:extLst>
+          </p:cNvPr>
+          <p:cNvSpPr txBox="1"/>
+          <p:nvPr/>
+        </p:nvSpPr>
+        <p:spPr>
+          <a:xfrm>
+            <a:off x="47795" y="3634225"/>
+            <a:ext cx="979948" cy="276999"/>
+          </a:xfrm>
+          <a:prstGeom prst="rect">
+            <a:avLst/>
+          </a:prstGeom>
+          <a:noFill/>
+          <a:effectLst/>
+        </p:spPr>
+        <p:txBody>
+          <a:bodyPr wrap="square" rtlCol="0">
+            <a:spAutoFit/>
+          </a:bodyPr>
+          <a:lstStyle/>
+          <a:p>
+            <a:r>
+              <a:rPr lang="it-IT" sz="1200" dirty="0">
+                <a:latin typeface="CMU Bright Roman" panose="02000603000000000000" pitchFamily="2" charset="0"/>
+                <a:ea typeface="CMU Bright Roman" panose="02000603000000000000" pitchFamily="2" charset="0"/>
+                <a:cs typeface="CMU Bright Roman" panose="02000603000000000000" pitchFamily="2" charset="0"/>
+              </a:rPr>
+              <a:t>REST client</a:t>
+            </a:r>
+          </a:p>
+        </p:txBody>
+      </p:sp>
+      <p:cxnSp>
+        <p:nvCxnSpPr>
+          <p:cNvPr id="125" name="Connettore 2 124">
+            <a:extLst>
+              <a:ext uri="{FF2B5EF4-FFF2-40B4-BE49-F238E27FC236}">
+                <a16:creationId xmlns:a16="http://schemas.microsoft.com/office/drawing/2014/main" id="{CB9D6343-08F8-F573-2C6A-A6897D6ABC4C}"/>
+              </a:ext>
+            </a:extLst>
+          </p:cNvPr>
+          <p:cNvCxnSpPr>
+            <a:cxnSpLocks/>
+            <a:endCxn id="105" idx="3"/>
+          </p:cNvCxnSpPr>
+          <p:nvPr/>
+        </p:nvCxnSpPr>
+        <p:spPr>
+          <a:xfrm flipH="1">
+            <a:off x="1097432" y="4814894"/>
+            <a:ext cx="1492719" cy="0"/>
+          </a:xfrm>
+          <a:prstGeom prst="straightConnector1">
+            <a:avLst/>
+          </a:prstGeom>
+          <a:ln w="12700">
+            <a:headEnd type="none" w="med" len="med"/>
+            <a:tailEnd type="none" w="med" len="med"/>
+          </a:ln>
+          <a:effectLst/>
+        </p:spPr>
+        <p:style>
+          <a:lnRef idx="1">
+            <a:schemeClr val="accent1"/>
+          </a:lnRef>
+          <a:fillRef idx="0">
+            <a:schemeClr val="accent1"/>
+          </a:fillRef>
+          <a:effectRef idx="0">
+            <a:schemeClr val="accent1"/>
+          </a:effectRef>
+          <a:fontRef idx="minor">
+            <a:schemeClr val="tx1"/>
+          </a:fontRef>
+        </p:style>
+      </p:cxnSp>
+      <p:cxnSp>
+        <p:nvCxnSpPr>
+          <p:cNvPr id="110" name="Connettore 2 109">
+            <a:extLst>
+              <a:ext uri="{FF2B5EF4-FFF2-40B4-BE49-F238E27FC236}">
+                <a16:creationId xmlns:a16="http://schemas.microsoft.com/office/drawing/2014/main" id="{A13B8476-CC83-CFEB-C663-F3DAE6014355}"/>
+              </a:ext>
+            </a:extLst>
+          </p:cNvPr>
+          <p:cNvCxnSpPr>
+            <a:cxnSpLocks/>
+            <a:endCxn id="107" idx="3"/>
+          </p:cNvCxnSpPr>
+          <p:nvPr/>
+        </p:nvCxnSpPr>
+        <p:spPr>
+          <a:xfrm flipH="1" flipV="1">
+            <a:off x="994969" y="3146980"/>
+            <a:ext cx="2972499" cy="0"/>
+          </a:xfrm>
+          <a:prstGeom prst="straightConnector1">
+            <a:avLst/>
+          </a:prstGeom>
+          <a:ln w="12700">
+            <a:headEnd type="none" w="med" len="med"/>
+            <a:tailEnd type="none" w="med" len="med"/>
+          </a:ln>
+          <a:effectLst/>
+        </p:spPr>
+        <p:style>
+          <a:lnRef idx="1">
+            <a:schemeClr val="accent1"/>
+          </a:lnRef>
+          <a:fillRef idx="0">
+            <a:schemeClr val="accent1"/>
+          </a:fillRef>
+          <a:effectRef idx="0">
+            <a:schemeClr val="accent1"/>
+          </a:effectRef>
+          <a:fontRef idx="minor">
+            <a:schemeClr val="tx1"/>
+          </a:fontRef>
+        </p:style>
+      </p:cxnSp>
+      <p:cxnSp>
+        <p:nvCxnSpPr>
+          <p:cNvPr id="178" name="Connettore 2 177">
+            <a:extLst>
+              <a:ext uri="{FF2B5EF4-FFF2-40B4-BE49-F238E27FC236}">
+                <a16:creationId xmlns:a16="http://schemas.microsoft.com/office/drawing/2014/main" id="{866F4835-FAC5-C355-9B42-6C51053CF042}"/>
+              </a:ext>
+            </a:extLst>
+          </p:cNvPr>
+          <p:cNvCxnSpPr>
+            <a:cxnSpLocks/>
+            <a:stCxn id="102" idx="3"/>
+          </p:cNvCxnSpPr>
+          <p:nvPr/>
+        </p:nvCxnSpPr>
+        <p:spPr>
+          <a:xfrm flipV="1">
+            <a:off x="3292416" y="3198715"/>
+            <a:ext cx="675052" cy="904930"/>
+          </a:xfrm>
+          <a:prstGeom prst="straightConnector1">
+            <a:avLst/>
+          </a:prstGeom>
+          <a:ln w="12700">
+            <a:headEnd type="none" w="med" len="med"/>
+            <a:tailEnd type="none" w="med" len="med"/>
+          </a:ln>
+          <a:effectLst/>
+        </p:spPr>
+        <p:style>
+          <a:lnRef idx="1">
+            <a:schemeClr val="accent1"/>
+          </a:lnRef>
+          <a:fillRef idx="0">
+            <a:schemeClr val="accent1"/>
+          </a:fillRef>
+          <a:effectRef idx="0">
+            <a:schemeClr val="accent1"/>
+          </a:effectRef>
+          <a:fontRef idx="minor">
+            <a:schemeClr val="tx1"/>
+          </a:fontRef>
+        </p:style>
+      </p:cxnSp>
+      <p:cxnSp>
+        <p:nvCxnSpPr>
+          <p:cNvPr id="7" name="Connettore 1 6">
+            <a:extLst>
+              <a:ext uri="{FF2B5EF4-FFF2-40B4-BE49-F238E27FC236}">
+                <a16:creationId xmlns:a16="http://schemas.microsoft.com/office/drawing/2014/main" id="{3428B62C-0958-A87C-03D7-B810D1104CF8}"/>
+              </a:ext>
+            </a:extLst>
+          </p:cNvPr>
+          <p:cNvCxnSpPr>
+            <a:cxnSpLocks/>
+            <a:endCxn id="6" idx="4"/>
+          </p:cNvCxnSpPr>
+          <p:nvPr/>
+        </p:nvCxnSpPr>
+        <p:spPr>
+          <a:xfrm>
+            <a:off x="6924381" y="2388501"/>
+            <a:ext cx="882792" cy="2009248"/>
+          </a:xfrm>
+          <a:prstGeom prst="line">
+            <a:avLst/>
+          </a:prstGeom>
+          <a:ln w="12700">
+            <a:solidFill>
+              <a:schemeClr val="accent6"/>
+            </a:solidFill>
+            <a:prstDash val="solid"/>
+            <a:headEnd type="none" w="med" len="med"/>
+            <a:tailEnd type="none" w="med" len="med"/>
+          </a:ln>
+          <a:effectLst/>
+        </p:spPr>
+        <p:style>
+          <a:lnRef idx="1">
+            <a:schemeClr val="accent1"/>
+          </a:lnRef>
+          <a:fillRef idx="0">
+            <a:schemeClr val="accent1"/>
+          </a:fillRef>
+          <a:effectRef idx="0">
+            <a:schemeClr val="accent1"/>
+          </a:effectRef>
+          <a:fontRef idx="minor">
+            <a:schemeClr val="tx1"/>
+          </a:fontRef>
+        </p:style>
+      </p:cxnSp>
+      <p:sp>
+        <p:nvSpPr>
+          <p:cNvPr id="36" name="Rettangolo con angoli arrotondati 35">
+            <a:extLst>
+              <a:ext uri="{FF2B5EF4-FFF2-40B4-BE49-F238E27FC236}">
+                <a16:creationId xmlns:a16="http://schemas.microsoft.com/office/drawing/2014/main" id="{F5C634DD-F958-F96E-7651-7C8596F5F678}"/>
+              </a:ext>
+            </a:extLst>
+          </p:cNvPr>
+          <p:cNvSpPr/>
+          <p:nvPr/>
+        </p:nvSpPr>
+        <p:spPr>
+          <a:xfrm>
+            <a:off x="4279266" y="670510"/>
+            <a:ext cx="5897980" cy="5103869"/>
+          </a:xfrm>
+          <a:prstGeom prst="roundRect">
+            <a:avLst>
+              <a:gd name="adj" fmla="val 4026"/>
+            </a:avLst>
+          </a:prstGeom>
+          <a:noFill/>
+          <a:ln>
+            <a:solidFill>
+              <a:schemeClr val="tx1"/>
+            </a:solidFill>
+            <a:prstDash val="dash"/>
+          </a:ln>
+          <a:effectLst/>
+        </p:spPr>
+        <p:style>
+          <a:lnRef idx="2">
+            <a:schemeClr val="accent6"/>
+          </a:lnRef>
+          <a:fillRef idx="1">
+            <a:schemeClr val="lt1"/>
+          </a:fillRef>
+          <a:effectRef idx="0">
+            <a:schemeClr val="accent6"/>
+          </a:effectRef>
+          <a:fontRef idx="minor">
+            <a:schemeClr val="dk1"/>
+          </a:fontRef>
+        </p:style>
+        <p:txBody>
+          <a:bodyPr rtlCol="0" anchor="ctr"/>
+          <a:lstStyle/>
+          <a:p>
+            <a:pPr algn="ctr"/>
+            <a:endParaRPr lang="it-IT" sz="1600">
+              <a:latin typeface="CMU Bright Roman" panose="02000603000000000000" pitchFamily="2" charset="0"/>
+              <a:ea typeface="CMU Bright Roman" panose="02000603000000000000" pitchFamily="2" charset="0"/>
+              <a:cs typeface="CMU Bright Roman" panose="02000603000000000000" pitchFamily="2" charset="0"/>
+            </a:endParaRPr>
+          </a:p>
+        </p:txBody>
+      </p:sp>
+      <p:cxnSp>
+        <p:nvCxnSpPr>
+          <p:cNvPr id="37" name="Connettore 2 36">
+            <a:extLst>
+              <a:ext uri="{FF2B5EF4-FFF2-40B4-BE49-F238E27FC236}">
+                <a16:creationId xmlns:a16="http://schemas.microsoft.com/office/drawing/2014/main" id="{2F027892-BE1E-A280-0CFD-F74A929C7615}"/>
+              </a:ext>
+            </a:extLst>
+          </p:cNvPr>
+          <p:cNvCxnSpPr>
+            <a:cxnSpLocks/>
+          </p:cNvCxnSpPr>
+          <p:nvPr/>
+        </p:nvCxnSpPr>
+        <p:spPr>
+          <a:xfrm>
+            <a:off x="10177247" y="1501749"/>
+            <a:ext cx="300463" cy="0"/>
+          </a:xfrm>
+          <a:prstGeom prst="straightConnector1">
+            <a:avLst/>
+          </a:prstGeom>
+          <a:ln w="12700">
+            <a:solidFill>
+              <a:schemeClr val="accent6"/>
+            </a:solidFill>
+            <a:headEnd type="none" w="lg" len="lg"/>
+            <a:tailEnd type="diamond" w="lg" len="lg"/>
+          </a:ln>
+          <a:effectLst/>
+        </p:spPr>
+        <p:style>
+          <a:lnRef idx="1">
+            <a:schemeClr val="accent1"/>
+          </a:lnRef>
+          <a:fillRef idx="0">
+            <a:schemeClr val="accent1"/>
+          </a:fillRef>
+          <a:effectRef idx="0">
+            <a:schemeClr val="accent1"/>
+          </a:effectRef>
+          <a:fontRef idx="minor">
+            <a:schemeClr val="tx1"/>
+          </a:fontRef>
+        </p:style>
+      </p:cxnSp>
+      <p:cxnSp>
+        <p:nvCxnSpPr>
+          <p:cNvPr id="9" name="Connettore 2 8">
+            <a:extLst>
+              <a:ext uri="{FF2B5EF4-FFF2-40B4-BE49-F238E27FC236}">
+                <a16:creationId xmlns:a16="http://schemas.microsoft.com/office/drawing/2014/main" id="{D885565F-F1F9-2271-54FD-A80D7660C434}"/>
+              </a:ext>
+            </a:extLst>
+          </p:cNvPr>
+          <p:cNvCxnSpPr>
+            <a:cxnSpLocks/>
+          </p:cNvCxnSpPr>
+          <p:nvPr/>
+        </p:nvCxnSpPr>
+        <p:spPr>
+          <a:xfrm>
+            <a:off x="10177247" y="3503963"/>
+            <a:ext cx="300463" cy="8697"/>
+          </a:xfrm>
+          <a:prstGeom prst="straightConnector1">
+            <a:avLst/>
+          </a:prstGeom>
+          <a:ln w="12700">
+            <a:solidFill>
+              <a:schemeClr val="accent6"/>
+            </a:solidFill>
+            <a:headEnd type="none" w="lg" len="lg"/>
+            <a:tailEnd type="diamond" w="lg" len="lg"/>
+          </a:ln>
+          <a:effectLst/>
+        </p:spPr>
+        <p:style>
+          <a:lnRef idx="1">
+            <a:schemeClr val="accent1"/>
+          </a:lnRef>
+          <a:fillRef idx="0">
+            <a:schemeClr val="accent1"/>
+          </a:fillRef>
+          <a:effectRef idx="0">
+            <a:schemeClr val="accent1"/>
+          </a:effectRef>
+          <a:fontRef idx="minor">
+            <a:schemeClr val="tx1"/>
+          </a:fontRef>
+        </p:style>
+      </p:cxnSp>
+      <p:cxnSp>
+        <p:nvCxnSpPr>
+          <p:cNvPr id="10" name="Connettore 2 9">
+            <a:extLst>
+              <a:ext uri="{FF2B5EF4-FFF2-40B4-BE49-F238E27FC236}">
+                <a16:creationId xmlns:a16="http://schemas.microsoft.com/office/drawing/2014/main" id="{4ECE3F03-7AAC-582F-8212-C016B7F15718}"/>
+              </a:ext>
+            </a:extLst>
+          </p:cNvPr>
+          <p:cNvCxnSpPr>
+            <a:cxnSpLocks/>
+          </p:cNvCxnSpPr>
+          <p:nvPr/>
+        </p:nvCxnSpPr>
+        <p:spPr>
+          <a:xfrm flipV="1">
+            <a:off x="11195259" y="2306381"/>
+            <a:ext cx="1223" cy="531378"/>
+          </a:xfrm>
+          <a:prstGeom prst="straightConnector1">
+            <a:avLst/>
+          </a:prstGeom>
+          <a:ln w="12700">
+            <a:solidFill>
+              <a:schemeClr val="accent6"/>
+            </a:solidFill>
+            <a:headEnd type="none" w="lg" len="lg"/>
+            <a:tailEnd type="diamond" w="lg" len="lg"/>
+          </a:ln>
+          <a:effectLst/>
+        </p:spPr>
+        <p:style>
+          <a:lnRef idx="1">
+            <a:schemeClr val="accent1"/>
+          </a:lnRef>
+          <a:fillRef idx="0">
+            <a:schemeClr val="accent1"/>
+          </a:fillRef>
+          <a:effectRef idx="0">
+            <a:schemeClr val="accent1"/>
+          </a:effectRef>
+          <a:fontRef idx="minor">
+            <a:schemeClr val="tx1"/>
+          </a:fontRef>
+        </p:style>
+      </p:cxnSp>
+      <p:cxnSp>
+        <p:nvCxnSpPr>
+          <p:cNvPr id="16" name="Connettore 2 15">
+            <a:extLst>
+              <a:ext uri="{FF2B5EF4-FFF2-40B4-BE49-F238E27FC236}">
+                <a16:creationId xmlns:a16="http://schemas.microsoft.com/office/drawing/2014/main" id="{259570CD-E889-3C03-224E-C8562F2770BD}"/>
+              </a:ext>
+            </a:extLst>
+          </p:cNvPr>
+          <p:cNvCxnSpPr>
+            <a:cxnSpLocks/>
+          </p:cNvCxnSpPr>
+          <p:nvPr/>
+        </p:nvCxnSpPr>
+        <p:spPr>
+          <a:xfrm flipH="1">
+            <a:off x="11532020" y="5040549"/>
+            <a:ext cx="483365" cy="0"/>
+          </a:xfrm>
+          <a:prstGeom prst="straightConnector1">
+            <a:avLst/>
+          </a:prstGeom>
+          <a:ln w="12700">
+            <a:solidFill>
+              <a:schemeClr val="accent6"/>
+            </a:solidFill>
+            <a:headEnd type="none" w="lg" len="lg"/>
+            <a:tailEnd type="none" w="lg" len="lg"/>
+          </a:ln>
+          <a:effectLst/>
+        </p:spPr>
+        <p:style>
+          <a:lnRef idx="1">
+            <a:schemeClr val="accent1"/>
+          </a:lnRef>
+          <a:fillRef idx="0">
+            <a:schemeClr val="accent1"/>
+          </a:fillRef>
+          <a:effectRef idx="0">
+            <a:schemeClr val="accent1"/>
+          </a:effectRef>
+          <a:fontRef idx="minor">
+            <a:schemeClr val="tx1"/>
+          </a:fontRef>
+        </p:style>
+      </p:cxnSp>
+      <p:cxnSp>
+        <p:nvCxnSpPr>
+          <p:cNvPr id="22" name="Connettore 2 21">
+            <a:extLst>
+              <a:ext uri="{FF2B5EF4-FFF2-40B4-BE49-F238E27FC236}">
+                <a16:creationId xmlns:a16="http://schemas.microsoft.com/office/drawing/2014/main" id="{196D7CEE-A446-2257-162E-CFF2F750A809}"/>
+              </a:ext>
+            </a:extLst>
+          </p:cNvPr>
+          <p:cNvCxnSpPr>
+            <a:cxnSpLocks/>
+          </p:cNvCxnSpPr>
+          <p:nvPr/>
+        </p:nvCxnSpPr>
+        <p:spPr>
+          <a:xfrm flipV="1">
+            <a:off x="12015226" y="3521041"/>
+            <a:ext cx="0" cy="1522683"/>
+          </a:xfrm>
+          <a:prstGeom prst="straightConnector1">
+            <a:avLst/>
+          </a:prstGeom>
+          <a:ln w="12700" cap="rnd">
+            <a:solidFill>
+              <a:schemeClr val="accent6"/>
+            </a:solidFill>
+            <a:miter lim="800000"/>
+            <a:headEnd type="none" w="lg" len="lg"/>
+            <a:tailEnd type="none" w="lg" len="lg"/>
+          </a:ln>
+          <a:effectLst/>
+        </p:spPr>
+        <p:style>
+          <a:lnRef idx="1">
+            <a:schemeClr val="accent1"/>
+          </a:lnRef>
+          <a:fillRef idx="0">
+            <a:schemeClr val="accent1"/>
+          </a:fillRef>
+          <a:effectRef idx="0">
+            <a:schemeClr val="accent1"/>
+          </a:effectRef>
+          <a:fontRef idx="minor">
+            <a:schemeClr val="tx1"/>
+          </a:fontRef>
+        </p:style>
+      </p:cxnSp>
+      <p:cxnSp>
+        <p:nvCxnSpPr>
+          <p:cNvPr id="25" name="Connettore 2 24">
+            <a:extLst>
+              <a:ext uri="{FF2B5EF4-FFF2-40B4-BE49-F238E27FC236}">
+                <a16:creationId xmlns:a16="http://schemas.microsoft.com/office/drawing/2014/main" id="{A05F7F63-BA7E-100A-97EB-77ED0CCA8B03}"/>
+              </a:ext>
+            </a:extLst>
+          </p:cNvPr>
+          <p:cNvCxnSpPr>
+            <a:cxnSpLocks/>
+          </p:cNvCxnSpPr>
+          <p:nvPr/>
+        </p:nvCxnSpPr>
+        <p:spPr>
+          <a:xfrm>
+            <a:off x="11684190" y="3521041"/>
+            <a:ext cx="331036" cy="0"/>
+          </a:xfrm>
+          <a:prstGeom prst="straightConnector1">
+            <a:avLst/>
+          </a:prstGeom>
+          <a:ln w="12700" cap="rnd">
+            <a:solidFill>
+              <a:schemeClr val="accent6"/>
+            </a:solidFill>
+            <a:miter lim="800000"/>
+            <a:headEnd type="diamond" w="lg" len="lg"/>
+            <a:tailEnd type="none" w="lg" len="lg"/>
+          </a:ln>
+          <a:effectLst/>
+        </p:spPr>
+        <p:style>
+          <a:lnRef idx="1">
+            <a:schemeClr val="accent1"/>
+          </a:lnRef>
+          <a:fillRef idx="0">
+            <a:schemeClr val="accent1"/>
+          </a:fillRef>
+          <a:effectRef idx="0">
+            <a:schemeClr val="accent1"/>
+          </a:effectRef>
+          <a:fontRef idx="minor">
+            <a:schemeClr val="tx1"/>
+          </a:fontRef>
+        </p:style>
+      </p:cxnSp>
+      <p:sp>
+        <p:nvSpPr>
+          <p:cNvPr id="32" name="Rettangolo con angoli arrotondati 31">
+            <a:extLst>
+              <a:ext uri="{FF2B5EF4-FFF2-40B4-BE49-F238E27FC236}">
+                <a16:creationId xmlns:a16="http://schemas.microsoft.com/office/drawing/2014/main" id="{FC999AA5-619A-029B-48F1-90E2FA88BC42}"/>
+              </a:ext>
+            </a:extLst>
+          </p:cNvPr>
+          <p:cNvSpPr/>
+          <p:nvPr/>
+        </p:nvSpPr>
+        <p:spPr>
+          <a:xfrm>
+            <a:off x="10574337" y="5616885"/>
+            <a:ext cx="1210606" cy="440344"/>
+          </a:xfrm>
+          <a:prstGeom prst="roundRect">
+            <a:avLst/>
+          </a:prstGeom>
+          <a:ln>
+            <a:noFill/>
+          </a:ln>
+          <a:effectLst/>
+        </p:spPr>
+        <p:style>
+          <a:lnRef idx="2">
+            <a:schemeClr val="accent6"/>
+          </a:lnRef>
+          <a:fillRef idx="1">
+            <a:schemeClr val="lt1"/>
+          </a:fillRef>
+          <a:effectRef idx="0">
+            <a:schemeClr val="accent6"/>
+          </a:effectRef>
+          <a:fontRef idx="minor">
+            <a:schemeClr val="dk1"/>
+          </a:fontRef>
+        </p:style>
+        <p:txBody>
+          <a:bodyPr rtlCol="0" anchor="ctr"/>
+          <a:lstStyle/>
+          <a:p>
+            <a:pPr algn="ctr"/>
+            <a:r>
+              <a:rPr lang="it-IT" sz="1100" dirty="0">
+                <a:solidFill>
+                  <a:srgbClr val="71AD47"/>
+                </a:solidFill>
+                <a:latin typeface="CMU Bright Roman" panose="02000603000000000000" pitchFamily="2" charset="0"/>
+                <a:ea typeface="CMU Bright Roman" panose="02000603000000000000" pitchFamily="2" charset="0"/>
+                <a:cs typeface="CMU Bright Roman" panose="02000603000000000000" pitchFamily="2" charset="0"/>
+              </a:rPr>
+              <a:t>GIT CONFIG </a:t>
+            </a:r>
+          </a:p>
+          <a:p>
+            <a:pPr algn="ctr"/>
+            <a:r>
+              <a:rPr lang="it-IT" sz="1100" dirty="0">
+                <a:solidFill>
+                  <a:srgbClr val="71AD47"/>
+                </a:solidFill>
+                <a:latin typeface="CMU Bright Roman" panose="02000603000000000000" pitchFamily="2" charset="0"/>
+                <a:ea typeface="CMU Bright Roman" panose="02000603000000000000" pitchFamily="2" charset="0"/>
+                <a:cs typeface="CMU Bright Roman" panose="02000603000000000000" pitchFamily="2" charset="0"/>
+              </a:rPr>
+              <a:t>REPOSITORY</a:t>
+            </a:r>
+          </a:p>
+        </p:txBody>
+      </p:sp>
+      <p:sp>
+        <p:nvSpPr>
+          <p:cNvPr id="19" name="Rettangolo con angoli arrotondati 18">
+            <a:extLst>
+              <a:ext uri="{FF2B5EF4-FFF2-40B4-BE49-F238E27FC236}">
+                <a16:creationId xmlns:a16="http://schemas.microsoft.com/office/drawing/2014/main" id="{0AE20DC7-271E-CABA-D9D9-E89E8B435A62}"/>
+              </a:ext>
+            </a:extLst>
+          </p:cNvPr>
+          <p:cNvSpPr/>
+          <p:nvPr/>
+        </p:nvSpPr>
+        <p:spPr>
+          <a:xfrm>
+            <a:off x="5788925" y="2041398"/>
+            <a:ext cx="1222873" cy="494817"/>
+          </a:xfrm>
+          <a:prstGeom prst="roundRect">
+            <a:avLst/>
+          </a:prstGeom>
+          <a:ln>
+            <a:solidFill>
+              <a:srgbClr val="71AD47"/>
+            </a:solidFill>
+          </a:ln>
+          <a:effectLst/>
+        </p:spPr>
+        <p:style>
+          <a:lnRef idx="2">
+            <a:schemeClr val="accent6"/>
+          </a:lnRef>
+          <a:fillRef idx="1">
+            <a:schemeClr val="lt1"/>
+          </a:fillRef>
+          <a:effectRef idx="0">
+            <a:schemeClr val="accent6"/>
+          </a:effectRef>
+          <a:fontRef idx="minor">
+            <a:schemeClr val="dk1"/>
+          </a:fontRef>
+        </p:style>
+        <p:txBody>
+          <a:bodyPr rtlCol="0" anchor="ctr"/>
+          <a:lstStyle/>
+          <a:p>
+            <a:pPr algn="ctr"/>
+            <a:r>
+              <a:rPr lang="it-IT" sz="1100" dirty="0">
+                <a:solidFill>
+                  <a:srgbClr val="71AD47"/>
+                </a:solidFill>
+                <a:latin typeface="CMU Bright Roman" panose="02000603000000000000" pitchFamily="2" charset="0"/>
+                <a:ea typeface="CMU Bright Roman" panose="02000603000000000000" pitchFamily="2" charset="0"/>
+                <a:cs typeface="CMU Bright Roman" panose="02000603000000000000" pitchFamily="2" charset="0"/>
+              </a:rPr>
+              <a:t>RESTAURANT</a:t>
+            </a:r>
+          </a:p>
+          <a:p>
+            <a:pPr algn="ctr"/>
+            <a:r>
+              <a:rPr lang="it-IT" sz="1100" dirty="0">
+                <a:solidFill>
+                  <a:srgbClr val="71AD47"/>
+                </a:solidFill>
+                <a:latin typeface="CMU Bright Roman" panose="02000603000000000000" pitchFamily="2" charset="0"/>
+                <a:ea typeface="CMU Bright Roman" panose="02000603000000000000" pitchFamily="2" charset="0"/>
+                <a:cs typeface="CMU Bright Roman" panose="02000603000000000000" pitchFamily="2" charset="0"/>
+              </a:rPr>
+              <a:t>REST API</a:t>
+            </a:r>
+          </a:p>
+        </p:txBody>
+      </p:sp>
+      <p:grpSp>
+        <p:nvGrpSpPr>
+          <p:cNvPr id="49" name="Gruppo 48">
+            <a:extLst>
+              <a:ext uri="{FF2B5EF4-FFF2-40B4-BE49-F238E27FC236}">
+                <a16:creationId xmlns:a16="http://schemas.microsoft.com/office/drawing/2014/main" id="{5DE7424F-9854-9E38-A2EF-5C0990D7DDBE}"/>
+              </a:ext>
+            </a:extLst>
+          </p:cNvPr>
+          <p:cNvGrpSpPr/>
+          <p:nvPr/>
+        </p:nvGrpSpPr>
+        <p:grpSpPr>
+          <a:xfrm>
+            <a:off x="10298859" y="796679"/>
+            <a:ext cx="1836000" cy="1476000"/>
+            <a:chOff x="2620116" y="2251169"/>
+            <a:chExt cx="1615044" cy="1372946"/>
+          </a:xfrm>
+          <a:effectLst/>
+        </p:grpSpPr>
+        <p:sp>
+          <p:nvSpPr>
+            <p:cNvPr id="50" name="Esagono orizzontale 49">
+              <a:extLst>
+                <a:ext uri="{FF2B5EF4-FFF2-40B4-BE49-F238E27FC236}">
+                  <a16:creationId xmlns:a16="http://schemas.microsoft.com/office/drawing/2014/main" id="{F1F26293-C35B-8796-3E52-BB250C095873}"/>
+                </a:ext>
+              </a:extLst>
+            </p:cNvPr>
+            <p:cNvSpPr/>
+            <p:nvPr/>
+          </p:nvSpPr>
+          <p:spPr>
+            <a:xfrm rot="5400000">
+              <a:off x="2723723" y="2345855"/>
+              <a:ext cx="1372946" cy="1183574"/>
+            </a:xfrm>
+            <a:prstGeom prst="hexagon">
+              <a:avLst/>
+            </a:prstGeom>
+            <a:ln w="28575"/>
+          </p:spPr>
+          <p:style>
+            <a:lnRef idx="2">
+              <a:schemeClr val="accent6"/>
+            </a:lnRef>
+            <a:fillRef idx="1">
+              <a:schemeClr val="lt1"/>
+            </a:fillRef>
+            <a:effectRef idx="0">
+              <a:schemeClr val="accent6"/>
+            </a:effectRef>
+            <a:fontRef idx="minor">
+              <a:schemeClr val="dk1"/>
+            </a:fontRef>
+          </p:style>
+          <p:txBody>
+            <a:bodyPr rtlCol="0" anchor="ctr"/>
+            <a:lstStyle/>
+            <a:p>
+              <a:pPr algn="ctr"/>
+              <a:endParaRPr lang="it-IT" sz="1600" dirty="0">
+                <a:latin typeface="CMU Bright Roman" panose="02000603000000000000" pitchFamily="2" charset="0"/>
+                <a:ea typeface="CMU Bright Roman" panose="02000603000000000000" pitchFamily="2" charset="0"/>
+                <a:cs typeface="CMU Bright Roman" panose="02000603000000000000" pitchFamily="2" charset="0"/>
+              </a:endParaRPr>
+            </a:p>
+          </p:txBody>
+        </p:sp>
+        <p:sp>
+          <p:nvSpPr>
+            <p:cNvPr id="51" name="CasellaDiTesto 50">
+              <a:extLst>
+                <a:ext uri="{FF2B5EF4-FFF2-40B4-BE49-F238E27FC236}">
+                  <a16:creationId xmlns:a16="http://schemas.microsoft.com/office/drawing/2014/main" id="{5CDECC87-4734-7107-F347-DA5646F59726}"/>
+                </a:ext>
+              </a:extLst>
+            </p:cNvPr>
+            <p:cNvSpPr txBox="1"/>
+            <p:nvPr/>
+          </p:nvSpPr>
+          <p:spPr>
+            <a:xfrm>
+              <a:off x="2620116" y="2572072"/>
+              <a:ext cx="1615044" cy="738664"/>
+            </a:xfrm>
+            <a:prstGeom prst="rect">
+              <a:avLst/>
+            </a:prstGeom>
+            <a:noFill/>
+          </p:spPr>
+          <p:txBody>
+            <a:bodyPr wrap="square" rtlCol="0">
+              <a:spAutoFit/>
+            </a:bodyPr>
+            <a:lstStyle/>
+            <a:p>
+              <a:pPr algn="ctr"/>
+              <a:r>
+                <a:rPr lang="it-IT" sz="1400" dirty="0">
+                  <a:solidFill>
+                    <a:srgbClr val="71AD47"/>
+                  </a:solidFill>
+                  <a:latin typeface="CMU Bright Roman" panose="02000603000000000000" pitchFamily="2" charset="0"/>
+                  <a:ea typeface="CMU Bright Roman" panose="02000603000000000000" pitchFamily="2" charset="0"/>
+                  <a:cs typeface="CMU Bright Roman" panose="02000603000000000000" pitchFamily="2" charset="0"/>
+                </a:rPr>
+                <a:t>EUREKA</a:t>
+              </a:r>
+            </a:p>
+            <a:p>
+              <a:pPr algn="ctr"/>
+              <a:r>
+                <a:rPr lang="it-IT" sz="1400" dirty="0">
+                  <a:solidFill>
+                    <a:srgbClr val="71AD47"/>
+                  </a:solidFill>
+                  <a:latin typeface="CMU Bright Roman" panose="02000603000000000000" pitchFamily="2" charset="0"/>
+                  <a:ea typeface="CMU Bright Roman" panose="02000603000000000000" pitchFamily="2" charset="0"/>
+                  <a:cs typeface="CMU Bright Roman" panose="02000603000000000000" pitchFamily="2" charset="0"/>
+                </a:rPr>
+                <a:t>DISCOVERY</a:t>
+              </a:r>
+            </a:p>
+            <a:p>
+              <a:pPr algn="ctr"/>
+              <a:r>
+                <a:rPr lang="it-IT" sz="1400" dirty="0">
+                  <a:solidFill>
+                    <a:srgbClr val="71AD47"/>
+                  </a:solidFill>
+                  <a:latin typeface="CMU Bright Roman" panose="02000603000000000000" pitchFamily="2" charset="0"/>
+                  <a:ea typeface="CMU Bright Roman" panose="02000603000000000000" pitchFamily="2" charset="0"/>
+                  <a:cs typeface="CMU Bright Roman" panose="02000603000000000000" pitchFamily="2" charset="0"/>
+                </a:rPr>
+                <a:t>SERVICE</a:t>
+              </a:r>
+            </a:p>
+          </p:txBody>
+        </p:sp>
+      </p:grpSp>
+      <p:grpSp>
+        <p:nvGrpSpPr>
+          <p:cNvPr id="3" name="Gruppo 2">
+            <a:extLst>
+              <a:ext uri="{FF2B5EF4-FFF2-40B4-BE49-F238E27FC236}">
+                <a16:creationId xmlns:a16="http://schemas.microsoft.com/office/drawing/2014/main" id="{3E07DA50-A217-EF5D-6A33-392A72E5E17B}"/>
+              </a:ext>
+            </a:extLst>
+          </p:cNvPr>
+          <p:cNvGrpSpPr/>
+          <p:nvPr/>
+        </p:nvGrpSpPr>
+        <p:grpSpPr>
+          <a:xfrm>
+            <a:off x="10284459" y="2798893"/>
+            <a:ext cx="1836000" cy="1476000"/>
+            <a:chOff x="2607932" y="2251169"/>
+            <a:chExt cx="1615044" cy="1372946"/>
+          </a:xfrm>
+          <a:effectLst/>
+        </p:grpSpPr>
+        <p:sp>
+          <p:nvSpPr>
+            <p:cNvPr id="4" name="Esagono orizzontale 3">
+              <a:extLst>
+                <a:ext uri="{FF2B5EF4-FFF2-40B4-BE49-F238E27FC236}">
+                  <a16:creationId xmlns:a16="http://schemas.microsoft.com/office/drawing/2014/main" id="{D448A159-1409-E904-3077-020C4D155C06}"/>
+                </a:ext>
+              </a:extLst>
+            </p:cNvPr>
+            <p:cNvSpPr/>
+            <p:nvPr/>
+          </p:nvSpPr>
+          <p:spPr>
+            <a:xfrm rot="5400000">
+              <a:off x="2723723" y="2345855"/>
+              <a:ext cx="1372946" cy="1183574"/>
+            </a:xfrm>
+            <a:prstGeom prst="hexagon">
+              <a:avLst/>
+            </a:prstGeom>
+            <a:ln w="28575"/>
+          </p:spPr>
+          <p:style>
+            <a:lnRef idx="2">
+              <a:schemeClr val="accent6"/>
+            </a:lnRef>
+            <a:fillRef idx="1">
+              <a:schemeClr val="lt1"/>
+            </a:fillRef>
+            <a:effectRef idx="0">
+              <a:schemeClr val="accent6"/>
+            </a:effectRef>
+            <a:fontRef idx="minor">
+              <a:schemeClr val="dk1"/>
+            </a:fontRef>
+          </p:style>
+          <p:txBody>
+            <a:bodyPr rtlCol="0" anchor="ctr"/>
+            <a:lstStyle/>
+            <a:p>
+              <a:pPr algn="ctr"/>
+              <a:endParaRPr lang="it-IT" sz="1600" dirty="0">
+                <a:latin typeface="CMU Bright Roman" panose="02000603000000000000" pitchFamily="2" charset="0"/>
+                <a:ea typeface="CMU Bright Roman" panose="02000603000000000000" pitchFamily="2" charset="0"/>
+                <a:cs typeface="CMU Bright Roman" panose="02000603000000000000" pitchFamily="2" charset="0"/>
+              </a:endParaRPr>
+            </a:p>
+          </p:txBody>
+        </p:sp>
+        <p:sp>
+          <p:nvSpPr>
+            <p:cNvPr id="5" name="CasellaDiTesto 4">
+              <a:extLst>
+                <a:ext uri="{FF2B5EF4-FFF2-40B4-BE49-F238E27FC236}">
+                  <a16:creationId xmlns:a16="http://schemas.microsoft.com/office/drawing/2014/main" id="{7B857C3F-FAC7-45E5-9B55-94CD8B5597A0}"/>
+                </a:ext>
+              </a:extLst>
+            </p:cNvPr>
+            <p:cNvSpPr txBox="1"/>
+            <p:nvPr/>
+          </p:nvSpPr>
+          <p:spPr>
+            <a:xfrm>
+              <a:off x="2607932" y="2686727"/>
+              <a:ext cx="1615044" cy="523220"/>
+            </a:xfrm>
+            <a:prstGeom prst="rect">
+              <a:avLst/>
+            </a:prstGeom>
+            <a:noFill/>
+          </p:spPr>
+          <p:txBody>
+            <a:bodyPr wrap="square" rtlCol="0">
+              <a:spAutoFit/>
+            </a:bodyPr>
+            <a:lstStyle/>
+            <a:p>
+              <a:pPr algn="ctr"/>
+              <a:r>
+                <a:rPr lang="it-IT" sz="1400" dirty="0">
+                  <a:solidFill>
+                    <a:srgbClr val="71AD47"/>
+                  </a:solidFill>
+                  <a:latin typeface="CMU Bright Roman" panose="02000603000000000000" pitchFamily="2" charset="0"/>
+                  <a:ea typeface="CMU Bright Roman" panose="02000603000000000000" pitchFamily="2" charset="0"/>
+                  <a:cs typeface="CMU Bright Roman" panose="02000603000000000000" pitchFamily="2" charset="0"/>
+                </a:rPr>
+                <a:t>CONFIG</a:t>
+              </a:r>
+            </a:p>
+            <a:p>
+              <a:pPr algn="ctr"/>
+              <a:r>
+                <a:rPr lang="it-IT" sz="1400" dirty="0">
+                  <a:solidFill>
+                    <a:srgbClr val="71AD47"/>
+                  </a:solidFill>
+                  <a:latin typeface="CMU Bright Roman" panose="02000603000000000000" pitchFamily="2" charset="0"/>
+                  <a:ea typeface="CMU Bright Roman" panose="02000603000000000000" pitchFamily="2" charset="0"/>
+                  <a:cs typeface="CMU Bright Roman" panose="02000603000000000000" pitchFamily="2" charset="0"/>
+                </a:rPr>
+                <a:t>SERVER</a:t>
+              </a:r>
+            </a:p>
+          </p:txBody>
+        </p:sp>
+      </p:grpSp>
+      <p:cxnSp>
+        <p:nvCxnSpPr>
+          <p:cNvPr id="27" name="Connettore 1 26">
+            <a:extLst>
+              <a:ext uri="{FF2B5EF4-FFF2-40B4-BE49-F238E27FC236}">
+                <a16:creationId xmlns:a16="http://schemas.microsoft.com/office/drawing/2014/main" id="{07E56D1C-B267-1D66-BE2F-30E41384428B}"/>
+              </a:ext>
+            </a:extLst>
+          </p:cNvPr>
+          <p:cNvCxnSpPr>
+            <a:cxnSpLocks/>
+            <a:stCxn id="13" idx="0"/>
+            <a:endCxn id="71" idx="1"/>
+          </p:cNvCxnSpPr>
+          <p:nvPr/>
+        </p:nvCxnSpPr>
+        <p:spPr>
+          <a:xfrm>
+            <a:off x="5088199" y="3888727"/>
+            <a:ext cx="705530" cy="129474"/>
+          </a:xfrm>
+          <a:prstGeom prst="line">
+            <a:avLst/>
+          </a:prstGeom>
+          <a:ln w="12700">
+            <a:solidFill>
+              <a:schemeClr val="accent6"/>
+            </a:solidFill>
+            <a:headEnd type="none" w="med" len="med"/>
+            <a:tailEnd type="none" w="med" len="med"/>
+          </a:ln>
+          <a:effectLst/>
+        </p:spPr>
+        <p:style>
+          <a:lnRef idx="1">
+            <a:schemeClr val="accent1"/>
+          </a:lnRef>
+          <a:fillRef idx="0">
+            <a:schemeClr val="accent1"/>
+          </a:fillRef>
+          <a:effectRef idx="0">
+            <a:schemeClr val="accent1"/>
+          </a:effectRef>
+          <a:fontRef idx="minor">
+            <a:schemeClr val="tx1"/>
+          </a:fontRef>
+        </p:style>
+      </p:cxnSp>
+      <p:cxnSp>
+        <p:nvCxnSpPr>
+          <p:cNvPr id="33" name="Connettore 1 32">
+            <a:extLst>
+              <a:ext uri="{FF2B5EF4-FFF2-40B4-BE49-F238E27FC236}">
+                <a16:creationId xmlns:a16="http://schemas.microsoft.com/office/drawing/2014/main" id="{8A1C99A0-5CAD-E95B-D4B6-91534CA405FE}"/>
+              </a:ext>
+            </a:extLst>
+          </p:cNvPr>
+          <p:cNvCxnSpPr>
+            <a:cxnSpLocks/>
+            <a:stCxn id="13" idx="3"/>
+          </p:cNvCxnSpPr>
+          <p:nvPr/>
+        </p:nvCxnSpPr>
+        <p:spPr>
+          <a:xfrm flipV="1">
+            <a:off x="5088199" y="2262680"/>
+            <a:ext cx="700726" cy="150047"/>
+          </a:xfrm>
+          <a:prstGeom prst="line">
+            <a:avLst/>
+          </a:prstGeom>
+          <a:ln w="12700">
+            <a:solidFill>
+              <a:schemeClr val="accent6"/>
+            </a:solidFill>
+            <a:headEnd type="none" w="med" len="med"/>
+            <a:tailEnd type="none" w="med" len="med"/>
+          </a:ln>
+          <a:effectLst/>
+        </p:spPr>
+        <p:style>
+          <a:lnRef idx="1">
+            <a:schemeClr val="accent1"/>
+          </a:lnRef>
+          <a:fillRef idx="0">
+            <a:schemeClr val="accent1"/>
+          </a:fillRef>
+          <a:effectRef idx="0">
+            <a:schemeClr val="accent1"/>
+          </a:effectRef>
+          <a:fontRef idx="minor">
+            <a:schemeClr val="tx1"/>
+          </a:fontRef>
+        </p:style>
+      </p:cxnSp>
+      <p:grpSp>
+        <p:nvGrpSpPr>
+          <p:cNvPr id="8" name="Gruppo 7">
+            <a:extLst>
+              <a:ext uri="{FF2B5EF4-FFF2-40B4-BE49-F238E27FC236}">
+                <a16:creationId xmlns:a16="http://schemas.microsoft.com/office/drawing/2014/main" id="{42783787-AB26-4308-5A3D-C71519EF3EC7}"/>
+              </a:ext>
+            </a:extLst>
+          </p:cNvPr>
+          <p:cNvGrpSpPr/>
+          <p:nvPr/>
+        </p:nvGrpSpPr>
+        <p:grpSpPr>
+          <a:xfrm>
+            <a:off x="4170200" y="2412727"/>
+            <a:ext cx="1836000" cy="1476000"/>
+            <a:chOff x="2602675" y="2251169"/>
+            <a:chExt cx="1615044" cy="1372946"/>
+          </a:xfrm>
+        </p:grpSpPr>
+        <p:sp>
+          <p:nvSpPr>
+            <p:cNvPr id="13" name="Esagono orizzontale 12">
+              <a:extLst>
+                <a:ext uri="{FF2B5EF4-FFF2-40B4-BE49-F238E27FC236}">
+                  <a16:creationId xmlns:a16="http://schemas.microsoft.com/office/drawing/2014/main" id="{17CDF238-7B11-400A-64AD-BCC7DD853077}"/>
+                </a:ext>
+              </a:extLst>
+            </p:cNvPr>
+            <p:cNvSpPr/>
+            <p:nvPr/>
+          </p:nvSpPr>
+          <p:spPr>
+            <a:xfrm rot="5400000">
+              <a:off x="2723723" y="2345855"/>
+              <a:ext cx="1372946" cy="1183574"/>
+            </a:xfrm>
+            <a:prstGeom prst="hexagon">
+              <a:avLst/>
+            </a:prstGeom>
+            <a:ln w="28575">
+              <a:solidFill>
+                <a:srgbClr val="0070C0"/>
+              </a:solidFill>
+            </a:ln>
+          </p:spPr>
+          <p:style>
+            <a:lnRef idx="2">
+              <a:schemeClr val="accent6"/>
+            </a:lnRef>
+            <a:fillRef idx="1">
+              <a:schemeClr val="lt1"/>
+            </a:fillRef>
+            <a:effectRef idx="0">
+              <a:schemeClr val="accent6"/>
+            </a:effectRef>
+            <a:fontRef idx="minor">
+              <a:schemeClr val="dk1"/>
+            </a:fontRef>
+          </p:style>
+          <p:txBody>
+            <a:bodyPr rtlCol="0" anchor="ctr"/>
+            <a:lstStyle/>
+            <a:p>
+              <a:pPr algn="ctr"/>
+              <a:endParaRPr lang="it-IT" sz="1600" dirty="0">
+                <a:latin typeface="CMU Bright Roman" panose="02000603000000000000" pitchFamily="2" charset="0"/>
+                <a:ea typeface="CMU Bright Roman" panose="02000603000000000000" pitchFamily="2" charset="0"/>
+                <a:cs typeface="CMU Bright Roman" panose="02000603000000000000" pitchFamily="2" charset="0"/>
+              </a:endParaRPr>
+            </a:p>
+          </p:txBody>
+        </p:sp>
+        <p:sp>
+          <p:nvSpPr>
+            <p:cNvPr id="14" name="CasellaDiTesto 13">
+              <a:extLst>
+                <a:ext uri="{FF2B5EF4-FFF2-40B4-BE49-F238E27FC236}">
+                  <a16:creationId xmlns:a16="http://schemas.microsoft.com/office/drawing/2014/main" id="{0415584B-E656-2377-56A2-DA35A3200095}"/>
+                </a:ext>
+              </a:extLst>
+            </p:cNvPr>
+            <p:cNvSpPr txBox="1"/>
+            <p:nvPr/>
+          </p:nvSpPr>
+          <p:spPr>
+            <a:xfrm>
+              <a:off x="2602675" y="2661976"/>
+              <a:ext cx="1615044" cy="523220"/>
+            </a:xfrm>
+            <a:prstGeom prst="rect">
+              <a:avLst/>
+            </a:prstGeom>
+            <a:noFill/>
+          </p:spPr>
+          <p:txBody>
+            <a:bodyPr wrap="square" rtlCol="0">
+              <a:spAutoFit/>
+            </a:bodyPr>
+            <a:lstStyle/>
+            <a:p>
+              <a:pPr algn="ctr"/>
+              <a:r>
+                <a:rPr lang="it-IT" sz="1400" dirty="0">
+                  <a:solidFill>
+                    <a:srgbClr val="0070C0"/>
+                  </a:solidFill>
+                  <a:latin typeface="CMU Bright Roman" panose="02000603000000000000" pitchFamily="2" charset="0"/>
+                  <a:ea typeface="CMU Bright Roman" panose="02000603000000000000" pitchFamily="2" charset="0"/>
+                  <a:cs typeface="CMU Bright Roman" panose="02000603000000000000" pitchFamily="2" charset="0"/>
+                </a:rPr>
+                <a:t>API</a:t>
+              </a:r>
+            </a:p>
+            <a:p>
+              <a:pPr algn="ctr"/>
+              <a:r>
+                <a:rPr lang="it-IT" sz="1400" dirty="0">
+                  <a:solidFill>
+                    <a:srgbClr val="0070C0"/>
+                  </a:solidFill>
+                  <a:latin typeface="CMU Bright Roman" panose="02000603000000000000" pitchFamily="2" charset="0"/>
+                  <a:ea typeface="CMU Bright Roman" panose="02000603000000000000" pitchFamily="2" charset="0"/>
+                  <a:cs typeface="CMU Bright Roman" panose="02000603000000000000" pitchFamily="2" charset="0"/>
+                </a:rPr>
+                <a:t>GATEWAY</a:t>
+              </a:r>
+            </a:p>
+          </p:txBody>
+        </p:sp>
+      </p:grpSp>
+      <p:sp>
+        <p:nvSpPr>
+          <p:cNvPr id="18" name="Rettangolo con angoli arrotondati 17">
+            <a:extLst>
+              <a:ext uri="{FF2B5EF4-FFF2-40B4-BE49-F238E27FC236}">
+                <a16:creationId xmlns:a16="http://schemas.microsoft.com/office/drawing/2014/main" id="{CBD3B8A6-2EA8-5354-F8A5-F723DB8B31C8}"/>
+              </a:ext>
+            </a:extLst>
+          </p:cNvPr>
+          <p:cNvSpPr/>
+          <p:nvPr/>
+        </p:nvSpPr>
+        <p:spPr>
+          <a:xfrm>
+            <a:off x="3761679" y="2837759"/>
+            <a:ext cx="696215" cy="631911"/>
+          </a:xfrm>
+          <a:prstGeom prst="roundRect">
+            <a:avLst/>
+          </a:prstGeom>
+          <a:ln>
+            <a:solidFill>
+              <a:schemeClr val="accent1"/>
+            </a:solidFill>
+          </a:ln>
+        </p:spPr>
+        <p:style>
+          <a:lnRef idx="2">
+            <a:schemeClr val="accent6"/>
+          </a:lnRef>
+          <a:fillRef idx="1">
+            <a:schemeClr val="lt1"/>
+          </a:fillRef>
+          <a:effectRef idx="0">
+            <a:schemeClr val="accent6"/>
+          </a:effectRef>
+          <a:fontRef idx="minor">
+            <a:schemeClr val="dk1"/>
+          </a:fontRef>
+        </p:style>
+        <p:txBody>
+          <a:bodyPr rtlCol="0" anchor="ctr"/>
+          <a:lstStyle/>
+          <a:p>
+            <a:pPr algn="ctr"/>
+            <a:r>
+              <a:rPr lang="it-IT" sz="1100" dirty="0">
+                <a:solidFill>
+                  <a:srgbClr val="0070C0"/>
+                </a:solidFill>
+                <a:latin typeface="CMU Bright Roman" panose="02000603000000000000" pitchFamily="2" charset="0"/>
+                <a:ea typeface="CMU Bright Roman" panose="02000603000000000000" pitchFamily="2" charset="0"/>
+                <a:cs typeface="CMU Bright Roman" panose="02000603000000000000" pitchFamily="2" charset="0"/>
+              </a:rPr>
+              <a:t>SEFA</a:t>
+            </a:r>
+          </a:p>
+          <a:p>
+            <a:pPr algn="ctr"/>
+            <a:r>
+              <a:rPr lang="it-IT" sz="1100" dirty="0">
+                <a:solidFill>
+                  <a:srgbClr val="0070C0"/>
+                </a:solidFill>
+                <a:latin typeface="CMU Bright Roman" panose="02000603000000000000" pitchFamily="2" charset="0"/>
+                <a:ea typeface="CMU Bright Roman" panose="02000603000000000000" pitchFamily="2" charset="0"/>
+                <a:cs typeface="CMU Bright Roman" panose="02000603000000000000" pitchFamily="2" charset="0"/>
+              </a:rPr>
+              <a:t>REST</a:t>
+            </a:r>
+          </a:p>
+          <a:p>
+            <a:pPr algn="ctr"/>
+            <a:r>
+              <a:rPr lang="it-IT" sz="1100" dirty="0">
+                <a:solidFill>
+                  <a:srgbClr val="0070C0"/>
+                </a:solidFill>
+                <a:latin typeface="CMU Bright Roman" panose="02000603000000000000" pitchFamily="2" charset="0"/>
+                <a:ea typeface="CMU Bright Roman" panose="02000603000000000000" pitchFamily="2" charset="0"/>
+                <a:cs typeface="CMU Bright Roman" panose="02000603000000000000" pitchFamily="2" charset="0"/>
+              </a:rPr>
+              <a:t>API</a:t>
+            </a:r>
+          </a:p>
+        </p:txBody>
+      </p:sp>
+      <p:cxnSp>
+        <p:nvCxnSpPr>
+          <p:cNvPr id="41" name="Connettore 1 40">
+            <a:extLst>
+              <a:ext uri="{FF2B5EF4-FFF2-40B4-BE49-F238E27FC236}">
+                <a16:creationId xmlns:a16="http://schemas.microsoft.com/office/drawing/2014/main" id="{90F0885B-FBC0-D8AD-94DC-0FF9B2C882A6}"/>
+              </a:ext>
+            </a:extLst>
+          </p:cNvPr>
+          <p:cNvCxnSpPr>
+            <a:cxnSpLocks/>
+            <a:endCxn id="6" idx="4"/>
+          </p:cNvCxnSpPr>
+          <p:nvPr/>
+        </p:nvCxnSpPr>
+        <p:spPr>
+          <a:xfrm flipH="1">
+            <a:off x="7807173" y="2156276"/>
+            <a:ext cx="1083136" cy="2241473"/>
+          </a:xfrm>
+          <a:prstGeom prst="line">
+            <a:avLst/>
+          </a:prstGeom>
+          <a:ln w="12700">
+            <a:solidFill>
+              <a:schemeClr val="accent6"/>
+            </a:solidFill>
+            <a:prstDash val="solid"/>
+            <a:headEnd type="none" w="med" len="med"/>
+            <a:tailEnd type="none" w="med" len="med"/>
+          </a:ln>
+          <a:effectLst/>
+        </p:spPr>
+        <p:style>
+          <a:lnRef idx="1">
+            <a:schemeClr val="accent1"/>
+          </a:lnRef>
+          <a:fillRef idx="0">
+            <a:schemeClr val="accent1"/>
+          </a:fillRef>
+          <a:effectRef idx="0">
+            <a:schemeClr val="accent1"/>
+          </a:effectRef>
+          <a:fontRef idx="minor">
+            <a:schemeClr val="tx1"/>
+          </a:fontRef>
+        </p:style>
+      </p:cxnSp>
+      <p:cxnSp>
+        <p:nvCxnSpPr>
+          <p:cNvPr id="54" name="Connettore 1 53">
+            <a:extLst>
+              <a:ext uri="{FF2B5EF4-FFF2-40B4-BE49-F238E27FC236}">
+                <a16:creationId xmlns:a16="http://schemas.microsoft.com/office/drawing/2014/main" id="{A20E7037-4257-06E7-1623-04BBB4EF1DF0}"/>
+              </a:ext>
+            </a:extLst>
+          </p:cNvPr>
+          <p:cNvCxnSpPr>
+            <a:cxnSpLocks/>
+            <a:stCxn id="76" idx="1"/>
+            <a:endCxn id="6" idx="4"/>
+          </p:cNvCxnSpPr>
+          <p:nvPr/>
+        </p:nvCxnSpPr>
+        <p:spPr>
+          <a:xfrm flipH="1">
+            <a:off x="7807173" y="4013437"/>
+            <a:ext cx="871119" cy="384312"/>
+          </a:xfrm>
+          <a:prstGeom prst="line">
+            <a:avLst/>
+          </a:prstGeom>
+          <a:ln w="12700">
+            <a:solidFill>
+              <a:schemeClr val="accent6"/>
+            </a:solidFill>
+            <a:prstDash val="solid"/>
+            <a:headEnd type="none" w="med" len="med"/>
+            <a:tailEnd type="none" w="med" len="med"/>
+          </a:ln>
+          <a:effectLst/>
+        </p:spPr>
+        <p:style>
+          <a:lnRef idx="1">
+            <a:schemeClr val="accent1"/>
+          </a:lnRef>
+          <a:fillRef idx="0">
+            <a:schemeClr val="accent1"/>
+          </a:fillRef>
+          <a:effectRef idx="0">
+            <a:schemeClr val="accent1"/>
+          </a:effectRef>
+          <a:fontRef idx="minor">
+            <a:schemeClr val="tx1"/>
+          </a:fontRef>
+        </p:style>
+      </p:cxnSp>
+      <p:sp>
+        <p:nvSpPr>
+          <p:cNvPr id="64" name="Rettangolo con angoli arrotondati 63">
+            <a:extLst>
+              <a:ext uri="{FF2B5EF4-FFF2-40B4-BE49-F238E27FC236}">
+                <a16:creationId xmlns:a16="http://schemas.microsoft.com/office/drawing/2014/main" id="{273A280B-B953-3685-82CB-6959065CDBB5}"/>
+              </a:ext>
+            </a:extLst>
+          </p:cNvPr>
+          <p:cNvSpPr/>
+          <p:nvPr/>
+        </p:nvSpPr>
+        <p:spPr>
+          <a:xfrm>
+            <a:off x="1642183" y="4567484"/>
+            <a:ext cx="1013135" cy="494817"/>
+          </a:xfrm>
+          <a:prstGeom prst="roundRect">
+            <a:avLst/>
+          </a:prstGeom>
+          <a:ln>
+            <a:solidFill>
+              <a:schemeClr val="accent1"/>
+            </a:solidFill>
+          </a:ln>
+          <a:effectLst/>
+        </p:spPr>
+        <p:style>
+          <a:lnRef idx="2">
+            <a:schemeClr val="accent6"/>
+          </a:lnRef>
+          <a:fillRef idx="1">
+            <a:schemeClr val="lt1"/>
+          </a:fillRef>
+          <a:effectRef idx="0">
+            <a:schemeClr val="accent6"/>
+          </a:effectRef>
+          <a:fontRef idx="minor">
+            <a:schemeClr val="dk1"/>
+          </a:fontRef>
+        </p:style>
+        <p:txBody>
+          <a:bodyPr rtlCol="0" anchor="ctr"/>
+          <a:lstStyle/>
+          <a:p>
+            <a:pPr algn="ctr"/>
+            <a:r>
+              <a:rPr lang="it-IT" sz="1100" dirty="0">
+                <a:solidFill>
+                  <a:srgbClr val="0070C0"/>
+                </a:solidFill>
+                <a:latin typeface="CMU Bright Roman" panose="02000603000000000000" pitchFamily="2" charset="0"/>
+                <a:ea typeface="CMU Bright Roman" panose="02000603000000000000" pitchFamily="2" charset="0"/>
+                <a:cs typeface="CMU Bright Roman" panose="02000603000000000000" pitchFamily="2" charset="0"/>
+              </a:rPr>
+              <a:t>WEB</a:t>
+            </a:r>
+          </a:p>
+          <a:p>
+            <a:pPr algn="ctr"/>
+            <a:r>
+              <a:rPr lang="it-IT" sz="1100" dirty="0">
+                <a:solidFill>
+                  <a:srgbClr val="0070C0"/>
+                </a:solidFill>
+                <a:latin typeface="CMU Bright Roman" panose="02000603000000000000" pitchFamily="2" charset="0"/>
+                <a:ea typeface="CMU Bright Roman" panose="02000603000000000000" pitchFamily="2" charset="0"/>
+                <a:cs typeface="CMU Bright Roman" panose="02000603000000000000" pitchFamily="2" charset="0"/>
+              </a:rPr>
+              <a:t>INTERFACE</a:t>
+            </a:r>
+          </a:p>
+        </p:txBody>
+      </p:sp>
+      <p:pic>
+        <p:nvPicPr>
+          <p:cNvPr id="1026" name="Picture 2">
+            <a:extLst>
+              <a:ext uri="{FF2B5EF4-FFF2-40B4-BE49-F238E27FC236}">
+                <a16:creationId xmlns:a16="http://schemas.microsoft.com/office/drawing/2014/main" id="{C9F89DB4-0969-BF75-366A-5A6B4C82EF79}"/>
+              </a:ext>
+            </a:extLst>
+          </p:cNvPr>
+          <p:cNvPicPr>
+            <a:picLocks noChangeAspect="1" noChangeArrowheads="1"/>
+          </p:cNvPicPr>
+          <p:nvPr/>
+        </p:nvPicPr>
+        <p:blipFill>
+          <a:blip r:embed="rId9">
+            <a:alphaModFix/>
+            <a:duotone>
+              <a:schemeClr val="accent6">
+                <a:shade val="45000"/>
+                <a:satMod val="135000"/>
+              </a:schemeClr>
+              <a:prstClr val="white"/>
+            </a:duotone>
+            <a:extLst>
+              <a:ext uri="{BEBA8EAE-BF5A-486C-A8C5-ECC9F3942E4B}">
+                <a14:imgProps xmlns:a14="http://schemas.microsoft.com/office/drawing/2010/main">
+                  <a14:imgLayer r:embed="rId10">
+                    <a14:imgEffect>
+                      <a14:sharpenSoften amount="100000"/>
+                    </a14:imgEffect>
+                    <a14:imgEffect>
+                      <a14:colorTemperature colorTemp="11500"/>
+                    </a14:imgEffect>
+                    <a14:imgEffect>
+                      <a14:saturation sat="400000"/>
+                    </a14:imgEffect>
+                    <a14:imgEffect>
+                      <a14:brightnessContrast bright="-53000" contrast="-23000"/>
+                    </a14:imgEffect>
+                  </a14:imgLayer>
+                </a14:imgProps>
+              </a:ext>
+              <a:ext uri="{28A0092B-C50C-407E-A947-70E740481C1C}">
+                <a14:useLocalDpi xmlns:a14="http://schemas.microsoft.com/office/drawing/2010/main" val="0"/>
+              </a:ext>
+            </a:extLst>
+          </a:blip>
+          <a:srcRect/>
+          <a:stretch>
+            <a:fillRect/>
+          </a:stretch>
+        </p:blipFill>
+        <p:spPr bwMode="auto">
+          <a:xfrm>
+            <a:off x="10678250" y="4530228"/>
+            <a:ext cx="1013135" cy="1013135"/>
+          </a:xfrm>
+          <a:prstGeom prst="rect">
+            <a:avLst/>
+          </a:prstGeom>
+          <a:noFill/>
+          <a:effectLst/>
+          <a:extLst>
+            <a:ext uri="{909E8E84-426E-40DD-AFC4-6F175D3DCCD1}">
+              <a14:hiddenFill xmlns:a14="http://schemas.microsoft.com/office/drawing/2010/main">
+                <a:solidFill>
+                  <a:srgbClr val="FFFFFF"/>
+                </a:solidFill>
+              </a14:hiddenFill>
+            </a:ext>
+          </a:extLst>
+        </p:spPr>
+      </p:pic>
+      <p:pic>
+        <p:nvPicPr>
+          <p:cNvPr id="53" name="Elemento grafico 52" descr="Database con riempimento a tinta unita">
+            <a:extLst>
+              <a:ext uri="{FF2B5EF4-FFF2-40B4-BE49-F238E27FC236}">
+                <a16:creationId xmlns:a16="http://schemas.microsoft.com/office/drawing/2014/main" id="{29139A2E-5D51-0D6A-0009-D5E34A7AFB03}"/>
+              </a:ext>
+            </a:extLst>
+          </p:cNvPr>
+          <p:cNvPicPr>
+            <a:picLocks noChangeAspect="1"/>
+          </p:cNvPicPr>
+          <p:nvPr/>
+        </p:nvPicPr>
+        <p:blipFill>
+          <a:blip r:embed="rId3">
+            <a:extLst>
+              <a:ext uri="{96DAC541-7B7A-43D3-8B79-37D633B846F1}">
+                <asvg:svgBlip xmlns:asvg="http://schemas.microsoft.com/office/drawing/2016/SVG/main" r:embed="rId4"/>
+              </a:ext>
+            </a:extLst>
+          </a:blip>
+          <a:stretch>
+            <a:fillRect/>
+          </a:stretch>
+        </p:blipFill>
+        <p:spPr>
+          <a:xfrm>
+            <a:off x="7416278" y="4976278"/>
+            <a:ext cx="770126" cy="770126"/>
+          </a:xfrm>
+          <a:prstGeom prst="rect">
+            <a:avLst/>
+          </a:prstGeom>
+          <a:effectLst/>
+        </p:spPr>
+      </p:pic>
+      <p:sp>
+        <p:nvSpPr>
+          <p:cNvPr id="71" name="Rettangolo con angoli arrotondati 70">
+            <a:extLst>
+              <a:ext uri="{FF2B5EF4-FFF2-40B4-BE49-F238E27FC236}">
+                <a16:creationId xmlns:a16="http://schemas.microsoft.com/office/drawing/2014/main" id="{216BE44A-B708-17CA-E932-1C5CD6B0B25A}"/>
+              </a:ext>
+            </a:extLst>
+          </p:cNvPr>
+          <p:cNvSpPr/>
+          <p:nvPr/>
+        </p:nvSpPr>
+        <p:spPr>
+          <a:xfrm>
+            <a:off x="5793729" y="3770793"/>
+            <a:ext cx="1222873" cy="494816"/>
+          </a:xfrm>
+          <a:prstGeom prst="roundRect">
+            <a:avLst/>
+          </a:prstGeom>
+          <a:ln>
+            <a:solidFill>
+              <a:srgbClr val="71AD47"/>
+            </a:solidFill>
+          </a:ln>
+          <a:effectLst/>
+        </p:spPr>
+        <p:style>
+          <a:lnRef idx="2">
+            <a:schemeClr val="accent6"/>
+          </a:lnRef>
+          <a:fillRef idx="1">
+            <a:schemeClr val="lt1"/>
+          </a:fillRef>
+          <a:effectRef idx="0">
+            <a:schemeClr val="accent6"/>
+          </a:effectRef>
+          <a:fontRef idx="minor">
+            <a:schemeClr val="dk1"/>
+          </a:fontRef>
+        </p:style>
+        <p:txBody>
+          <a:bodyPr rtlCol="0" anchor="ctr"/>
+          <a:lstStyle/>
+          <a:p>
+            <a:pPr algn="ctr"/>
+            <a:r>
+              <a:rPr lang="it-IT" sz="1100" dirty="0">
+                <a:solidFill>
+                  <a:srgbClr val="71AD47"/>
+                </a:solidFill>
+                <a:latin typeface="CMU Bright Roman" panose="02000603000000000000" pitchFamily="2" charset="0"/>
+                <a:ea typeface="CMU Bright Roman" panose="02000603000000000000" pitchFamily="2" charset="0"/>
+                <a:cs typeface="CMU Bright Roman" panose="02000603000000000000" pitchFamily="2" charset="0"/>
+              </a:rPr>
+              <a:t>ORDERING</a:t>
+            </a:r>
+          </a:p>
+          <a:p>
+            <a:pPr algn="ctr"/>
+            <a:r>
+              <a:rPr lang="it-IT" sz="1100" dirty="0">
+                <a:solidFill>
+                  <a:srgbClr val="71AD47"/>
+                </a:solidFill>
+                <a:latin typeface="CMU Bright Roman" panose="02000603000000000000" pitchFamily="2" charset="0"/>
+                <a:ea typeface="CMU Bright Roman" panose="02000603000000000000" pitchFamily="2" charset="0"/>
+                <a:cs typeface="CMU Bright Roman" panose="02000603000000000000" pitchFamily="2" charset="0"/>
+              </a:rPr>
+              <a:t>REST API</a:t>
+            </a:r>
+          </a:p>
+        </p:txBody>
+      </p:sp>
+      <p:sp>
+        <p:nvSpPr>
+          <p:cNvPr id="75" name="Rettangolo con angoli arrotondati 74">
+            <a:extLst>
+              <a:ext uri="{FF2B5EF4-FFF2-40B4-BE49-F238E27FC236}">
+                <a16:creationId xmlns:a16="http://schemas.microsoft.com/office/drawing/2014/main" id="{41A5983A-35B1-D971-F1B8-BBCD87C6FD61}"/>
+              </a:ext>
+            </a:extLst>
+          </p:cNvPr>
+          <p:cNvSpPr/>
+          <p:nvPr/>
+        </p:nvSpPr>
+        <p:spPr>
+          <a:xfrm>
+            <a:off x="8684130" y="2045634"/>
+            <a:ext cx="1222873" cy="494817"/>
+          </a:xfrm>
+          <a:prstGeom prst="roundRect">
+            <a:avLst/>
+          </a:prstGeom>
+          <a:ln>
+            <a:solidFill>
+              <a:srgbClr val="71AD47"/>
+            </a:solidFill>
+          </a:ln>
+          <a:effectLst/>
+        </p:spPr>
+        <p:style>
+          <a:lnRef idx="2">
+            <a:schemeClr val="accent6"/>
+          </a:lnRef>
+          <a:fillRef idx="1">
+            <a:schemeClr val="lt1"/>
+          </a:fillRef>
+          <a:effectRef idx="0">
+            <a:schemeClr val="accent6"/>
+          </a:effectRef>
+          <a:fontRef idx="minor">
+            <a:schemeClr val="dk1"/>
+          </a:fontRef>
+        </p:style>
+        <p:txBody>
+          <a:bodyPr rtlCol="0" anchor="ctr"/>
+          <a:lstStyle/>
+          <a:p>
+            <a:pPr algn="ctr"/>
+            <a:r>
+              <a:rPr lang="it-IT" sz="1100" dirty="0">
+                <a:solidFill>
+                  <a:srgbClr val="71AD47"/>
+                </a:solidFill>
+                <a:latin typeface="CMU Bright Roman" panose="02000603000000000000" pitchFamily="2" charset="0"/>
+                <a:ea typeface="CMU Bright Roman" panose="02000603000000000000" pitchFamily="2" charset="0"/>
+                <a:cs typeface="CMU Bright Roman" panose="02000603000000000000" pitchFamily="2" charset="0"/>
+              </a:rPr>
+              <a:t>PAYMENT</a:t>
+            </a:r>
+          </a:p>
+          <a:p>
+            <a:pPr algn="ctr"/>
+            <a:r>
+              <a:rPr lang="it-IT" sz="1100" dirty="0">
+                <a:solidFill>
+                  <a:srgbClr val="71AD47"/>
+                </a:solidFill>
+                <a:latin typeface="CMU Bright Roman" panose="02000603000000000000" pitchFamily="2" charset="0"/>
+                <a:ea typeface="CMU Bright Roman" panose="02000603000000000000" pitchFamily="2" charset="0"/>
+                <a:cs typeface="CMU Bright Roman" panose="02000603000000000000" pitchFamily="2" charset="0"/>
+              </a:rPr>
+              <a:t>REST API</a:t>
+            </a:r>
+          </a:p>
+        </p:txBody>
+      </p:sp>
+      <p:sp>
+        <p:nvSpPr>
+          <p:cNvPr id="76" name="Rettangolo con angoli arrotondati 75">
+            <a:extLst>
+              <a:ext uri="{FF2B5EF4-FFF2-40B4-BE49-F238E27FC236}">
+                <a16:creationId xmlns:a16="http://schemas.microsoft.com/office/drawing/2014/main" id="{DD10E9DA-95EB-C20B-2852-DD130B8778DD}"/>
+              </a:ext>
+            </a:extLst>
+          </p:cNvPr>
+          <p:cNvSpPr/>
+          <p:nvPr/>
+        </p:nvSpPr>
+        <p:spPr>
+          <a:xfrm>
+            <a:off x="8678292" y="3766028"/>
+            <a:ext cx="1222873" cy="494817"/>
+          </a:xfrm>
+          <a:prstGeom prst="roundRect">
+            <a:avLst/>
+          </a:prstGeom>
+          <a:ln>
+            <a:solidFill>
+              <a:srgbClr val="71AD47"/>
+            </a:solidFill>
+          </a:ln>
+          <a:effectLst/>
+        </p:spPr>
+        <p:style>
+          <a:lnRef idx="2">
+            <a:schemeClr val="accent6"/>
+          </a:lnRef>
+          <a:fillRef idx="1">
+            <a:schemeClr val="lt1"/>
+          </a:fillRef>
+          <a:effectRef idx="0">
+            <a:schemeClr val="accent6"/>
+          </a:effectRef>
+          <a:fontRef idx="minor">
+            <a:schemeClr val="dk1"/>
+          </a:fontRef>
+        </p:style>
+        <p:txBody>
+          <a:bodyPr rtlCol="0" anchor="ctr"/>
+          <a:lstStyle/>
+          <a:p>
+            <a:pPr algn="ctr"/>
+            <a:r>
+              <a:rPr lang="it-IT" sz="1100" dirty="0">
+                <a:solidFill>
+                  <a:srgbClr val="71AD47"/>
+                </a:solidFill>
+                <a:latin typeface="CMU Bright Roman" panose="02000603000000000000" pitchFamily="2" charset="0"/>
+                <a:ea typeface="CMU Bright Roman" panose="02000603000000000000" pitchFamily="2" charset="0"/>
+                <a:cs typeface="CMU Bright Roman" panose="02000603000000000000" pitchFamily="2" charset="0"/>
+              </a:rPr>
+              <a:t>DELIVERY</a:t>
+            </a:r>
+          </a:p>
+          <a:p>
+            <a:pPr algn="ctr"/>
+            <a:r>
+              <a:rPr lang="it-IT" sz="1100" dirty="0">
+                <a:solidFill>
+                  <a:srgbClr val="71AD47"/>
+                </a:solidFill>
+                <a:latin typeface="CMU Bright Roman" panose="02000603000000000000" pitchFamily="2" charset="0"/>
+                <a:ea typeface="CMU Bright Roman" panose="02000603000000000000" pitchFamily="2" charset="0"/>
+                <a:cs typeface="CMU Bright Roman" panose="02000603000000000000" pitchFamily="2" charset="0"/>
+              </a:rPr>
+              <a:t>REST API</a:t>
+            </a:r>
+          </a:p>
+        </p:txBody>
+      </p:sp>
+    </p:spTree>
+    <p:extLst>
+      <p:ext uri="{BB962C8B-B14F-4D97-AF65-F5344CB8AC3E}">
+        <p14:creationId xmlns:p14="http://schemas.microsoft.com/office/powerpoint/2010/main" val="3387637990"/>
       </p:ext>
     </p:extLst>
   </p:cSld>
